--- a/ch10/第10章 枚举.pptx
+++ b/ch10/第10章 枚举.pptx
@@ -27,7 +27,7 @@
     <p:sldId id="680" r:id="rId18"/>
     <p:sldId id="618" r:id="rId19"/>
   </p:sldIdLst>
-  <p:sldSz cx="9144000" cy="6858000" type="screen4x3"/>
+  <p:sldSz cx="12192000" cy="6858000"/>
   <p:notesSz cx="6794500" cy="9918700"/>
   <p:defaultTextStyle>
     <a:defPPr>
@@ -162,12 +162,12 @@
   <p:extLst>
     <p:ext uri="{EFAFB233-063F-42B5-8137-9DF3F51BA10A}">
       <p15:sldGuideLst xmlns:p15="http://schemas.microsoft.com/office/powerpoint/2012/main">
-        <p15:guide id="1" orient="horz" pos="2180">
+        <p15:guide id="1" orient="horz" pos="2180" userDrawn="1">
           <p15:clr>
             <a:srgbClr val="A4A3A4"/>
           </p15:clr>
         </p15:guide>
-        <p15:guide id="2" pos="2812">
+        <p15:guide id="2" pos="3749" userDrawn="1">
           <p15:clr>
             <a:srgbClr val="A4A3A4"/>
           </p15:clr>
@@ -353,8 +353,8 @@
         </p:nvSpPr>
         <p:spPr bwMode="auto">
           <a:xfrm>
-            <a:off x="917575" y="744538"/>
-            <a:ext cx="4959350" cy="3719512"/>
+            <a:off x="92075" y="744538"/>
+            <a:ext cx="6610350" cy="3719512"/>
           </a:xfrm>
           <a:prstGeom prst="rect">
             <a:avLst/>
@@ -776,6 +776,10 @@
           </p:nvPr>
         </p:nvSpPr>
         <p:spPr>
+          <a:xfrm>
+            <a:off x="92075" y="744538"/>
+            <a:ext cx="6610350" cy="3719512"/>
+          </a:xfrm>
           <a:ln/>
         </p:spPr>
       </p:sp>
@@ -1014,7 +1018,12 @@
             <p:ph type="sldImg"/>
           </p:nvPr>
         </p:nvSpPr>
-        <p:spPr/>
+        <p:spPr>
+          <a:xfrm>
+            <a:off x="92075" y="744538"/>
+            <a:ext cx="6610350" cy="3719512"/>
+          </a:xfrm>
+        </p:spPr>
       </p:sp>
       <p:sp>
         <p:nvSpPr>
@@ -1105,6 +1114,10 @@
           </p:nvPr>
         </p:nvSpPr>
         <p:spPr>
+          <a:xfrm>
+            <a:off x="92075" y="744538"/>
+            <a:ext cx="6610350" cy="3719512"/>
+          </a:xfrm>
           <a:ln/>
         </p:spPr>
       </p:sp>
@@ -1342,6 +1355,10 @@
           </p:nvPr>
         </p:nvSpPr>
         <p:spPr>
+          <a:xfrm>
+            <a:off x="92075" y="744538"/>
+            <a:ext cx="6610350" cy="3719512"/>
+          </a:xfrm>
           <a:ln/>
         </p:spPr>
       </p:sp>
@@ -1581,6 +1598,10 @@
           </p:nvPr>
         </p:nvSpPr>
         <p:spPr>
+          <a:xfrm>
+            <a:off x="92075" y="744538"/>
+            <a:ext cx="6610350" cy="3719512"/>
+          </a:xfrm>
           <a:ln/>
         </p:spPr>
       </p:sp>
@@ -2173,6 +2194,10 @@
           </p:nvPr>
         </p:nvSpPr>
         <p:spPr>
+          <a:xfrm>
+            <a:off x="92075" y="744538"/>
+            <a:ext cx="6610350" cy="3719512"/>
+          </a:xfrm>
           <a:ln/>
         </p:spPr>
       </p:sp>
@@ -2412,6 +2437,10 @@
           </p:nvPr>
         </p:nvSpPr>
         <p:spPr>
+          <a:xfrm>
+            <a:off x="92075" y="744538"/>
+            <a:ext cx="6610350" cy="3719512"/>
+          </a:xfrm>
           <a:ln/>
         </p:spPr>
       </p:sp>
@@ -2651,6 +2680,10 @@
           </p:nvPr>
         </p:nvSpPr>
         <p:spPr>
+          <a:xfrm>
+            <a:off x="92075" y="744538"/>
+            <a:ext cx="6610350" cy="3719512"/>
+          </a:xfrm>
           <a:ln/>
         </p:spPr>
       </p:sp>
@@ -2890,6 +2923,10 @@
           </p:nvPr>
         </p:nvSpPr>
         <p:spPr>
+          <a:xfrm>
+            <a:off x="92075" y="744538"/>
+            <a:ext cx="6610350" cy="3719512"/>
+          </a:xfrm>
           <a:ln/>
         </p:spPr>
       </p:sp>
@@ -3128,7 +3165,12 @@
             <p:ph type="sldImg"/>
           </p:nvPr>
         </p:nvSpPr>
-        <p:spPr/>
+        <p:spPr>
+          <a:xfrm>
+            <a:off x="92075" y="744538"/>
+            <a:ext cx="6610350" cy="3719512"/>
+          </a:xfrm>
+        </p:spPr>
       </p:sp>
       <p:sp>
         <p:nvSpPr>
@@ -3228,7 +3270,12 @@
             <p:ph type="sldImg"/>
           </p:nvPr>
         </p:nvSpPr>
-        <p:spPr/>
+        <p:spPr>
+          <a:xfrm>
+            <a:off x="92075" y="744538"/>
+            <a:ext cx="6610350" cy="3719512"/>
+          </a:xfrm>
+        </p:spPr>
       </p:sp>
       <p:sp>
         <p:nvSpPr>
@@ -3354,8 +3401,8 @@
         </p:nvSpPr>
         <p:spPr>
           <a:xfrm>
-            <a:off x="685800" y="2130425"/>
-            <a:ext cx="7772400" cy="1470025"/>
+            <a:off x="914400" y="2130426"/>
+            <a:ext cx="10363200" cy="1470025"/>
           </a:xfrm>
           <a:prstGeom prst="rect">
             <a:avLst/>
@@ -3403,8 +3450,8 @@
         </p:nvSpPr>
         <p:spPr>
           <a:xfrm>
-            <a:off x="1371600" y="3886200"/>
-            <a:ext cx="6400800" cy="1752600"/>
+            <a:off x="1828800" y="3886200"/>
+            <a:ext cx="8534400" cy="1752600"/>
           </a:xfrm>
           <a:prstGeom prst="rect">
             <a:avLst/>
@@ -3486,8 +3533,8 @@
         </p:nvSpPr>
         <p:spPr>
           <a:xfrm>
-            <a:off x="457200" y="6245225"/>
-            <a:ext cx="2133600" cy="476250"/>
+            <a:off x="609600" y="6245225"/>
+            <a:ext cx="2844800" cy="476250"/>
           </a:xfrm>
           <a:prstGeom prst="rect">
             <a:avLst/>
@@ -3549,8 +3596,8 @@
         </p:nvSpPr>
         <p:spPr>
           <a:xfrm>
-            <a:off x="6553200" y="6245225"/>
-            <a:ext cx="2133600" cy="476250"/>
+            <a:off x="8737600" y="6245225"/>
+            <a:ext cx="2844800" cy="476250"/>
           </a:xfrm>
           <a:prstGeom prst="rect">
             <a:avLst/>
@@ -3606,8 +3653,8 @@
         </p:blipFill>
         <p:spPr bwMode="auto">
           <a:xfrm>
-            <a:off x="323528" y="188640"/>
-            <a:ext cx="1104900" cy="2017712"/>
+            <a:off x="431371" y="188640"/>
+            <a:ext cx="1473200" cy="2017712"/>
           </a:xfrm>
           <a:prstGeom prst="rect">
             <a:avLst/>
@@ -3679,8 +3726,8 @@
         </p:nvSpPr>
         <p:spPr>
           <a:xfrm>
-            <a:off x="457200" y="274638"/>
-            <a:ext cx="8229600" cy="742094"/>
+            <a:off x="609600" y="274638"/>
+            <a:ext cx="10972800" cy="742094"/>
           </a:xfrm>
           <a:prstGeom prst="rect">
             <a:avLst/>
@@ -3722,8 +3769,8 @@
         </p:nvSpPr>
         <p:spPr>
           <a:xfrm>
-            <a:off x="457200" y="1160748"/>
-            <a:ext cx="8229600" cy="4965415"/>
+            <a:off x="609600" y="1160749"/>
+            <a:ext cx="10972800" cy="4965415"/>
           </a:xfrm>
           <a:prstGeom prst="rect">
             <a:avLst/>
@@ -3853,8 +3900,8 @@
         </p:nvSpPr>
         <p:spPr>
           <a:xfrm>
-            <a:off x="7272300" y="6263751"/>
-            <a:ext cx="1512168" cy="369332"/>
+            <a:off x="9696400" y="6263751"/>
+            <a:ext cx="2016224" cy="369332"/>
           </a:xfrm>
           <a:prstGeom prst="rect">
             <a:avLst/>
@@ -3939,8 +3986,8 @@
         </p:nvSpPr>
         <p:spPr>
           <a:xfrm>
-            <a:off x="457200" y="274638"/>
-            <a:ext cx="8229600" cy="706090"/>
+            <a:off x="609600" y="274638"/>
+            <a:ext cx="10972800" cy="706090"/>
           </a:xfrm>
           <a:prstGeom prst="rect">
             <a:avLst/>
@@ -3982,8 +4029,8 @@
         </p:nvSpPr>
         <p:spPr>
           <a:xfrm>
-            <a:off x="457200" y="1088740"/>
-            <a:ext cx="4038600" cy="5037423"/>
+            <a:off x="609600" y="1088740"/>
+            <a:ext cx="5384800" cy="5037423"/>
           </a:xfrm>
           <a:prstGeom prst="rect">
             <a:avLst/>
@@ -4069,8 +4116,8 @@
         </p:nvSpPr>
         <p:spPr>
           <a:xfrm>
-            <a:off x="4648200" y="1088740"/>
-            <a:ext cx="4038600" cy="5037423"/>
+            <a:off x="6197600" y="1088740"/>
+            <a:ext cx="5384800" cy="5037423"/>
           </a:xfrm>
           <a:prstGeom prst="rect">
             <a:avLst/>
@@ -4156,8 +4203,8 @@
         </p:nvSpPr>
         <p:spPr>
           <a:xfrm>
-            <a:off x="457200" y="6245225"/>
-            <a:ext cx="2133600" cy="476250"/>
+            <a:off x="609600" y="6245225"/>
+            <a:ext cx="2844800" cy="476250"/>
           </a:xfrm>
           <a:prstGeom prst="rect">
             <a:avLst/>
@@ -4219,8 +4266,8 @@
         </p:nvSpPr>
         <p:spPr>
           <a:xfrm>
-            <a:off x="6553200" y="6245225"/>
-            <a:ext cx="2133600" cy="476250"/>
+            <a:off x="8737600" y="6245225"/>
+            <a:ext cx="2844800" cy="476250"/>
           </a:xfrm>
           <a:prstGeom prst="rect">
             <a:avLst/>
@@ -4261,8 +4308,8 @@
         </p:nvSpPr>
         <p:spPr>
           <a:xfrm>
-            <a:off x="7272300" y="6263751"/>
-            <a:ext cx="1512168" cy="369332"/>
+            <a:off x="9696400" y="6263751"/>
+            <a:ext cx="2016224" cy="369332"/>
           </a:xfrm>
           <a:prstGeom prst="rect">
             <a:avLst/>
@@ -4313,8 +4360,8 @@
         </p:nvSpPr>
         <p:spPr>
           <a:xfrm>
-            <a:off x="287524" y="6231485"/>
-            <a:ext cx="1512168" cy="369332"/>
+            <a:off x="383365" y="6231485"/>
+            <a:ext cx="2016224" cy="369332"/>
           </a:xfrm>
           <a:prstGeom prst="rect">
             <a:avLst/>
@@ -4389,8 +4436,8 @@
         </p:nvSpPr>
         <p:spPr>
           <a:xfrm>
-            <a:off x="457200" y="6245225"/>
-            <a:ext cx="2133600" cy="476250"/>
+            <a:off x="609600" y="6245225"/>
+            <a:ext cx="2844800" cy="476250"/>
           </a:xfrm>
           <a:prstGeom prst="rect">
             <a:avLst/>
@@ -4452,8 +4499,8 @@
         </p:nvSpPr>
         <p:spPr>
           <a:xfrm>
-            <a:off x="6553200" y="6245225"/>
-            <a:ext cx="2133600" cy="476250"/>
+            <a:off x="8737600" y="6245225"/>
+            <a:ext cx="2844800" cy="476250"/>
           </a:xfrm>
           <a:prstGeom prst="rect">
             <a:avLst/>
@@ -4494,8 +4541,8 @@
         </p:nvSpPr>
         <p:spPr>
           <a:xfrm>
-            <a:off x="7272300" y="6263751"/>
-            <a:ext cx="1512168" cy="369332"/>
+            <a:off x="9696400" y="6263751"/>
+            <a:ext cx="2016224" cy="369332"/>
           </a:xfrm>
           <a:prstGeom prst="rect">
             <a:avLst/>
@@ -4546,8 +4593,8 @@
         </p:nvSpPr>
         <p:spPr>
           <a:xfrm>
-            <a:off x="287524" y="6231485"/>
-            <a:ext cx="1512168" cy="369332"/>
+            <a:off x="383365" y="6231485"/>
+            <a:ext cx="2016224" cy="369332"/>
           </a:xfrm>
           <a:prstGeom prst="rect">
             <a:avLst/>
@@ -4641,8 +4688,8 @@
         </p:blipFill>
         <p:spPr bwMode="auto">
           <a:xfrm>
-            <a:off x="0" y="0"/>
-            <a:ext cx="9144000" cy="1000125"/>
+            <a:off x="0" y="1"/>
+            <a:ext cx="12192000" cy="1000125"/>
           </a:xfrm>
           <a:prstGeom prst="rect">
             <a:avLst/>
@@ -4684,8 +4731,8 @@
         </p:nvSpPr>
         <p:spPr bwMode="auto">
           <a:xfrm>
-            <a:off x="3124200" y="6245225"/>
-            <a:ext cx="2895600" cy="476250"/>
+            <a:off x="4165600" y="6245225"/>
+            <a:ext cx="3860800" cy="476250"/>
           </a:xfrm>
           <a:prstGeom prst="rect">
             <a:avLst/>
@@ -4764,8 +4811,8 @@
         </p:blipFill>
         <p:spPr bwMode="auto">
           <a:xfrm>
-            <a:off x="0" y="0"/>
-            <a:ext cx="2916238" cy="1000125"/>
+            <a:off x="0" y="1"/>
+            <a:ext cx="3888317" cy="1000125"/>
           </a:xfrm>
           <a:prstGeom prst="rect">
             <a:avLst/>
@@ -5279,14 +5326,8 @@
           <a:lstStyle/>
           <a:p>
             <a:r>
-              <a:rPr lang="zh-CN" altLang="en-US" sz="4000" b="1" dirty="0" smtClean="0">
-                <a:solidFill>
-                  <a:srgbClr val="A50021"/>
-                </a:solidFill>
-                <a:latin typeface="华文新魏" pitchFamily="2" charset="-122"/>
-                <a:ea typeface="华文新魏" pitchFamily="2" charset="-122"/>
-              </a:rPr>
-              <a:t>枚举</a:t>
+              <a:rPr lang="zh-CN" altLang="en-US" sz="4000" dirty="0" smtClean="0"/>
+              <a:t>第十章  枚举</a:t>
             </a:r>
             <a:r>
               <a:rPr lang="zh-CN" altLang="en-US" dirty="0" smtClean="0">
@@ -5344,20 +5385,7 @@
           <a:bodyPr/>
           <a:lstStyle/>
           <a:p>
-            <a:pPr marL="0" indent="0" algn="ctr" eaLnBrk="1" hangingPunct="1">
-              <a:spcBef>
-                <a:spcPct val="0"/>
-              </a:spcBef>
-              <a:buFontTx/>
-              <a:buNone/>
-            </a:pPr>
-            <a:r>
-              <a:rPr lang="zh-CN" altLang="en-US" sz="2400" b="1" dirty="0" smtClean="0">
-                <a:latin typeface="华文新魏" pitchFamily="2" charset="-122"/>
-                <a:ea typeface="华文新魏" pitchFamily="2" charset="-122"/>
-              </a:rPr>
-              <a:t>李玮玮</a:t>
-            </a:r>
+            <a:endParaRPr lang="zh-CN" altLang="en-US" dirty="0"/>
           </a:p>
         </p:txBody>
       </p:sp>
@@ -5431,6 +5459,11 @@
           <a:bodyPr/>
           <a:lstStyle/>
           <a:p>
+            <a:pPr>
+              <a:lnSpc>
+                <a:spcPct val="150000"/>
+              </a:lnSpc>
+            </a:pPr>
             <a:r>
               <a:rPr lang="zh-CN" altLang="en-US" dirty="0" smtClean="0"/>
               <a:t>枚举不可以实例化</a:t>
@@ -5438,7 +5471,11 @@
             <a:endParaRPr lang="en-US" altLang="zh-CN" dirty="0" smtClean="0"/>
           </a:p>
           <a:p>
-            <a:pPr lvl="1"/>
+            <a:pPr lvl="1">
+              <a:lnSpc>
+                <a:spcPct val="150000"/>
+              </a:lnSpc>
+            </a:pPr>
             <a:r>
               <a:rPr lang="zh-CN" altLang="en-US" dirty="0" smtClean="0">
                 <a:solidFill>
@@ -5462,27 +5499,58 @@
             </a:endParaRPr>
           </a:p>
           <a:p>
+            <a:pPr>
+              <a:lnSpc>
+                <a:spcPct val="150000"/>
+              </a:lnSpc>
+            </a:pPr>
             <a:endParaRPr lang="en-US" altLang="zh-CN" dirty="0" smtClean="0"/>
           </a:p>
           <a:p>
+            <a:pPr>
+              <a:lnSpc>
+                <a:spcPct val="150000"/>
+              </a:lnSpc>
+            </a:pPr>
             <a:endParaRPr lang="en-US" altLang="zh-CN" dirty="0" smtClean="0"/>
           </a:p>
           <a:p>
+            <a:pPr>
+              <a:lnSpc>
+                <a:spcPct val="150000"/>
+              </a:lnSpc>
+            </a:pPr>
             <a:endParaRPr lang="en-US" altLang="zh-CN" dirty="0" smtClean="0"/>
           </a:p>
           <a:p>
+            <a:pPr>
+              <a:lnSpc>
+                <a:spcPct val="150000"/>
+              </a:lnSpc>
+            </a:pPr>
             <a:endParaRPr lang="en-US" altLang="zh-CN" dirty="0" smtClean="0"/>
           </a:p>
           <a:p>
+            <a:pPr>
+              <a:lnSpc>
+                <a:spcPct val="150000"/>
+              </a:lnSpc>
+            </a:pPr>
             <a:endParaRPr lang="en-US" altLang="zh-CN" dirty="0" smtClean="0"/>
           </a:p>
           <a:p>
-            <a:endParaRPr lang="en-US" altLang="zh-CN" dirty="0" smtClean="0"/>
-          </a:p>
-          <a:p>
+            <a:pPr>
+              <a:lnSpc>
+                <a:spcPct val="150000"/>
+              </a:lnSpc>
+            </a:pPr>
             <a:r>
               <a:rPr lang="zh-CN" altLang="en-US" dirty="0" smtClean="0"/>
-              <a:t>通常只为枚举成员变量提供</a:t>
+              <a:t>通常</a:t>
+            </a:r>
+            <a:r>
+              <a:rPr lang="zh-CN" altLang="en-US" dirty="0" smtClean="0"/>
+              <a:t>只为枚举成员变量提供</a:t>
             </a:r>
             <a:r>
               <a:rPr lang="en-US" altLang="zh-CN" dirty="0" smtClean="0"/>
@@ -5503,12 +5571,27 @@
             <a:endParaRPr lang="pt-BR" altLang="zh-CN" dirty="0" smtClean="0"/>
           </a:p>
           <a:p>
+            <a:pPr>
+              <a:lnSpc>
+                <a:spcPct val="150000"/>
+              </a:lnSpc>
+            </a:pPr>
             <a:endParaRPr lang="pt-BR" altLang="zh-CN" dirty="0" smtClean="0"/>
           </a:p>
           <a:p>
+            <a:pPr>
+              <a:lnSpc>
+                <a:spcPct val="150000"/>
+              </a:lnSpc>
+            </a:pPr>
             <a:endParaRPr lang="pt-BR" altLang="zh-CN" dirty="0" smtClean="0"/>
           </a:p>
           <a:p>
+            <a:pPr>
+              <a:lnSpc>
+                <a:spcPct val="150000"/>
+              </a:lnSpc>
+            </a:pPr>
             <a:endParaRPr lang="zh-CN" altLang="en-US" dirty="0" smtClean="0"/>
           </a:p>
         </p:txBody>
@@ -5521,7 +5604,7 @@
         </p:nvSpPr>
         <p:spPr>
           <a:xfrm>
-            <a:off x="971600" y="2132856"/>
+            <a:off x="1559496" y="2492896"/>
             <a:ext cx="7500990" cy="2286016"/>
           </a:xfrm>
           <a:prstGeom prst="rect">
@@ -5550,7 +5633,7 @@
               <a:defRPr/>
             </a:pPr>
             <a:r>
-              <a:rPr lang="en-US" altLang="zh-CN" kern="0" dirty="0" smtClean="0">
+              <a:rPr lang="en-US" altLang="zh-CN" kern="0" dirty="0">
                 <a:solidFill>
                   <a:schemeClr val="tx1"/>
                 </a:solidFill>
@@ -5560,7 +5643,7 @@
               <a:t>    Color(String name, </a:t>
             </a:r>
             <a:r>
-              <a:rPr lang="en-US" altLang="zh-CN" kern="0" dirty="0" err="1" smtClean="0">
+              <a:rPr lang="en-US" altLang="zh-CN" kern="0" dirty="0" err="1">
                 <a:solidFill>
                   <a:schemeClr val="tx1"/>
                 </a:solidFill>
@@ -5570,7 +5653,7 @@
               <a:t>int</a:t>
             </a:r>
             <a:r>
-              <a:rPr lang="en-US" altLang="zh-CN" kern="0" dirty="0" smtClean="0">
+              <a:rPr lang="en-US" altLang="zh-CN" kern="0" dirty="0">
                 <a:solidFill>
                   <a:schemeClr val="tx1"/>
                 </a:solidFill>
@@ -5588,7 +5671,7 @@
               <a:defRPr/>
             </a:pPr>
             <a:r>
-              <a:rPr lang="en-US" altLang="zh-CN" kern="0" dirty="0" smtClean="0">
+              <a:rPr lang="en-US" altLang="zh-CN" kern="0" dirty="0">
                 <a:solidFill>
                   <a:schemeClr val="tx1"/>
                 </a:solidFill>
@@ -5606,7 +5689,7 @@
               <a:defRPr/>
             </a:pPr>
             <a:r>
-              <a:rPr lang="en-US" altLang="zh-CN" kern="0" dirty="0" smtClean="0">
+              <a:rPr lang="en-US" altLang="zh-CN" kern="0" dirty="0">
                 <a:solidFill>
                   <a:schemeClr val="tx1"/>
                 </a:solidFill>
@@ -5624,7 +5707,7 @@
               <a:defRPr/>
             </a:pPr>
             <a:r>
-              <a:rPr lang="en-US" altLang="zh-CN" kern="0" dirty="0" smtClean="0">
+              <a:rPr lang="en-US" altLang="zh-CN" kern="0" dirty="0">
                 <a:solidFill>
                   <a:schemeClr val="tx1"/>
                 </a:solidFill>
@@ -5642,7 +5725,7 @@
               <a:defRPr/>
             </a:pPr>
             <a:r>
-              <a:rPr lang="en-US" altLang="zh-CN" kern="0" dirty="0" smtClean="0">
+              <a:rPr lang="en-US" altLang="zh-CN" kern="0" dirty="0">
                 <a:solidFill>
                   <a:schemeClr val="tx1"/>
                 </a:solidFill>
@@ -5660,7 +5743,7 @@
               <a:defRPr/>
             </a:pPr>
             <a:r>
-              <a:rPr lang="en-US" altLang="zh-CN" kern="0" dirty="0" smtClean="0">
+              <a:rPr lang="en-US" altLang="zh-CN" kern="0" dirty="0">
                 <a:solidFill>
                   <a:schemeClr val="tx1"/>
                 </a:solidFill>
@@ -5670,7 +5753,7 @@
               <a:t>     </a:t>
             </a:r>
             <a:r>
-              <a:rPr lang="en-US" altLang="zh-CN" kern="0" dirty="0" err="1" smtClean="0">
+              <a:rPr lang="en-US" altLang="zh-CN" kern="0" dirty="0" err="1">
                 <a:solidFill>
                   <a:schemeClr val="tx1"/>
                 </a:solidFill>
@@ -5680,7 +5763,7 @@
               <a:t>int</a:t>
             </a:r>
             <a:r>
-              <a:rPr lang="en-US" altLang="zh-CN" kern="0" dirty="0" smtClean="0">
+              <a:rPr lang="en-US" altLang="zh-CN" kern="0" dirty="0">
                 <a:solidFill>
                   <a:schemeClr val="tx1"/>
                 </a:solidFill>
@@ -5792,7 +5875,7 @@
         </p:nvSpPr>
         <p:spPr>
           <a:xfrm>
-            <a:off x="642910" y="1000108"/>
+            <a:off x="2166910" y="1000108"/>
             <a:ext cx="7500990" cy="5857892"/>
           </a:xfrm>
           <a:prstGeom prst="rect">
@@ -5821,7 +5904,7 @@
               <a:defRPr/>
             </a:pPr>
             <a:r>
-              <a:rPr lang="en-US" altLang="zh-CN" kern="0" dirty="0" smtClean="0">
+              <a:rPr lang="en-US" altLang="zh-CN" kern="0" dirty="0">
                 <a:solidFill>
                   <a:schemeClr val="tx1"/>
                 </a:solidFill>
@@ -5831,7 +5914,7 @@
               <a:t>public </a:t>
             </a:r>
             <a:r>
-              <a:rPr lang="en-US" altLang="zh-CN" kern="0" dirty="0" err="1" smtClean="0">
+              <a:rPr lang="en-US" altLang="zh-CN" kern="0" dirty="0" err="1">
                 <a:solidFill>
                   <a:schemeClr val="tx1"/>
                 </a:solidFill>
@@ -5841,7 +5924,7 @@
               <a:t>enum</a:t>
             </a:r>
             <a:r>
-              <a:rPr lang="en-US" altLang="zh-CN" kern="0" dirty="0" smtClean="0">
+              <a:rPr lang="en-US" altLang="zh-CN" kern="0" dirty="0">
                 <a:solidFill>
                   <a:schemeClr val="tx1"/>
                 </a:solidFill>
@@ -5859,7 +5942,7 @@
               <a:defRPr/>
             </a:pPr>
             <a:r>
-              <a:rPr lang="en-US" altLang="zh-CN" kern="0" dirty="0" smtClean="0">
+              <a:rPr lang="en-US" altLang="zh-CN" kern="0" dirty="0">
                 <a:solidFill>
                   <a:schemeClr val="tx1"/>
                 </a:solidFill>
@@ -5877,7 +5960,7 @@
               <a:defRPr/>
             </a:pPr>
             <a:r>
-              <a:rPr lang="en-US" altLang="zh-CN" kern="0" dirty="0" smtClean="0">
+              <a:rPr lang="en-US" altLang="zh-CN" kern="0" dirty="0">
                 <a:solidFill>
                   <a:schemeClr val="tx1"/>
                 </a:solidFill>
@@ -5895,7 +5978,7 @@
               <a:defRPr/>
             </a:pPr>
             <a:r>
-              <a:rPr lang="en-US" altLang="zh-CN" kern="0" dirty="0" smtClean="0">
+              <a:rPr lang="en-US" altLang="zh-CN" kern="0" dirty="0">
                 <a:solidFill>
                   <a:schemeClr val="tx1"/>
                 </a:solidFill>
@@ -5905,7 +5988,7 @@
               <a:t>        Color(String name, </a:t>
             </a:r>
             <a:r>
-              <a:rPr lang="en-US" altLang="zh-CN" kern="0" dirty="0" err="1" smtClean="0">
+              <a:rPr lang="en-US" altLang="zh-CN" kern="0" dirty="0" err="1">
                 <a:solidFill>
                   <a:schemeClr val="tx1"/>
                 </a:solidFill>
@@ -5915,7 +5998,7 @@
               <a:t>int</a:t>
             </a:r>
             <a:r>
-              <a:rPr lang="en-US" altLang="zh-CN" kern="0" dirty="0" smtClean="0">
+              <a:rPr lang="en-US" altLang="zh-CN" kern="0" dirty="0">
                 <a:solidFill>
                   <a:schemeClr val="tx1"/>
                 </a:solidFill>
@@ -5933,7 +6016,7 @@
               <a:defRPr/>
             </a:pPr>
             <a:r>
-              <a:rPr lang="en-US" altLang="zh-CN" kern="0" dirty="0" smtClean="0">
+              <a:rPr lang="en-US" altLang="zh-CN" kern="0" dirty="0">
                 <a:solidFill>
                   <a:schemeClr val="tx1"/>
                 </a:solidFill>
@@ -5951,7 +6034,7 @@
               <a:defRPr/>
             </a:pPr>
             <a:r>
-              <a:rPr lang="en-US" altLang="zh-CN" kern="0" dirty="0" smtClean="0">
+              <a:rPr lang="en-US" altLang="zh-CN" kern="0" dirty="0">
                 <a:solidFill>
                   <a:schemeClr val="tx1"/>
                 </a:solidFill>
@@ -5969,7 +6052,7 @@
               <a:defRPr/>
             </a:pPr>
             <a:r>
-              <a:rPr lang="en-US" altLang="zh-CN" kern="0" dirty="0" smtClean="0">
+              <a:rPr lang="en-US" altLang="zh-CN" kern="0" dirty="0">
                 <a:solidFill>
                   <a:schemeClr val="tx1"/>
                 </a:solidFill>
@@ -5987,7 +6070,7 @@
               <a:defRPr/>
             </a:pPr>
             <a:r>
-              <a:rPr lang="en-US" altLang="zh-CN" kern="0" dirty="0" smtClean="0">
+              <a:rPr lang="en-US" altLang="zh-CN" kern="0" dirty="0">
                 <a:solidFill>
                   <a:schemeClr val="tx1"/>
                 </a:solidFill>
@@ -6005,7 +6088,7 @@
               <a:defRPr/>
             </a:pPr>
             <a:r>
-              <a:rPr lang="en-US" altLang="zh-CN" kern="0" dirty="0" smtClean="0">
+              <a:rPr lang="en-US" altLang="zh-CN" kern="0" dirty="0">
                 <a:solidFill>
                   <a:schemeClr val="tx1"/>
                 </a:solidFill>
@@ -6015,7 +6098,7 @@
               <a:t>        private </a:t>
             </a:r>
             <a:r>
-              <a:rPr lang="en-US" altLang="zh-CN" kern="0" dirty="0" err="1" smtClean="0">
+              <a:rPr lang="en-US" altLang="zh-CN" kern="0" dirty="0" err="1">
                 <a:solidFill>
                   <a:schemeClr val="tx1"/>
                 </a:solidFill>
@@ -6025,7 +6108,7 @@
               <a:t>int</a:t>
             </a:r>
             <a:r>
-              <a:rPr lang="en-US" altLang="zh-CN" kern="0" dirty="0" smtClean="0">
+              <a:rPr lang="en-US" altLang="zh-CN" kern="0" dirty="0">
                 <a:solidFill>
                   <a:schemeClr val="tx1"/>
                 </a:solidFill>
@@ -6043,7 +6126,7 @@
               <a:defRPr/>
             </a:pPr>
             <a:r>
-              <a:rPr lang="en-US" altLang="zh-CN" kern="0" dirty="0" smtClean="0">
+              <a:rPr lang="en-US" altLang="zh-CN" kern="0" dirty="0">
                 <a:solidFill>
                   <a:schemeClr val="tx1"/>
                 </a:solidFill>
@@ -6053,7 +6136,7 @@
               <a:t>        public String </a:t>
             </a:r>
             <a:r>
-              <a:rPr lang="en-US" altLang="zh-CN" kern="0" dirty="0" err="1" smtClean="0">
+              <a:rPr lang="en-US" altLang="zh-CN" kern="0" dirty="0" err="1">
                 <a:solidFill>
                   <a:schemeClr val="tx1"/>
                 </a:solidFill>
@@ -6063,7 +6146,7 @@
               <a:t>getName</a:t>
             </a:r>
             <a:r>
-              <a:rPr lang="en-US" altLang="zh-CN" kern="0" dirty="0" smtClean="0">
+              <a:rPr lang="en-US" altLang="zh-CN" kern="0" dirty="0">
                 <a:solidFill>
                   <a:schemeClr val="tx1"/>
                 </a:solidFill>
@@ -6081,7 +6164,7 @@
               <a:defRPr/>
             </a:pPr>
             <a:r>
-              <a:rPr lang="en-US" altLang="zh-CN" kern="0" dirty="0" smtClean="0">
+              <a:rPr lang="en-US" altLang="zh-CN" kern="0" dirty="0">
                 <a:solidFill>
                   <a:schemeClr val="tx1"/>
                 </a:solidFill>
@@ -6099,7 +6182,7 @@
               <a:defRPr/>
             </a:pPr>
             <a:r>
-              <a:rPr lang="en-US" altLang="zh-CN" kern="0" dirty="0" smtClean="0">
+              <a:rPr lang="en-US" altLang="zh-CN" kern="0" dirty="0">
                 <a:solidFill>
                   <a:schemeClr val="tx1"/>
                 </a:solidFill>
@@ -6117,7 +6200,7 @@
               <a:defRPr/>
             </a:pPr>
             <a:r>
-              <a:rPr lang="en-US" altLang="zh-CN" kern="0" dirty="0" smtClean="0">
+              <a:rPr lang="en-US" altLang="zh-CN" kern="0" dirty="0">
                 <a:solidFill>
                   <a:schemeClr val="tx1"/>
                 </a:solidFill>
@@ -6127,7 +6210,7 @@
               <a:t>        public </a:t>
             </a:r>
             <a:r>
-              <a:rPr lang="en-US" altLang="zh-CN" kern="0" dirty="0" err="1" smtClean="0">
+              <a:rPr lang="en-US" altLang="zh-CN" kern="0" dirty="0" err="1">
                 <a:solidFill>
                   <a:schemeClr val="tx1"/>
                 </a:solidFill>
@@ -6137,7 +6220,7 @@
               <a:t>int</a:t>
             </a:r>
             <a:r>
-              <a:rPr lang="en-US" altLang="zh-CN" kern="0" dirty="0" smtClean="0">
+              <a:rPr lang="en-US" altLang="zh-CN" kern="0" dirty="0">
                 <a:solidFill>
                   <a:schemeClr val="tx1"/>
                 </a:solidFill>
@@ -6147,7 +6230,7 @@
               <a:t> </a:t>
             </a:r>
             <a:r>
-              <a:rPr lang="en-US" altLang="zh-CN" kern="0" dirty="0" err="1" smtClean="0">
+              <a:rPr lang="en-US" altLang="zh-CN" kern="0" dirty="0" err="1">
                 <a:solidFill>
                   <a:schemeClr val="tx1"/>
                 </a:solidFill>
@@ -6157,7 +6240,7 @@
               <a:t>getId</a:t>
             </a:r>
             <a:r>
-              <a:rPr lang="en-US" altLang="zh-CN" kern="0" dirty="0" smtClean="0">
+              <a:rPr lang="en-US" altLang="zh-CN" kern="0" dirty="0">
                 <a:solidFill>
                   <a:schemeClr val="tx1"/>
                 </a:solidFill>
@@ -6175,7 +6258,7 @@
               <a:defRPr/>
             </a:pPr>
             <a:r>
-              <a:rPr lang="en-US" altLang="zh-CN" kern="0" dirty="0" smtClean="0">
+              <a:rPr lang="en-US" altLang="zh-CN" kern="0" dirty="0">
                 <a:solidFill>
                   <a:schemeClr val="tx1"/>
                 </a:solidFill>
@@ -6193,7 +6276,7 @@
               <a:defRPr/>
             </a:pPr>
             <a:r>
-              <a:rPr lang="en-US" altLang="zh-CN" kern="0" dirty="0" smtClean="0">
+              <a:rPr lang="en-US" altLang="zh-CN" kern="0" dirty="0">
                 <a:solidFill>
                   <a:schemeClr val="tx1"/>
                 </a:solidFill>
@@ -6211,7 +6294,7 @@
               <a:defRPr/>
             </a:pPr>
             <a:r>
-              <a:rPr lang="en-US" altLang="zh-CN" kern="0" dirty="0" smtClean="0">
+              <a:rPr lang="en-US" altLang="zh-CN" kern="0" dirty="0">
                 <a:solidFill>
                   <a:schemeClr val="tx1"/>
                 </a:solidFill>
@@ -6231,7 +6314,7 @@
         </p:nvSpPr>
         <p:spPr>
           <a:xfrm>
-            <a:off x="4643406" y="2928934"/>
+            <a:off x="6167406" y="2928934"/>
             <a:ext cx="4500594" cy="2286016"/>
           </a:xfrm>
           <a:prstGeom prst="rect">
@@ -6260,7 +6343,7 @@
               <a:defRPr/>
             </a:pPr>
             <a:r>
-              <a:rPr lang="en-US" altLang="zh-CN" kern="0" dirty="0" smtClean="0">
+              <a:rPr lang="en-US" altLang="zh-CN" kern="0" dirty="0">
                 <a:solidFill>
                   <a:srgbClr val="002060"/>
                 </a:solidFill>
@@ -6270,7 +6353,7 @@
               <a:t>public void </a:t>
             </a:r>
             <a:r>
-              <a:rPr lang="en-US" altLang="zh-CN" kern="0" dirty="0" err="1" smtClean="0">
+              <a:rPr lang="en-US" altLang="zh-CN" kern="0" dirty="0" err="1">
                 <a:solidFill>
                   <a:srgbClr val="002060"/>
                 </a:solidFill>
@@ -6280,7 +6363,7 @@
               <a:t>setName</a:t>
             </a:r>
             <a:r>
-              <a:rPr lang="en-US" altLang="zh-CN" kern="0" dirty="0" smtClean="0">
+              <a:rPr lang="en-US" altLang="zh-CN" kern="0" dirty="0">
                 <a:solidFill>
                   <a:srgbClr val="002060"/>
                 </a:solidFill>
@@ -6298,7 +6381,7 @@
               <a:defRPr/>
             </a:pPr>
             <a:r>
-              <a:rPr lang="en-US" altLang="zh-CN" kern="0" dirty="0" smtClean="0">
+              <a:rPr lang="en-US" altLang="zh-CN" kern="0" dirty="0">
                 <a:solidFill>
                   <a:srgbClr val="002060"/>
                 </a:solidFill>
@@ -6316,7 +6399,7 @@
               <a:defRPr/>
             </a:pPr>
             <a:r>
-              <a:rPr lang="en-US" altLang="zh-CN" kern="0" dirty="0" smtClean="0">
+              <a:rPr lang="en-US" altLang="zh-CN" kern="0" dirty="0">
                 <a:solidFill>
                   <a:srgbClr val="002060"/>
                 </a:solidFill>
@@ -6334,7 +6417,7 @@
               <a:defRPr/>
             </a:pPr>
             <a:r>
-              <a:rPr lang="en-US" altLang="zh-CN" kern="0" dirty="0" smtClean="0">
+              <a:rPr lang="en-US" altLang="zh-CN" kern="0" dirty="0">
                 <a:solidFill>
                   <a:srgbClr val="002060"/>
                 </a:solidFill>
@@ -6344,7 +6427,7 @@
               <a:t>public void </a:t>
             </a:r>
             <a:r>
-              <a:rPr lang="en-US" altLang="zh-CN" kern="0" dirty="0" err="1" smtClean="0">
+              <a:rPr lang="en-US" altLang="zh-CN" kern="0" dirty="0" err="1">
                 <a:solidFill>
                   <a:srgbClr val="002060"/>
                 </a:solidFill>
@@ -6354,7 +6437,7 @@
               <a:t>setId</a:t>
             </a:r>
             <a:r>
-              <a:rPr lang="en-US" altLang="zh-CN" kern="0" dirty="0" smtClean="0">
+              <a:rPr lang="en-US" altLang="zh-CN" kern="0" dirty="0">
                 <a:solidFill>
                   <a:srgbClr val="002060"/>
                 </a:solidFill>
@@ -6364,7 +6447,7 @@
               <a:t>(</a:t>
             </a:r>
             <a:r>
-              <a:rPr lang="en-US" altLang="zh-CN" kern="0" dirty="0" err="1" smtClean="0">
+              <a:rPr lang="en-US" altLang="zh-CN" kern="0" dirty="0" err="1">
                 <a:solidFill>
                   <a:srgbClr val="002060"/>
                 </a:solidFill>
@@ -6374,7 +6457,7 @@
               <a:t>int</a:t>
             </a:r>
             <a:r>
-              <a:rPr lang="en-US" altLang="zh-CN" kern="0" dirty="0" smtClean="0">
+              <a:rPr lang="en-US" altLang="zh-CN" kern="0" dirty="0">
                 <a:solidFill>
                   <a:srgbClr val="002060"/>
                 </a:solidFill>
@@ -6392,7 +6475,7 @@
               <a:defRPr/>
             </a:pPr>
             <a:r>
-              <a:rPr lang="en-US" altLang="zh-CN" kern="0" dirty="0" smtClean="0">
+              <a:rPr lang="en-US" altLang="zh-CN" kern="0" dirty="0">
                 <a:solidFill>
                   <a:srgbClr val="002060"/>
                 </a:solidFill>
@@ -6410,7 +6493,7 @@
               <a:defRPr/>
             </a:pPr>
             <a:r>
-              <a:rPr lang="en-US" altLang="zh-CN" kern="0" dirty="0" smtClean="0">
+              <a:rPr lang="en-US" altLang="zh-CN" kern="0" dirty="0">
                 <a:solidFill>
                   <a:srgbClr val="002060"/>
                 </a:solidFill>
@@ -6430,7 +6513,7 @@
         </p:nvSpPr>
         <p:spPr>
           <a:xfrm>
-            <a:off x="7951045" y="3643314"/>
+            <a:off x="9475045" y="3643314"/>
             <a:ext cx="1420582" cy="1569660"/>
           </a:xfrm>
           <a:prstGeom prst="rect">
@@ -6462,7 +6545,7 @@
           <a:p>
             <a:pPr algn="ctr"/>
             <a:r>
-              <a:rPr lang="zh-CN" altLang="en-US" sz="9600" b="1" dirty="0" smtClean="0">
+              <a:rPr lang="zh-CN" altLang="en-US" sz="9600" b="1" dirty="0">
                 <a:ln>
                   <a:prstDash val="solid"/>
                 </a:ln>
@@ -6481,23 +6564,6 @@
               </a:rPr>
               <a:t>？</a:t>
             </a:r>
-            <a:endParaRPr lang="zh-CN" altLang="en-US" sz="9600" b="1" dirty="0">
-              <a:ln>
-                <a:prstDash val="solid"/>
-              </a:ln>
-              <a:solidFill>
-                <a:srgbClr val="FF0000"/>
-              </a:solidFill>
-              <a:effectLst>
-                <a:outerShdw blurRad="88000" dist="50800" dir="5040000" algn="tl">
-                  <a:schemeClr val="accent4">
-                    <a:tint val="80000"/>
-                    <a:satMod val="250000"/>
-                    <a:alpha val="45000"/>
-                  </a:schemeClr>
-                </a:outerShdw>
-              </a:effectLst>
-            </a:endParaRPr>
           </a:p>
         </p:txBody>
       </p:sp>
@@ -6509,7 +6575,7 @@
         </p:nvSpPr>
         <p:spPr>
           <a:xfrm>
-            <a:off x="6143636" y="4500570"/>
+            <a:off x="7667637" y="4500571"/>
             <a:ext cx="2040943" cy="830997"/>
           </a:xfrm>
           <a:prstGeom prst="rect">
@@ -6541,7 +6607,7 @@
           <a:p>
             <a:pPr algn="ctr"/>
             <a:r>
-              <a:rPr lang="zh-CN" altLang="en-US" sz="4800" b="1" dirty="0" smtClean="0">
+              <a:rPr lang="zh-CN" altLang="en-US" sz="4800" b="1" dirty="0">
                 <a:ln>
                   <a:prstDash val="solid"/>
                 </a:ln>
@@ -6560,23 +6626,6 @@
               </a:rPr>
               <a:t>不推荐</a:t>
             </a:r>
-            <a:endParaRPr lang="zh-CN" altLang="en-US" sz="4800" b="1" dirty="0">
-              <a:ln>
-                <a:prstDash val="solid"/>
-              </a:ln>
-              <a:solidFill>
-                <a:srgbClr val="FF0000"/>
-              </a:solidFill>
-              <a:effectLst>
-                <a:outerShdw blurRad="88000" dist="50800" dir="5040000" algn="tl">
-                  <a:schemeClr val="accent4">
-                    <a:tint val="80000"/>
-                    <a:satMod val="250000"/>
-                    <a:alpha val="45000"/>
-                  </a:schemeClr>
-                </a:outerShdw>
-              </a:effectLst>
-            </a:endParaRPr>
           </a:p>
         </p:txBody>
       </p:sp>
@@ -6645,11 +6694,21 @@
             <p:ph idx="1"/>
           </p:nvPr>
         </p:nvSpPr>
-        <p:spPr/>
+        <p:spPr>
+          <a:xfrm>
+            <a:off x="609600" y="1052736"/>
+            <a:ext cx="10972800" cy="6084675"/>
+          </a:xfrm>
+        </p:spPr>
         <p:txBody>
           <a:bodyPr/>
           <a:lstStyle/>
           <a:p>
+            <a:pPr>
+              <a:lnSpc>
+                <a:spcPct val="150000"/>
+              </a:lnSpc>
+            </a:pPr>
             <a:r>
               <a:rPr lang="zh-CN" altLang="en-US" dirty="0" smtClean="0">
                 <a:sym typeface="Arial" charset="0"/>
@@ -6661,30 +6720,55 @@
             </a:endParaRPr>
           </a:p>
           <a:p>
-            <a:pPr lvl="1"/>
+            <a:pPr lvl="1">
+              <a:lnSpc>
+                <a:spcPct val="150000"/>
+              </a:lnSpc>
+            </a:pPr>
             <a:r>
               <a:rPr lang="zh-CN" altLang="en-US" dirty="0" smtClean="0">
                 <a:sym typeface="Arial" charset="0"/>
               </a:rPr>
-              <a:t>他们的数值在程序中是稳定的</a:t>
+              <a:t>他们的数值在程序中是稳定</a:t>
+            </a:r>
+            <a:r>
+              <a:rPr lang="zh-CN" altLang="en-US" dirty="0" smtClean="0">
+                <a:sym typeface="Arial" charset="0"/>
+              </a:rPr>
+              <a:t>的。</a:t>
             </a:r>
             <a:endParaRPr lang="en-US" altLang="zh-CN" dirty="0" smtClean="0">
               <a:sym typeface="Arial" charset="0"/>
             </a:endParaRPr>
           </a:p>
           <a:p>
-            <a:pPr lvl="1"/>
+            <a:pPr lvl="1">
+              <a:lnSpc>
+                <a:spcPct val="150000"/>
+              </a:lnSpc>
+            </a:pPr>
             <a:r>
               <a:rPr lang="zh-CN" altLang="en-US" dirty="0" smtClean="0">
                 <a:sym typeface="Arial" charset="0"/>
               </a:rPr>
-              <a:t>元素个数有限</a:t>
+              <a:t>元素个数</a:t>
+            </a:r>
+            <a:r>
+              <a:rPr lang="zh-CN" altLang="en-US" dirty="0" smtClean="0">
+                <a:sym typeface="Arial" charset="0"/>
+              </a:rPr>
+              <a:t>有限。</a:t>
             </a:r>
             <a:endParaRPr lang="en-US" altLang="zh-CN" dirty="0" smtClean="0">
               <a:sym typeface="Arial" charset="0"/>
             </a:endParaRPr>
           </a:p>
           <a:p>
+            <a:pPr>
+              <a:lnSpc>
+                <a:spcPct val="150000"/>
+              </a:lnSpc>
+            </a:pPr>
             <a:r>
               <a:rPr lang="zh-CN" altLang="en-US" dirty="0" smtClean="0"/>
               <a:t>所有枚举类都继承了 </a:t>
@@ -6704,7 +6788,11 @@
             <a:endParaRPr lang="en-US" altLang="zh-CN" dirty="0" smtClean="0"/>
           </a:p>
           <a:p>
-            <a:pPr lvl="1"/>
+            <a:pPr lvl="1">
+              <a:lnSpc>
+                <a:spcPct val="150000"/>
+              </a:lnSpc>
+            </a:pPr>
             <a:r>
               <a:rPr lang="en-US" dirty="0" err="1" smtClean="0"/>
               <a:t>toString</a:t>
@@ -6712,14 +6800,22 @@
             <a:endParaRPr lang="en-US" dirty="0" smtClean="0"/>
           </a:p>
           <a:p>
-            <a:pPr lvl="1"/>
+            <a:pPr lvl="1">
+              <a:lnSpc>
+                <a:spcPct val="150000"/>
+              </a:lnSpc>
+            </a:pPr>
             <a:r>
               <a:rPr lang="en-US" dirty="0" smtClean="0"/>
               <a:t>Equals</a:t>
             </a:r>
           </a:p>
           <a:p>
-            <a:pPr lvl="1"/>
+            <a:pPr lvl="1">
+              <a:lnSpc>
+                <a:spcPct val="150000"/>
+              </a:lnSpc>
+            </a:pPr>
             <a:r>
               <a:rPr lang="en-US" dirty="0" err="1" smtClean="0"/>
               <a:t>Hashcode</a:t>
@@ -6727,7 +6823,11 @@
             <a:endParaRPr lang="en-US" dirty="0" smtClean="0"/>
           </a:p>
           <a:p>
-            <a:pPr lvl="1"/>
+            <a:pPr lvl="1">
+              <a:lnSpc>
+                <a:spcPct val="150000"/>
+              </a:lnSpc>
+            </a:pPr>
             <a:r>
               <a:rPr lang="en-US" altLang="zh-CN" dirty="0" smtClean="0">
                 <a:sym typeface="Arial" charset="0"/>
@@ -6736,7 +6836,11 @@
             </a:r>
           </a:p>
           <a:p>
-            <a:pPr lvl="1"/>
+            <a:pPr lvl="1">
+              <a:lnSpc>
+                <a:spcPct val="150000"/>
+              </a:lnSpc>
+            </a:pPr>
             <a:r>
               <a:rPr lang="zh-CN" altLang="en-US" dirty="0" smtClean="0">
                 <a:sym typeface="Arial" charset="0"/>
@@ -6777,12 +6881,16 @@
             </a:r>
             <a:r>
               <a:rPr lang="zh-CN" altLang="en-US" dirty="0" smtClean="0"/>
-              <a:t>方法</a:t>
+              <a:t>方法。</a:t>
             </a:r>
             <a:endParaRPr lang="en-US" altLang="zh-CN" dirty="0" smtClean="0"/>
           </a:p>
           <a:p>
-            <a:pPr lvl="1"/>
+            <a:pPr lvl="1">
+              <a:lnSpc>
+                <a:spcPct val="150000"/>
+              </a:lnSpc>
+            </a:pPr>
             <a:r>
               <a:rPr lang="en-US" altLang="zh-CN" dirty="0">
                 <a:solidFill>
@@ -6813,7 +6921,15 @@
                   <a:srgbClr val="FF0000"/>
                 </a:solidFill>
               </a:rPr>
-              <a:t>为枚举常量赋值</a:t>
+              <a:t>为枚举常量</a:t>
+            </a:r>
+            <a:r>
+              <a:rPr lang="zh-CN" altLang="en-US" dirty="0" smtClean="0">
+                <a:solidFill>
+                  <a:srgbClr val="FF0000"/>
+                </a:solidFill>
+              </a:rPr>
+              <a:t>赋值。</a:t>
             </a:r>
             <a:endParaRPr lang="zh-CN" altLang="en-US" dirty="0" smtClean="0">
               <a:solidFill>
@@ -6822,7 +6938,11 @@
             </a:endParaRPr>
           </a:p>
           <a:p>
-            <a:pPr lvl="1"/>
+            <a:pPr lvl="1">
+              <a:lnSpc>
+                <a:spcPct val="150000"/>
+              </a:lnSpc>
+            </a:pPr>
             <a:endParaRPr lang="en-US" altLang="zh-CN" dirty="0" smtClean="0">
               <a:sym typeface="Arial" charset="0"/>
             </a:endParaRPr>
@@ -6885,7 +7005,6 @@
               <a:rPr lang="zh-CN" altLang="en-US" dirty="0" smtClean="0"/>
               <a:t>枚举成员</a:t>
             </a:r>
-            <a:endParaRPr lang="zh-CN" altLang="en-US" dirty="0" smtClean="0"/>
           </a:p>
         </p:txBody>
       </p:sp>
@@ -6904,17 +7023,27 @@
           <a:bodyPr/>
           <a:lstStyle/>
           <a:p>
+            <a:pPr>
+              <a:lnSpc>
+                <a:spcPct val="150000"/>
+              </a:lnSpc>
+            </a:pPr>
             <a:r>
               <a:rPr lang="zh-CN" altLang="en-US" dirty="0"/>
               <a:t>枚举成员也是变量，变量名当然不能以数字开头</a:t>
             </a:r>
             <a:r>
               <a:rPr lang="zh-CN" altLang="en-US" dirty="0" smtClean="0"/>
-              <a:t>的</a:t>
+              <a:t>的。</a:t>
             </a:r>
             <a:endParaRPr lang="en-US" altLang="zh-CN" dirty="0" smtClean="0"/>
           </a:p>
           <a:p>
+            <a:pPr>
+              <a:lnSpc>
+                <a:spcPct val="150000"/>
+              </a:lnSpc>
+            </a:pPr>
             <a:r>
               <a:rPr lang="en-US" altLang="zh-CN" dirty="0"/>
               <a:t>Java </a:t>
@@ -6929,10 +7058,20 @@
             </a:r>
             <a:r>
               <a:rPr lang="zh-CN" altLang="en-US" dirty="0"/>
-              <a:t>为枚举常量赋值</a:t>
-            </a:r>
-          </a:p>
-          <a:p>
+              <a:t>为枚举常量</a:t>
+            </a:r>
+            <a:r>
+              <a:rPr lang="zh-CN" altLang="en-US" dirty="0" smtClean="0"/>
+              <a:t>赋值。</a:t>
+            </a:r>
+            <a:endParaRPr lang="zh-CN" altLang="en-US" dirty="0"/>
+          </a:p>
+          <a:p>
+            <a:pPr>
+              <a:lnSpc>
+                <a:spcPct val="150000"/>
+              </a:lnSpc>
+            </a:pPr>
             <a:endParaRPr lang="en-US" altLang="zh-CN" dirty="0" smtClean="0">
               <a:sym typeface="Arial" charset="0"/>
             </a:endParaRPr>
@@ -6947,124 +7086,148 @@
         </p:nvSpPr>
         <p:spPr>
           <a:xfrm>
-            <a:off x="1547664" y="2448470"/>
-            <a:ext cx="4572000" cy="1384995"/>
+            <a:off x="3071664" y="2701369"/>
+            <a:ext cx="4572000" cy="1015663"/>
           </a:xfrm>
           <a:prstGeom prst="rect">
             <a:avLst/>
           </a:prstGeom>
+          <a:solidFill>
+            <a:srgbClr val="FFCC99"/>
+          </a:solidFill>
+          <a:ln>
+            <a:solidFill>
+              <a:schemeClr val="bg1"/>
+            </a:solidFill>
+            <a:miter lim="800000"/>
+            <a:headEnd/>
+            <a:tailEnd/>
+          </a:ln>
         </p:spPr>
-        <p:style>
-          <a:lnRef idx="1">
-            <a:schemeClr val="accent2"/>
-          </a:lnRef>
-          <a:fillRef idx="2">
-            <a:schemeClr val="accent2"/>
-          </a:fillRef>
-          <a:effectRef idx="1">
-            <a:schemeClr val="accent2"/>
-          </a:effectRef>
-          <a:fontRef idx="minor">
-            <a:schemeClr val="dk1"/>
-          </a:fontRef>
-        </p:style>
         <p:txBody>
-          <a:bodyPr>
-            <a:spAutoFit/>
-          </a:bodyPr>
+          <a:bodyPr wrap="none"/>
           <a:lstStyle/>
           <a:p>
-            <a:r>
-              <a:rPr lang="en-US" altLang="zh-CN" sz="2800" dirty="0">
-                <a:solidFill>
-                  <a:srgbClr val="333333"/>
-                </a:solidFill>
-                <a:latin typeface="PingFang SC"/>
+            <a:pPr eaLnBrk="0" hangingPunct="0">
+              <a:spcBef>
+                <a:spcPct val="20000"/>
+              </a:spcBef>
+            </a:pPr>
+            <a:r>
+              <a:rPr lang="en-US" altLang="zh-CN" kern="0" dirty="0">
+                <a:solidFill>
+                  <a:schemeClr val="tx1"/>
+                </a:solidFill>
+                <a:latin typeface="微软雅黑" pitchFamily="34" charset="-122"/>
+                <a:ea typeface="宋体" pitchFamily="2" charset="-122"/>
               </a:rPr>
               <a:t>public </a:t>
             </a:r>
             <a:r>
-              <a:rPr lang="en-US" altLang="zh-CN" sz="2800" dirty="0" err="1">
-                <a:solidFill>
-                  <a:srgbClr val="333333"/>
-                </a:solidFill>
-                <a:latin typeface="PingFang SC"/>
+              <a:rPr lang="en-US" altLang="zh-CN" kern="0" dirty="0" err="1">
+                <a:solidFill>
+                  <a:schemeClr val="tx1"/>
+                </a:solidFill>
+                <a:latin typeface="微软雅黑" pitchFamily="34" charset="-122"/>
+                <a:ea typeface="宋体" pitchFamily="2" charset="-122"/>
               </a:rPr>
               <a:t>enum</a:t>
             </a:r>
             <a:r>
-              <a:rPr lang="en-US" altLang="zh-CN" sz="2800" dirty="0">
-                <a:solidFill>
-                  <a:srgbClr val="333333"/>
-                </a:solidFill>
-                <a:latin typeface="PingFang SC"/>
+              <a:rPr lang="en-US" altLang="zh-CN" kern="0" dirty="0">
+                <a:solidFill>
+                  <a:schemeClr val="tx1"/>
+                </a:solidFill>
+                <a:latin typeface="微软雅黑" pitchFamily="34" charset="-122"/>
+                <a:ea typeface="宋体" pitchFamily="2" charset="-122"/>
               </a:rPr>
               <a:t> </a:t>
             </a:r>
             <a:r>
-              <a:rPr lang="en-US" altLang="zh-CN" sz="2800" dirty="0" err="1">
-                <a:solidFill>
-                  <a:srgbClr val="333333"/>
-                </a:solidFill>
-                <a:latin typeface="PingFang SC"/>
+              <a:rPr lang="en-US" altLang="zh-CN" kern="0" dirty="0" err="1">
+                <a:solidFill>
+                  <a:schemeClr val="tx1"/>
+                </a:solidFill>
+                <a:latin typeface="微软雅黑" pitchFamily="34" charset="-122"/>
+                <a:ea typeface="宋体" pitchFamily="2" charset="-122"/>
               </a:rPr>
               <a:t>Num</a:t>
             </a:r>
             <a:r>
-              <a:rPr lang="en-US" altLang="zh-CN" sz="2800" dirty="0">
-                <a:solidFill>
-                  <a:srgbClr val="333333"/>
-                </a:solidFill>
-                <a:latin typeface="PingFang SC"/>
+              <a:rPr lang="en-US" altLang="zh-CN" kern="0" dirty="0">
+                <a:solidFill>
+                  <a:schemeClr val="tx1"/>
+                </a:solidFill>
+                <a:latin typeface="微软雅黑" pitchFamily="34" charset="-122"/>
+                <a:ea typeface="宋体" pitchFamily="2" charset="-122"/>
               </a:rPr>
               <a:t>{</a:t>
             </a:r>
-            <a:r>
-              <a:rPr lang="en-US" altLang="zh-CN" sz="2800" dirty="0"/>
+            <a:br>
+              <a:rPr lang="en-US" altLang="zh-CN" kern="0" dirty="0">
+                <a:solidFill>
+                  <a:schemeClr val="tx1"/>
+                </a:solidFill>
+                <a:latin typeface="微软雅黑" pitchFamily="34" charset="-122"/>
+                <a:ea typeface="宋体" pitchFamily="2" charset="-122"/>
+              </a:rPr>
+            </a:br>
+            <a:r>
+              <a:rPr lang="en-US" altLang="zh-CN" kern="0" dirty="0">
+                <a:solidFill>
+                  <a:schemeClr val="tx1"/>
+                </a:solidFill>
+                <a:latin typeface="微软雅黑" pitchFamily="34" charset="-122"/>
+                <a:ea typeface="宋体" pitchFamily="2" charset="-122"/>
+              </a:rPr>
+              <a:t>	1,2,3</a:t>
+            </a:r>
+            <a:r>
+              <a:rPr lang="zh-CN" altLang="en-US" kern="0" dirty="0">
+                <a:solidFill>
+                  <a:schemeClr val="tx1"/>
+                </a:solidFill>
+                <a:latin typeface="微软雅黑" pitchFamily="34" charset="-122"/>
+                <a:ea typeface="宋体" pitchFamily="2" charset="-122"/>
+              </a:rPr>
+              <a:t>；</a:t>
+            </a:r>
+            <a:r>
+              <a:rPr lang="en-US" altLang="zh-CN" kern="0" dirty="0">
+                <a:solidFill>
+                  <a:schemeClr val="tx1"/>
+                </a:solidFill>
+                <a:latin typeface="微软雅黑" pitchFamily="34" charset="-122"/>
+                <a:ea typeface="宋体" pitchFamily="2" charset="-122"/>
+              </a:rPr>
               <a:t/>
             </a:r>
             <a:br>
-              <a:rPr lang="en-US" altLang="zh-CN" sz="2800" dirty="0"/>
+              <a:rPr lang="en-US" altLang="zh-CN" kern="0" dirty="0">
+                <a:solidFill>
+                  <a:schemeClr val="tx1"/>
+                </a:solidFill>
+                <a:latin typeface="微软雅黑" pitchFamily="34" charset="-122"/>
+                <a:ea typeface="宋体" pitchFamily="2" charset="-122"/>
+              </a:rPr>
             </a:br>
             <a:r>
-              <a:rPr lang="en-US" altLang="zh-CN" sz="2800" dirty="0" smtClean="0"/>
-              <a:t>	</a:t>
-            </a:r>
-            <a:r>
-              <a:rPr lang="en-US" altLang="zh-CN" sz="2800" dirty="0" smtClean="0">
-                <a:solidFill>
-                  <a:srgbClr val="333333"/>
-                </a:solidFill>
-                <a:latin typeface="PingFang SC"/>
-              </a:rPr>
-              <a:t>1,2,3</a:t>
-            </a:r>
-            <a:r>
-              <a:rPr lang="zh-CN" altLang="en-US" sz="2800" dirty="0">
-                <a:solidFill>
-                  <a:srgbClr val="333333"/>
-                </a:solidFill>
-                <a:latin typeface="PingFang SC"/>
-              </a:rPr>
-              <a:t>；</a:t>
-            </a:r>
-            <a:r>
-              <a:rPr lang="en-US" altLang="zh-CN" sz="2800" dirty="0"/>
-              <a:t/>
-            </a:r>
-            <a:br>
-              <a:rPr lang="en-US" altLang="zh-CN" sz="2800" dirty="0"/>
-            </a:br>
-            <a:r>
-              <a:rPr lang="en-US" altLang="zh-CN" sz="2800" dirty="0">
-                <a:solidFill>
-                  <a:srgbClr val="333333"/>
-                </a:solidFill>
-                <a:latin typeface="PingFang SC"/>
+              <a:rPr lang="en-US" altLang="zh-CN" kern="0" dirty="0" smtClean="0">
+                <a:solidFill>
+                  <a:schemeClr val="tx1"/>
+                </a:solidFill>
+                <a:latin typeface="微软雅黑" pitchFamily="34" charset="-122"/>
+                <a:ea typeface="宋体" pitchFamily="2" charset="-122"/>
               </a:rPr>
               <a:t>}</a:t>
             </a:r>
-            <a:endParaRPr lang="zh-CN" altLang="en-US" sz="2800" dirty="0"/>
+            <a:endParaRPr lang="zh-CN" altLang="en-US" kern="0" dirty="0">
+              <a:solidFill>
+                <a:schemeClr val="tx1"/>
+              </a:solidFill>
+              <a:latin typeface="微软雅黑" pitchFamily="34" charset="-122"/>
+              <a:ea typeface="宋体" pitchFamily="2" charset="-122"/>
+            </a:endParaRPr>
           </a:p>
         </p:txBody>
       </p:sp>
@@ -7076,8 +7239,8 @@
         </p:nvSpPr>
         <p:spPr>
           <a:xfrm>
-            <a:off x="5076056" y="2625324"/>
-            <a:ext cx="1192955" cy="1569660"/>
+            <a:off x="6744326" y="2435404"/>
+            <a:ext cx="904414" cy="1569660"/>
           </a:xfrm>
           <a:prstGeom prst="rect">
             <a:avLst/>
@@ -7108,7 +7271,7 @@
           <a:p>
             <a:pPr algn="ctr"/>
             <a:r>
-              <a:rPr lang="en-US" altLang="zh-CN" sz="9600" b="1" dirty="0" smtClean="0">
+              <a:rPr lang="en-US" altLang="zh-CN" sz="9600" b="1" dirty="0">
                 <a:ln>
                   <a:prstDash val="solid"/>
                 </a:ln>
@@ -7155,87 +7318,93 @@
         </p:nvSpPr>
         <p:spPr>
           <a:xfrm>
-            <a:off x="1547664" y="4605543"/>
-            <a:ext cx="4572000" cy="1384995"/>
+            <a:off x="3071664" y="4605544"/>
+            <a:ext cx="4572000" cy="1138773"/>
           </a:xfrm>
           <a:prstGeom prst="rect">
             <a:avLst/>
           </a:prstGeom>
+          <a:solidFill>
+            <a:srgbClr val="FFCC99"/>
+          </a:solidFill>
+          <a:ln>
+            <a:solidFill>
+              <a:schemeClr val="bg1"/>
+            </a:solidFill>
+            <a:miter lim="800000"/>
+            <a:headEnd/>
+            <a:tailEnd/>
+          </a:ln>
         </p:spPr>
-        <p:style>
-          <a:lnRef idx="1">
-            <a:schemeClr val="accent2"/>
-          </a:lnRef>
-          <a:fillRef idx="2">
-            <a:schemeClr val="accent2"/>
-          </a:fillRef>
-          <a:effectRef idx="1">
-            <a:schemeClr val="accent2"/>
-          </a:effectRef>
-          <a:fontRef idx="minor">
-            <a:schemeClr val="dk1"/>
-          </a:fontRef>
-        </p:style>
         <p:txBody>
-          <a:bodyPr>
-            <a:spAutoFit/>
-          </a:bodyPr>
+          <a:bodyPr wrap="none"/>
           <a:lstStyle/>
           <a:p>
-            <a:r>
-              <a:rPr lang="en-US" altLang="zh-CN" sz="2800" dirty="0" err="1">
-                <a:solidFill>
-                  <a:srgbClr val="333333"/>
-                </a:solidFill>
-                <a:latin typeface="PingFang SC"/>
+            <a:pPr eaLnBrk="0" hangingPunct="0">
+              <a:spcBef>
+                <a:spcPct val="20000"/>
+              </a:spcBef>
+            </a:pPr>
+            <a:r>
+              <a:rPr lang="en-US" altLang="zh-CN" kern="0" dirty="0" err="1">
+                <a:solidFill>
+                  <a:schemeClr val="tx1"/>
+                </a:solidFill>
+                <a:latin typeface="微软雅黑" pitchFamily="34" charset="-122"/>
+                <a:ea typeface="宋体" pitchFamily="2" charset="-122"/>
               </a:rPr>
               <a:t>enum</a:t>
             </a:r>
             <a:r>
-              <a:rPr lang="en-US" altLang="zh-CN" sz="2800" dirty="0">
-                <a:solidFill>
-                  <a:srgbClr val="333333"/>
-                </a:solidFill>
-                <a:latin typeface="PingFang SC"/>
+              <a:rPr lang="en-US" altLang="zh-CN" kern="0" dirty="0">
+                <a:solidFill>
+                  <a:schemeClr val="tx1"/>
+                </a:solidFill>
+                <a:latin typeface="微软雅黑" pitchFamily="34" charset="-122"/>
+                <a:ea typeface="宋体" pitchFamily="2" charset="-122"/>
               </a:rPr>
               <a:t> Grade{</a:t>
             </a:r>
           </a:p>
           <a:p>
-            <a:r>
-              <a:rPr lang="pt-BR" altLang="zh-CN" sz="2800" dirty="0" smtClean="0">
-                <a:solidFill>
-                  <a:srgbClr val="333333"/>
-                </a:solidFill>
-                <a:latin typeface="PingFang SC"/>
-              </a:rPr>
-              <a:t>	A </a:t>
-            </a:r>
-            <a:r>
-              <a:rPr lang="pt-BR" altLang="zh-CN" sz="2800" dirty="0">
-                <a:solidFill>
-                  <a:srgbClr val="333333"/>
-                </a:solidFill>
-                <a:latin typeface="PingFang SC"/>
-              </a:rPr>
-              <a:t>= 1, B = 2, C = 3;</a:t>
-            </a:r>
-          </a:p>
-          <a:p>
-            <a:r>
-              <a:rPr lang="en-US" altLang="zh-CN" sz="2800" dirty="0">
-                <a:solidFill>
-                  <a:srgbClr val="333333"/>
-                </a:solidFill>
-                <a:latin typeface="PingFang SC"/>
+            <a:pPr eaLnBrk="0" hangingPunct="0">
+              <a:spcBef>
+                <a:spcPct val="20000"/>
+              </a:spcBef>
+            </a:pPr>
+            <a:r>
+              <a:rPr lang="pt-BR" altLang="zh-CN" kern="0" dirty="0">
+                <a:solidFill>
+                  <a:schemeClr val="tx1"/>
+                </a:solidFill>
+                <a:latin typeface="微软雅黑" pitchFamily="34" charset="-122"/>
+                <a:ea typeface="宋体" pitchFamily="2" charset="-122"/>
+              </a:rPr>
+              <a:t>	A = 1, B = 2, C = 3;</a:t>
+            </a:r>
+          </a:p>
+          <a:p>
+            <a:pPr eaLnBrk="0" hangingPunct="0">
+              <a:spcBef>
+                <a:spcPct val="20000"/>
+              </a:spcBef>
+            </a:pPr>
+            <a:r>
+              <a:rPr lang="en-US" altLang="zh-CN" kern="0" dirty="0">
+                <a:solidFill>
+                  <a:schemeClr val="tx1"/>
+                </a:solidFill>
+                <a:latin typeface="微软雅黑" pitchFamily="34" charset="-122"/>
+                <a:ea typeface="宋体" pitchFamily="2" charset="-122"/>
               </a:rPr>
               <a:t>}</a:t>
             </a:r>
-            <a:endParaRPr lang="zh-CN" altLang="en-US" sz="2800" dirty="0">
+            <a:endParaRPr lang="zh-CN" altLang="en-US" kern="0" dirty="0">
               <a:solidFill>
-                <a:srgbClr val="333333"/>
+                <a:schemeClr val="tx1"/>
               </a:solidFill>
-              <a:latin typeface="PingFang SC"/>
+              <a:latin typeface="微软雅黑" pitchFamily="34" charset="-122"/>
+              <a:ea typeface="宋体" pitchFamily="2" charset="-122"/>
             </a:endParaRPr>
           </a:p>
         </p:txBody>
@@ -7248,8 +7417,8 @@
         </p:nvSpPr>
         <p:spPr>
           <a:xfrm>
-            <a:off x="5076055" y="5118618"/>
-            <a:ext cx="1192955" cy="1569660"/>
+            <a:off x="6744325" y="4437112"/>
+            <a:ext cx="904414" cy="1569660"/>
           </a:xfrm>
           <a:prstGeom prst="rect">
             <a:avLst/>
@@ -7280,7 +7449,7 @@
           <a:p>
             <a:pPr algn="ctr"/>
             <a:r>
-              <a:rPr lang="en-US" altLang="zh-CN" sz="9600" b="1" dirty="0" smtClean="0">
+              <a:rPr lang="en-US" altLang="zh-CN" sz="9600" b="1" dirty="0">
                 <a:ln>
                   <a:prstDash val="solid"/>
                 </a:ln>
@@ -7884,7 +8053,6 @@
               <a:rPr lang="zh-CN" altLang="en-US" dirty="0" smtClean="0"/>
               <a:t>枚举补充</a:t>
             </a:r>
-            <a:endParaRPr lang="zh-CN" altLang="en-US" dirty="0" smtClean="0"/>
           </a:p>
         </p:txBody>
       </p:sp>
@@ -7900,8 +8068,8 @@
         </p:nvSpPr>
         <p:spPr>
           <a:xfrm>
-            <a:off x="457200" y="1160748"/>
-            <a:ext cx="8229600" cy="5364596"/>
+            <a:off x="609600" y="1160748"/>
+            <a:ext cx="9601200" cy="5364596"/>
           </a:xfrm>
         </p:spPr>
         <p:txBody>
@@ -8153,7 +8321,7 @@
         </p:nvSpPr>
         <p:spPr bwMode="auto">
           <a:xfrm>
-            <a:off x="2375248" y="2132856"/>
+            <a:off x="4727848" y="2132856"/>
             <a:ext cx="6768752" cy="4032448"/>
           </a:xfrm>
           <a:prstGeom prst="irregularSeal1">
@@ -8221,17 +8389,6 @@
               </a:rPr>
               <a:t>看做一个常规的类</a:t>
             </a:r>
-            <a:endParaRPr kumimoji="0" lang="zh-CN" altLang="en-US" sz="3200" b="0" i="0" u="none" strike="noStrike" cap="none" normalizeH="0" baseline="0" dirty="0" smtClean="0">
-              <a:ln>
-                <a:noFill/>
-              </a:ln>
-              <a:solidFill>
-                <a:srgbClr val="A50021"/>
-              </a:solidFill>
-              <a:effectLst/>
-              <a:latin typeface="Arial" pitchFamily="34" charset="0"/>
-              <a:ea typeface="宋体" pitchFamily="2" charset="-122"/>
-            </a:endParaRPr>
           </a:p>
         </p:txBody>
       </p:sp>
@@ -8411,7 +8568,6 @@
               <a:rPr lang="zh-CN" altLang="en-US" dirty="0" smtClean="0"/>
               <a:t>枚举补充</a:t>
             </a:r>
-            <a:endParaRPr lang="zh-CN" altLang="en-US" dirty="0" smtClean="0"/>
           </a:p>
         </p:txBody>
       </p:sp>
@@ -8445,310 +8601,578 @@
         </p:nvSpPr>
         <p:spPr>
           <a:xfrm>
-            <a:off x="0" y="1160748"/>
-            <a:ext cx="9144000" cy="4893647"/>
+            <a:off x="1524000" y="1160749"/>
+            <a:ext cx="9144000" cy="5580619"/>
           </a:xfrm>
           <a:prstGeom prst="rect">
             <a:avLst/>
           </a:prstGeom>
+          <a:solidFill>
+            <a:srgbClr val="FFCC99"/>
+          </a:solidFill>
+          <a:ln>
+            <a:solidFill>
+              <a:schemeClr val="bg1"/>
+            </a:solidFill>
+            <a:miter lim="800000"/>
+            <a:headEnd/>
+            <a:tailEnd/>
+          </a:ln>
         </p:spPr>
-        <p:style>
-          <a:lnRef idx="1">
-            <a:schemeClr val="accent2"/>
-          </a:lnRef>
-          <a:fillRef idx="2">
-            <a:schemeClr val="accent2"/>
-          </a:fillRef>
-          <a:effectRef idx="1">
-            <a:schemeClr val="accent2"/>
-          </a:effectRef>
-          <a:fontRef idx="minor">
-            <a:schemeClr val="dk1"/>
-          </a:fontRef>
-        </p:style>
         <p:txBody>
-          <a:bodyPr wrap="square">
-            <a:spAutoFit/>
-          </a:bodyPr>
+          <a:bodyPr wrap="none"/>
           <a:lstStyle/>
           <a:p>
-            <a:r>
-              <a:rPr lang="en-US" altLang="zh-CN" sz="2400" dirty="0"/>
+            <a:pPr eaLnBrk="0" hangingPunct="0">
+              <a:spcBef>
+                <a:spcPct val="20000"/>
+              </a:spcBef>
+            </a:pPr>
+            <a:r>
+              <a:rPr lang="en-US" altLang="zh-CN" kern="0" dirty="0">
+                <a:solidFill>
+                  <a:schemeClr val="tx1"/>
+                </a:solidFill>
+                <a:latin typeface="微软雅黑" pitchFamily="34" charset="-122"/>
+                <a:ea typeface="宋体" pitchFamily="2" charset="-122"/>
+              </a:rPr>
               <a:t>public class </a:t>
             </a:r>
             <a:r>
-              <a:rPr lang="en-US" altLang="zh-CN" sz="2400" dirty="0" err="1"/>
+              <a:rPr lang="en-US" altLang="zh-CN" kern="0" dirty="0" err="1">
+                <a:solidFill>
+                  <a:schemeClr val="tx1"/>
+                </a:solidFill>
+                <a:latin typeface="微软雅黑" pitchFamily="34" charset="-122"/>
+                <a:ea typeface="宋体" pitchFamily="2" charset="-122"/>
+              </a:rPr>
               <a:t>EnumMethodDemo</a:t>
             </a:r>
             <a:r>
-              <a:rPr lang="en-US" altLang="zh-CN" sz="2400" dirty="0"/>
+              <a:rPr lang="en-US" altLang="zh-CN" kern="0" dirty="0">
+                <a:solidFill>
+                  <a:schemeClr val="tx1"/>
+                </a:solidFill>
+                <a:latin typeface="微软雅黑" pitchFamily="34" charset="-122"/>
+                <a:ea typeface="宋体" pitchFamily="2" charset="-122"/>
+              </a:rPr>
               <a:t> { </a:t>
             </a:r>
-            <a:endParaRPr lang="en-US" altLang="zh-CN" sz="2400" dirty="0" smtClean="0"/>
-          </a:p>
-          <a:p>
-            <a:r>
-              <a:rPr lang="en-US" altLang="zh-CN" sz="2400" dirty="0" smtClean="0"/>
+          </a:p>
+          <a:p>
+            <a:pPr eaLnBrk="0" hangingPunct="0">
+              <a:spcBef>
+                <a:spcPct val="20000"/>
+              </a:spcBef>
+            </a:pPr>
+            <a:r>
+              <a:rPr lang="en-US" altLang="zh-CN" kern="0" dirty="0">
+                <a:solidFill>
+                  <a:schemeClr val="tx1"/>
+                </a:solidFill>
+                <a:latin typeface="微软雅黑" pitchFamily="34" charset="-122"/>
+                <a:ea typeface="宋体" pitchFamily="2" charset="-122"/>
+              </a:rPr>
               <a:t>	</a:t>
             </a:r>
             <a:r>
-              <a:rPr lang="en-US" altLang="zh-CN" sz="2400" dirty="0" err="1" smtClean="0"/>
+              <a:rPr lang="en-US" altLang="zh-CN" kern="0" dirty="0" err="1">
+                <a:solidFill>
+                  <a:schemeClr val="tx1"/>
+                </a:solidFill>
+                <a:latin typeface="微软雅黑" pitchFamily="34" charset="-122"/>
+                <a:ea typeface="宋体" pitchFamily="2" charset="-122"/>
+              </a:rPr>
               <a:t>enum</a:t>
             </a:r>
             <a:r>
-              <a:rPr lang="en-US" altLang="zh-CN" sz="2400" dirty="0" smtClean="0"/>
+              <a:rPr lang="en-US" altLang="zh-CN" kern="0" dirty="0">
+                <a:solidFill>
+                  <a:schemeClr val="tx1"/>
+                </a:solidFill>
+                <a:latin typeface="微软雅黑" pitchFamily="34" charset="-122"/>
+                <a:ea typeface="宋体" pitchFamily="2" charset="-122"/>
+              </a:rPr>
+              <a:t> Color {RED, GREEN, BLUE;} </a:t>
+            </a:r>
+          </a:p>
+          <a:p>
+            <a:pPr eaLnBrk="0" hangingPunct="0">
+              <a:spcBef>
+                <a:spcPct val="20000"/>
+              </a:spcBef>
+            </a:pPr>
+            <a:r>
+              <a:rPr lang="en-US" altLang="zh-CN" kern="0" dirty="0">
+                <a:solidFill>
+                  <a:schemeClr val="tx1"/>
+                </a:solidFill>
+                <a:latin typeface="微软雅黑" pitchFamily="34" charset="-122"/>
+                <a:ea typeface="宋体" pitchFamily="2" charset="-122"/>
+              </a:rPr>
+              <a:t>	</a:t>
+            </a:r>
+            <a:r>
+              <a:rPr lang="en-US" altLang="zh-CN" kern="0" dirty="0" err="1">
+                <a:solidFill>
+                  <a:schemeClr val="tx1"/>
+                </a:solidFill>
+                <a:latin typeface="微软雅黑" pitchFamily="34" charset="-122"/>
+                <a:ea typeface="宋体" pitchFamily="2" charset="-122"/>
+              </a:rPr>
+              <a:t>enum</a:t>
+            </a:r>
+            <a:r>
+              <a:rPr lang="en-US" altLang="zh-CN" kern="0" dirty="0">
+                <a:solidFill>
+                  <a:schemeClr val="tx1"/>
+                </a:solidFill>
+                <a:latin typeface="微软雅黑" pitchFamily="34" charset="-122"/>
+                <a:ea typeface="宋体" pitchFamily="2" charset="-122"/>
+              </a:rPr>
+              <a:t> Size {BIG, MIDDLE, SMALL;} </a:t>
+            </a:r>
+          </a:p>
+          <a:p>
+            <a:pPr eaLnBrk="0" hangingPunct="0">
+              <a:spcBef>
+                <a:spcPct val="20000"/>
+              </a:spcBef>
+            </a:pPr>
+            <a:r>
+              <a:rPr lang="en-US" altLang="zh-CN" kern="0" dirty="0">
+                <a:solidFill>
+                  <a:schemeClr val="tx1"/>
+                </a:solidFill>
+                <a:latin typeface="微软雅黑" pitchFamily="34" charset="-122"/>
+                <a:ea typeface="宋体" pitchFamily="2" charset="-122"/>
+              </a:rPr>
+              <a:t>	public static void main(String </a:t>
+            </a:r>
+            <a:r>
+              <a:rPr lang="en-US" altLang="zh-CN" kern="0" dirty="0" err="1">
+                <a:solidFill>
+                  <a:schemeClr val="tx1"/>
+                </a:solidFill>
+                <a:latin typeface="微软雅黑" pitchFamily="34" charset="-122"/>
+                <a:ea typeface="宋体" pitchFamily="2" charset="-122"/>
+              </a:rPr>
+              <a:t>args</a:t>
+            </a:r>
+            <a:r>
+              <a:rPr lang="en-US" altLang="zh-CN" kern="0" dirty="0">
+                <a:solidFill>
+                  <a:schemeClr val="tx1"/>
+                </a:solidFill>
+                <a:latin typeface="微软雅黑" pitchFamily="34" charset="-122"/>
+                <a:ea typeface="宋体" pitchFamily="2" charset="-122"/>
+              </a:rPr>
+              <a:t>[]) { </a:t>
+            </a:r>
+          </a:p>
+          <a:p>
+            <a:pPr eaLnBrk="0" hangingPunct="0">
+              <a:spcBef>
+                <a:spcPct val="20000"/>
+              </a:spcBef>
+            </a:pPr>
+            <a:r>
+              <a:rPr lang="en-US" altLang="zh-CN" kern="0" dirty="0">
+                <a:solidFill>
+                  <a:schemeClr val="tx1"/>
+                </a:solidFill>
+                <a:latin typeface="微软雅黑" pitchFamily="34" charset="-122"/>
+                <a:ea typeface="宋体" pitchFamily="2" charset="-122"/>
+              </a:rPr>
+              <a:t>		</a:t>
+            </a:r>
+            <a:r>
+              <a:rPr lang="en-US" altLang="zh-CN" kern="0" dirty="0" err="1">
+                <a:solidFill>
+                  <a:schemeClr val="tx1"/>
+                </a:solidFill>
+                <a:latin typeface="微软雅黑" pitchFamily="34" charset="-122"/>
+                <a:ea typeface="宋体" pitchFamily="2" charset="-122"/>
+              </a:rPr>
+              <a:t>System.out.println</a:t>
+            </a:r>
+            <a:r>
+              <a:rPr lang="en-US" altLang="zh-CN" kern="0" dirty="0">
+                <a:solidFill>
+                  <a:schemeClr val="tx1"/>
+                </a:solidFill>
+                <a:latin typeface="微软雅黑" pitchFamily="34" charset="-122"/>
+                <a:ea typeface="宋体" pitchFamily="2" charset="-122"/>
+              </a:rPr>
+              <a:t>("=== Print all Color </a:t>
+            </a:r>
+            <a:r>
+              <a:rPr lang="en-US" altLang="zh-CN" kern="0" dirty="0" smtClean="0">
+                <a:solidFill>
+                  <a:schemeClr val="tx1"/>
+                </a:solidFill>
+                <a:latin typeface="微软雅黑" pitchFamily="34" charset="-122"/>
+                <a:ea typeface="宋体" pitchFamily="2" charset="-122"/>
+              </a:rPr>
+              <a:t>===");</a:t>
+            </a:r>
+          </a:p>
+          <a:p>
+            <a:pPr eaLnBrk="0" hangingPunct="0">
+              <a:spcBef>
+                <a:spcPct val="20000"/>
+              </a:spcBef>
+            </a:pPr>
+            <a:r>
+              <a:rPr lang="en-US" altLang="zh-CN" kern="0" dirty="0" smtClean="0">
+                <a:solidFill>
+                  <a:schemeClr val="tx1"/>
+                </a:solidFill>
+                <a:latin typeface="微软雅黑" pitchFamily="34" charset="-122"/>
+                <a:ea typeface="宋体" pitchFamily="2" charset="-122"/>
+              </a:rPr>
               <a:t> </a:t>
             </a:r>
             <a:r>
-              <a:rPr lang="en-US" altLang="zh-CN" sz="2400" dirty="0"/>
-              <a:t>Color {RED, GREEN, BLUE;} </a:t>
-            </a:r>
-            <a:endParaRPr lang="en-US" altLang="zh-CN" sz="2400" dirty="0" smtClean="0"/>
-          </a:p>
-          <a:p>
-            <a:r>
-              <a:rPr lang="en-US" altLang="zh-CN" sz="2400" dirty="0"/>
+              <a:rPr lang="en-US" altLang="zh-CN" kern="0" dirty="0">
+                <a:solidFill>
+                  <a:schemeClr val="tx1"/>
+                </a:solidFill>
+                <a:latin typeface="微软雅黑" pitchFamily="34" charset="-122"/>
+                <a:ea typeface="宋体" pitchFamily="2" charset="-122"/>
+              </a:rPr>
+              <a:t>		</a:t>
+            </a:r>
+            <a:r>
+              <a:rPr lang="en-US" altLang="zh-CN" kern="0" dirty="0" smtClean="0">
+                <a:solidFill>
+                  <a:schemeClr val="tx1"/>
+                </a:solidFill>
+                <a:latin typeface="微软雅黑" pitchFamily="34" charset="-122"/>
+                <a:ea typeface="宋体" pitchFamily="2" charset="-122"/>
+              </a:rPr>
+              <a:t>for </a:t>
+            </a:r>
+            <a:r>
+              <a:rPr lang="en-US" altLang="zh-CN" kern="0" dirty="0">
+                <a:solidFill>
+                  <a:schemeClr val="tx1"/>
+                </a:solidFill>
+                <a:latin typeface="微软雅黑" pitchFamily="34" charset="-122"/>
+                <a:ea typeface="宋体" pitchFamily="2" charset="-122"/>
+              </a:rPr>
+              <a:t>(Color c : </a:t>
+            </a:r>
+            <a:r>
+              <a:rPr lang="en-US" altLang="zh-CN" kern="0" dirty="0" err="1">
+                <a:solidFill>
+                  <a:schemeClr val="tx1"/>
+                </a:solidFill>
+                <a:latin typeface="微软雅黑" pitchFamily="34" charset="-122"/>
+                <a:ea typeface="宋体" pitchFamily="2" charset="-122"/>
+              </a:rPr>
+              <a:t>Color.values</a:t>
+            </a:r>
+            <a:r>
+              <a:rPr lang="en-US" altLang="zh-CN" kern="0" dirty="0">
+                <a:solidFill>
+                  <a:schemeClr val="tx1"/>
+                </a:solidFill>
+                <a:latin typeface="微软雅黑" pitchFamily="34" charset="-122"/>
+                <a:ea typeface="宋体" pitchFamily="2" charset="-122"/>
+              </a:rPr>
+              <a:t>()) { </a:t>
+            </a:r>
+          </a:p>
+          <a:p>
+            <a:pPr eaLnBrk="0" hangingPunct="0">
+              <a:spcBef>
+                <a:spcPct val="20000"/>
+              </a:spcBef>
+            </a:pPr>
+            <a:r>
+              <a:rPr lang="en-US" altLang="zh-CN" kern="0" dirty="0">
+                <a:solidFill>
+                  <a:schemeClr val="tx1"/>
+                </a:solidFill>
+                <a:latin typeface="微软雅黑" pitchFamily="34" charset="-122"/>
+                <a:ea typeface="宋体" pitchFamily="2" charset="-122"/>
+              </a:rPr>
+              <a:t>			</a:t>
+            </a:r>
+            <a:r>
+              <a:rPr lang="en-US" altLang="zh-CN" kern="0" dirty="0" err="1">
+                <a:solidFill>
+                  <a:schemeClr val="tx1"/>
+                </a:solidFill>
+                <a:latin typeface="微软雅黑" pitchFamily="34" charset="-122"/>
+                <a:ea typeface="宋体" pitchFamily="2" charset="-122"/>
+              </a:rPr>
+              <a:t>System.out.println</a:t>
+            </a:r>
+            <a:r>
+              <a:rPr lang="en-US" altLang="zh-CN" kern="0" dirty="0">
+                <a:solidFill>
+                  <a:schemeClr val="tx1"/>
+                </a:solidFill>
+                <a:latin typeface="微软雅黑" pitchFamily="34" charset="-122"/>
+                <a:ea typeface="宋体" pitchFamily="2" charset="-122"/>
+              </a:rPr>
+              <a:t>(c + " ordinal: " +</a:t>
+            </a:r>
+            <a:r>
+              <a:rPr lang="en-US" altLang="zh-CN" kern="0" dirty="0" err="1">
+                <a:solidFill>
+                  <a:schemeClr val="tx1"/>
+                </a:solidFill>
+                <a:latin typeface="微软雅黑" pitchFamily="34" charset="-122"/>
+                <a:ea typeface="宋体" pitchFamily="2" charset="-122"/>
+              </a:rPr>
+              <a:t>c.ordinal</a:t>
+            </a:r>
+            <a:r>
+              <a:rPr lang="en-US" altLang="zh-CN" kern="0" dirty="0">
+                <a:solidFill>
+                  <a:schemeClr val="tx1"/>
+                </a:solidFill>
+                <a:latin typeface="微软雅黑" pitchFamily="34" charset="-122"/>
+                <a:ea typeface="宋体" pitchFamily="2" charset="-122"/>
+              </a:rPr>
+              <a:t>()); </a:t>
+            </a:r>
+          </a:p>
+          <a:p>
+            <a:pPr eaLnBrk="0" hangingPunct="0">
+              <a:spcBef>
+                <a:spcPct val="20000"/>
+              </a:spcBef>
+            </a:pPr>
+            <a:r>
+              <a:rPr lang="en-US" altLang="zh-CN" kern="0" dirty="0">
+                <a:solidFill>
+                  <a:schemeClr val="tx1"/>
+                </a:solidFill>
+                <a:latin typeface="微软雅黑" pitchFamily="34" charset="-122"/>
+                <a:ea typeface="宋体" pitchFamily="2" charset="-122"/>
+              </a:rPr>
+              <a:t>		}</a:t>
+            </a:r>
+          </a:p>
+          <a:p>
+            <a:pPr eaLnBrk="0" hangingPunct="0">
+              <a:spcBef>
+                <a:spcPct val="20000"/>
+              </a:spcBef>
+            </a:pPr>
+            <a:r>
+              <a:rPr lang="en-US" altLang="zh-CN" kern="0" dirty="0">
+                <a:solidFill>
+                  <a:schemeClr val="tx1"/>
+                </a:solidFill>
+                <a:latin typeface="微软雅黑" pitchFamily="34" charset="-122"/>
+                <a:ea typeface="宋体" pitchFamily="2" charset="-122"/>
+              </a:rPr>
+              <a:t>		</a:t>
+            </a:r>
+            <a:r>
+              <a:rPr lang="en-US" altLang="zh-CN" kern="0" dirty="0" err="1">
+                <a:solidFill>
+                  <a:schemeClr val="tx1"/>
+                </a:solidFill>
+                <a:latin typeface="微软雅黑" pitchFamily="34" charset="-122"/>
+                <a:ea typeface="宋体" pitchFamily="2" charset="-122"/>
+              </a:rPr>
+              <a:t>System.out.println</a:t>
+            </a:r>
+            <a:r>
+              <a:rPr lang="en-US" altLang="zh-CN" kern="0" dirty="0">
+                <a:solidFill>
+                  <a:schemeClr val="tx1"/>
+                </a:solidFill>
+                <a:latin typeface="微软雅黑" pitchFamily="34" charset="-122"/>
+                <a:ea typeface="宋体" pitchFamily="2" charset="-122"/>
+              </a:rPr>
+              <a:t>("===Print all Size ==="); </a:t>
+            </a:r>
+          </a:p>
+          <a:p>
+            <a:pPr eaLnBrk="0" hangingPunct="0">
+              <a:spcBef>
+                <a:spcPct val="20000"/>
+              </a:spcBef>
+            </a:pPr>
+            <a:r>
+              <a:rPr lang="en-US" altLang="zh-CN" kern="0" dirty="0">
+                <a:solidFill>
+                  <a:schemeClr val="tx1"/>
+                </a:solidFill>
+                <a:latin typeface="微软雅黑" pitchFamily="34" charset="-122"/>
+                <a:ea typeface="宋体" pitchFamily="2" charset="-122"/>
+              </a:rPr>
+              <a:t>		for (Size s : </a:t>
+            </a:r>
+            <a:r>
+              <a:rPr lang="en-US" altLang="zh-CN" kern="0" dirty="0" err="1">
+                <a:solidFill>
+                  <a:schemeClr val="tx1"/>
+                </a:solidFill>
+                <a:latin typeface="微软雅黑" pitchFamily="34" charset="-122"/>
+                <a:ea typeface="宋体" pitchFamily="2" charset="-122"/>
+              </a:rPr>
+              <a:t>Size.values</a:t>
+            </a:r>
+            <a:r>
+              <a:rPr lang="en-US" altLang="zh-CN" kern="0" dirty="0">
+                <a:solidFill>
+                  <a:schemeClr val="tx1"/>
+                </a:solidFill>
+                <a:latin typeface="微软雅黑" pitchFamily="34" charset="-122"/>
+                <a:ea typeface="宋体" pitchFamily="2" charset="-122"/>
+              </a:rPr>
+              <a:t>()) { </a:t>
+            </a:r>
+          </a:p>
+          <a:p>
+            <a:pPr eaLnBrk="0" hangingPunct="0">
+              <a:spcBef>
+                <a:spcPct val="20000"/>
+              </a:spcBef>
+            </a:pPr>
+            <a:r>
+              <a:rPr lang="en-US" altLang="zh-CN" kern="0" dirty="0">
+                <a:solidFill>
+                  <a:schemeClr val="tx1"/>
+                </a:solidFill>
+                <a:latin typeface="微软雅黑" pitchFamily="34" charset="-122"/>
+                <a:ea typeface="宋体" pitchFamily="2" charset="-122"/>
+              </a:rPr>
+              <a:t>			</a:t>
+            </a:r>
+            <a:r>
+              <a:rPr lang="en-US" altLang="zh-CN" kern="0" dirty="0" err="1">
+                <a:solidFill>
+                  <a:schemeClr val="tx1"/>
+                </a:solidFill>
+                <a:latin typeface="微软雅黑" pitchFamily="34" charset="-122"/>
+                <a:ea typeface="宋体" pitchFamily="2" charset="-122"/>
+              </a:rPr>
+              <a:t>System.out.println</a:t>
+            </a:r>
+            <a:r>
+              <a:rPr lang="en-US" altLang="zh-CN" kern="0" dirty="0">
+                <a:solidFill>
+                  <a:schemeClr val="tx1"/>
+                </a:solidFill>
+                <a:latin typeface="微软雅黑" pitchFamily="34" charset="-122"/>
+                <a:ea typeface="宋体" pitchFamily="2" charset="-122"/>
+              </a:rPr>
+              <a:t>(s + " ordinal: " +</a:t>
+            </a:r>
+            <a:r>
+              <a:rPr lang="en-US" altLang="zh-CN" kern="0" dirty="0" err="1">
+                <a:solidFill>
+                  <a:schemeClr val="tx1"/>
+                </a:solidFill>
+                <a:latin typeface="微软雅黑" pitchFamily="34" charset="-122"/>
+                <a:ea typeface="宋体" pitchFamily="2" charset="-122"/>
+              </a:rPr>
+              <a:t>s.ordinal</a:t>
+            </a:r>
+            <a:r>
+              <a:rPr lang="en-US" altLang="zh-CN" kern="0" dirty="0">
+                <a:solidFill>
+                  <a:schemeClr val="tx1"/>
+                </a:solidFill>
+                <a:latin typeface="微软雅黑" pitchFamily="34" charset="-122"/>
+                <a:ea typeface="宋体" pitchFamily="2" charset="-122"/>
+              </a:rPr>
+              <a:t>()); </a:t>
+            </a:r>
+          </a:p>
+          <a:p>
+            <a:pPr eaLnBrk="0" hangingPunct="0">
+              <a:spcBef>
+                <a:spcPct val="20000"/>
+              </a:spcBef>
+            </a:pPr>
+            <a:r>
+              <a:rPr lang="en-US" altLang="zh-CN" kern="0" dirty="0">
+                <a:solidFill>
+                  <a:schemeClr val="tx1"/>
+                </a:solidFill>
+                <a:latin typeface="微软雅黑" pitchFamily="34" charset="-122"/>
+                <a:ea typeface="宋体" pitchFamily="2" charset="-122"/>
+              </a:rPr>
+              <a:t>		}</a:t>
+            </a:r>
+          </a:p>
+          <a:p>
+            <a:pPr eaLnBrk="0" hangingPunct="0">
+              <a:spcBef>
+                <a:spcPct val="20000"/>
+              </a:spcBef>
+            </a:pPr>
+            <a:r>
+              <a:rPr lang="en-US" altLang="zh-CN" kern="0" dirty="0">
+                <a:solidFill>
+                  <a:schemeClr val="tx1"/>
+                </a:solidFill>
+                <a:latin typeface="微软雅黑" pitchFamily="34" charset="-122"/>
+                <a:ea typeface="宋体" pitchFamily="2" charset="-122"/>
+              </a:rPr>
+              <a:t>		Color green = </a:t>
+            </a:r>
+            <a:r>
+              <a:rPr lang="en-US" altLang="zh-CN" kern="0" dirty="0" err="1">
+                <a:solidFill>
+                  <a:schemeClr val="tx1"/>
+                </a:solidFill>
+                <a:latin typeface="微软雅黑" pitchFamily="34" charset="-122"/>
+                <a:ea typeface="宋体" pitchFamily="2" charset="-122"/>
+              </a:rPr>
+              <a:t>Color.GREEN</a:t>
+            </a:r>
+            <a:r>
+              <a:rPr lang="en-US" altLang="zh-CN" kern="0" dirty="0">
+                <a:solidFill>
+                  <a:schemeClr val="tx1"/>
+                </a:solidFill>
+                <a:latin typeface="微软雅黑" pitchFamily="34" charset="-122"/>
+                <a:ea typeface="宋体" pitchFamily="2" charset="-122"/>
+              </a:rPr>
+              <a:t>; </a:t>
+            </a:r>
+            <a:endParaRPr lang="en-US" altLang="zh-CN" kern="0" dirty="0" smtClean="0">
+              <a:solidFill>
+                <a:schemeClr val="tx1"/>
+              </a:solidFill>
+              <a:latin typeface="微软雅黑" pitchFamily="34" charset="-122"/>
+              <a:ea typeface="宋体" pitchFamily="2" charset="-122"/>
+            </a:endParaRPr>
+          </a:p>
+          <a:p>
+            <a:pPr eaLnBrk="0" hangingPunct="0">
+              <a:spcBef>
+                <a:spcPct val="20000"/>
+              </a:spcBef>
+            </a:pPr>
+            <a:r>
+              <a:rPr lang="en-US" altLang="zh-CN" kern="0" dirty="0">
+                <a:solidFill>
+                  <a:schemeClr val="tx1"/>
+                </a:solidFill>
+                <a:latin typeface="微软雅黑" pitchFamily="34" charset="-122"/>
+                <a:ea typeface="宋体" pitchFamily="2" charset="-122"/>
+              </a:rPr>
               <a:t>	</a:t>
             </a:r>
-            <a:r>
-              <a:rPr lang="en-US" altLang="zh-CN" sz="2400" dirty="0" err="1" smtClean="0"/>
-              <a:t>enum</a:t>
-            </a:r>
-            <a:r>
-              <a:rPr lang="en-US" altLang="zh-CN" sz="2400" dirty="0" smtClean="0"/>
-              <a:t> </a:t>
-            </a:r>
-            <a:r>
-              <a:rPr lang="en-US" altLang="zh-CN" sz="2400" dirty="0"/>
-              <a:t>Size {BIG, MIDDLE, SMALL;} </a:t>
-            </a:r>
-            <a:endParaRPr lang="en-US" altLang="zh-CN" sz="2400" dirty="0" smtClean="0"/>
-          </a:p>
-          <a:p>
-            <a:r>
-              <a:rPr lang="en-US" altLang="zh-CN" sz="2400" dirty="0"/>
-              <a:t>	</a:t>
-            </a:r>
-            <a:r>
-              <a:rPr lang="en-US" altLang="zh-CN" sz="2400" dirty="0" smtClean="0"/>
-              <a:t>public </a:t>
-            </a:r>
-            <a:r>
-              <a:rPr lang="en-US" altLang="zh-CN" sz="2400" dirty="0"/>
-              <a:t>static void main(String </a:t>
-            </a:r>
-            <a:r>
-              <a:rPr lang="en-US" altLang="zh-CN" sz="2400" dirty="0" err="1"/>
-              <a:t>args</a:t>
-            </a:r>
-            <a:r>
-              <a:rPr lang="en-US" altLang="zh-CN" sz="2400" dirty="0"/>
-              <a:t>[]) </a:t>
-            </a:r>
-            <a:r>
-              <a:rPr lang="en-US" altLang="zh-CN" sz="2400" dirty="0" smtClean="0"/>
-              <a:t>{ </a:t>
-            </a:r>
-          </a:p>
-          <a:p>
-            <a:r>
-              <a:rPr lang="en-US" altLang="zh-CN" sz="2400" dirty="0"/>
-              <a:t>	</a:t>
-            </a:r>
-            <a:r>
-              <a:rPr lang="en-US" altLang="zh-CN" sz="2400" dirty="0" smtClean="0"/>
-              <a:t>	</a:t>
-            </a:r>
-            <a:r>
-              <a:rPr lang="en-US" altLang="zh-CN" sz="2400" dirty="0" err="1" smtClean="0"/>
-              <a:t>System.out.println</a:t>
-            </a:r>
-            <a:r>
-              <a:rPr lang="en-US" altLang="zh-CN" sz="2400" dirty="0" smtClean="0"/>
-              <a:t>("=== </a:t>
-            </a:r>
-            <a:r>
-              <a:rPr lang="en-US" altLang="zh-CN" sz="2400" dirty="0"/>
-              <a:t>Print all Color </a:t>
-            </a:r>
-            <a:r>
-              <a:rPr lang="en-US" altLang="zh-CN" sz="2400" dirty="0" smtClean="0"/>
-              <a:t>==="); 			for </a:t>
-            </a:r>
-            <a:r>
-              <a:rPr lang="en-US" altLang="zh-CN" sz="2400" dirty="0"/>
-              <a:t>(Color c : </a:t>
-            </a:r>
-            <a:r>
-              <a:rPr lang="en-US" altLang="zh-CN" sz="2400" dirty="0" err="1"/>
-              <a:t>Color.values</a:t>
-            </a:r>
-            <a:r>
-              <a:rPr lang="en-US" altLang="zh-CN" sz="2400" dirty="0"/>
-              <a:t>()) { </a:t>
-            </a:r>
-            <a:endParaRPr lang="en-US" altLang="zh-CN" sz="2400" dirty="0" smtClean="0"/>
-          </a:p>
-          <a:p>
-            <a:r>
-              <a:rPr lang="en-US" altLang="zh-CN" sz="2400" dirty="0"/>
-              <a:t>	</a:t>
-            </a:r>
-            <a:r>
-              <a:rPr lang="en-US" altLang="zh-CN" sz="2400" dirty="0" smtClean="0"/>
-              <a:t>		</a:t>
-            </a:r>
-            <a:r>
-              <a:rPr lang="en-US" altLang="zh-CN" sz="2400" dirty="0" err="1" smtClean="0"/>
-              <a:t>System.out.println</a:t>
-            </a:r>
-            <a:r>
-              <a:rPr lang="en-US" altLang="zh-CN" sz="2400" dirty="0" smtClean="0"/>
-              <a:t>(c </a:t>
-            </a:r>
-            <a:r>
-              <a:rPr lang="en-US" altLang="zh-CN" sz="2400" dirty="0"/>
-              <a:t>+ " ordinal: " </a:t>
-            </a:r>
-            <a:r>
-              <a:rPr lang="en-US" altLang="zh-CN" sz="2400" dirty="0" smtClean="0"/>
-              <a:t>+</a:t>
-            </a:r>
-            <a:r>
-              <a:rPr lang="en-US" altLang="zh-CN" sz="2400" dirty="0" err="1" smtClean="0"/>
-              <a:t>c.ordinal</a:t>
-            </a:r>
-            <a:r>
-              <a:rPr lang="en-US" altLang="zh-CN" sz="2400" dirty="0" smtClean="0"/>
-              <a:t>()); </a:t>
-            </a:r>
-          </a:p>
-          <a:p>
-            <a:r>
-              <a:rPr lang="en-US" altLang="zh-CN" sz="2400" dirty="0"/>
-              <a:t>	</a:t>
-            </a:r>
-            <a:r>
-              <a:rPr lang="en-US" altLang="zh-CN" sz="2400" dirty="0" smtClean="0"/>
-              <a:t>	}</a:t>
-            </a:r>
-          </a:p>
-          <a:p>
-            <a:r>
-              <a:rPr lang="en-US" altLang="zh-CN" sz="2400" dirty="0"/>
-              <a:t>	</a:t>
-            </a:r>
-            <a:r>
-              <a:rPr lang="en-US" altLang="zh-CN" sz="2400" dirty="0" smtClean="0"/>
-              <a:t>	</a:t>
-            </a:r>
-            <a:r>
-              <a:rPr lang="en-US" altLang="zh-CN" sz="2400" dirty="0" err="1" smtClean="0"/>
-              <a:t>System.out.println</a:t>
-            </a:r>
-            <a:r>
-              <a:rPr lang="en-US" altLang="zh-CN" sz="2400" dirty="0" smtClean="0"/>
-              <a:t>("===Print </a:t>
-            </a:r>
-            <a:r>
-              <a:rPr lang="en-US" altLang="zh-CN" sz="2400" dirty="0"/>
-              <a:t>all Size </a:t>
-            </a:r>
-            <a:r>
-              <a:rPr lang="en-US" altLang="zh-CN" sz="2400" dirty="0" smtClean="0"/>
-              <a:t>==="); </a:t>
-            </a:r>
-          </a:p>
-          <a:p>
-            <a:r>
-              <a:rPr lang="en-US" altLang="zh-CN" sz="2400" dirty="0"/>
-              <a:t>	</a:t>
-            </a:r>
-            <a:r>
-              <a:rPr lang="en-US" altLang="zh-CN" sz="2400" dirty="0" smtClean="0"/>
-              <a:t>	for </a:t>
-            </a:r>
-            <a:r>
-              <a:rPr lang="en-US" altLang="zh-CN" sz="2400" dirty="0"/>
-              <a:t>(Size s : </a:t>
-            </a:r>
-            <a:r>
-              <a:rPr lang="en-US" altLang="zh-CN" sz="2400" dirty="0" err="1"/>
-              <a:t>Size.values</a:t>
-            </a:r>
-            <a:r>
-              <a:rPr lang="en-US" altLang="zh-CN" sz="2400" dirty="0"/>
-              <a:t>()) { </a:t>
-            </a:r>
-            <a:endParaRPr lang="en-US" altLang="zh-CN" sz="2400" dirty="0" smtClean="0"/>
-          </a:p>
-          <a:p>
-            <a:r>
-              <a:rPr lang="en-US" altLang="zh-CN" sz="2400" dirty="0"/>
-              <a:t>	</a:t>
-            </a:r>
-            <a:r>
-              <a:rPr lang="en-US" altLang="zh-CN" sz="2400" dirty="0" smtClean="0"/>
-              <a:t>		</a:t>
-            </a:r>
-            <a:r>
-              <a:rPr lang="en-US" altLang="zh-CN" sz="2400" dirty="0" err="1" smtClean="0"/>
-              <a:t>System.out.println</a:t>
-            </a:r>
-            <a:r>
-              <a:rPr lang="en-US" altLang="zh-CN" sz="2400" dirty="0" smtClean="0"/>
-              <a:t>(s </a:t>
-            </a:r>
-            <a:r>
-              <a:rPr lang="en-US" altLang="zh-CN" sz="2400" dirty="0"/>
-              <a:t>+ " ordinal: " </a:t>
-            </a:r>
-            <a:r>
-              <a:rPr lang="en-US" altLang="zh-CN" sz="2400" dirty="0" smtClean="0"/>
-              <a:t>+</a:t>
-            </a:r>
-            <a:r>
-              <a:rPr lang="en-US" altLang="zh-CN" sz="2400" dirty="0" err="1" smtClean="0"/>
-              <a:t>s.ordinal</a:t>
-            </a:r>
-            <a:r>
-              <a:rPr lang="en-US" altLang="zh-CN" sz="2400" dirty="0"/>
-              <a:t>()); </a:t>
-            </a:r>
-            <a:endParaRPr lang="en-US" altLang="zh-CN" sz="2400" dirty="0" smtClean="0"/>
-          </a:p>
-          <a:p>
-            <a:r>
-              <a:rPr lang="en-US" altLang="zh-CN" sz="2400" dirty="0"/>
-              <a:t>	</a:t>
-            </a:r>
-            <a:r>
-              <a:rPr lang="en-US" altLang="zh-CN" sz="2400" dirty="0" smtClean="0"/>
-              <a:t>	}</a:t>
-            </a:r>
-          </a:p>
-          <a:p>
-            <a:r>
-              <a:rPr lang="en-US" altLang="zh-CN" sz="2400" dirty="0"/>
-              <a:t>	</a:t>
-            </a:r>
-            <a:r>
-              <a:rPr lang="en-US" altLang="zh-CN" sz="2400" dirty="0" smtClean="0"/>
-              <a:t>	Color </a:t>
-            </a:r>
-            <a:r>
-              <a:rPr lang="en-US" altLang="zh-CN" sz="2400" dirty="0"/>
-              <a:t>green = </a:t>
-            </a:r>
-            <a:r>
-              <a:rPr lang="en-US" altLang="zh-CN" sz="2400" dirty="0" err="1"/>
-              <a:t>Color.GREEN</a:t>
-            </a:r>
-            <a:r>
-              <a:rPr lang="en-US" altLang="zh-CN" sz="2400" dirty="0"/>
-              <a:t>; </a:t>
-            </a:r>
-            <a:endParaRPr lang="zh-CN" altLang="en-US" sz="2400" dirty="0"/>
+            <a:endParaRPr lang="zh-CN" altLang="en-US" kern="0" dirty="0">
+              <a:solidFill>
+                <a:schemeClr val="tx1"/>
+              </a:solidFill>
+              <a:latin typeface="微软雅黑" pitchFamily="34" charset="-122"/>
+              <a:ea typeface="宋体" pitchFamily="2" charset="-122"/>
+            </a:endParaRPr>
           </a:p>
         </p:txBody>
       </p:sp>
@@ -8808,29 +9232,6 @@
               <a:rPr lang="zh-CN" altLang="en-US" dirty="0" smtClean="0"/>
               <a:t>枚举补充</a:t>
             </a:r>
-            <a:endParaRPr lang="zh-CN" altLang="en-US" dirty="0" smtClean="0"/>
-          </a:p>
-        </p:txBody>
-      </p:sp>
-      <p:sp>
-        <p:nvSpPr>
-          <p:cNvPr id="3" name="内容占位符 2"/>
-          <p:cNvSpPr>
-            <a:spLocks noGrp="1"/>
-          </p:cNvSpPr>
-          <p:nvPr>
-            <p:ph idx="1"/>
-          </p:nvPr>
-        </p:nvSpPr>
-        <p:spPr/>
-        <p:txBody>
-          <a:bodyPr/>
-          <a:lstStyle/>
-          <a:p>
-            <a:pPr lvl="1"/>
-            <a:endParaRPr lang="en-US" altLang="zh-CN" dirty="0" smtClean="0">
-              <a:sym typeface="Arial" charset="0"/>
-            </a:endParaRPr>
           </a:p>
         </p:txBody>
       </p:sp>
@@ -8842,348 +9243,723 @@
         </p:nvSpPr>
         <p:spPr>
           <a:xfrm>
-            <a:off x="451002" y="1160748"/>
-            <a:ext cx="8229600" cy="5262979"/>
+            <a:off x="1975002" y="980729"/>
+            <a:ext cx="8229600" cy="5877272"/>
           </a:xfrm>
           <a:prstGeom prst="rect">
             <a:avLst/>
           </a:prstGeom>
+          <a:solidFill>
+            <a:srgbClr val="FFCC99"/>
+          </a:solidFill>
+          <a:ln>
+            <a:noFill/>
+            <a:miter lim="800000"/>
+            <a:headEnd/>
+            <a:tailEnd/>
+          </a:ln>
         </p:spPr>
-        <p:style>
-          <a:lnRef idx="1">
-            <a:schemeClr val="accent2"/>
-          </a:lnRef>
-          <a:fillRef idx="2">
-            <a:schemeClr val="accent2"/>
-          </a:fillRef>
-          <a:effectRef idx="1">
-            <a:schemeClr val="accent2"/>
-          </a:effectRef>
-          <a:fontRef idx="minor">
-            <a:schemeClr val="dk1"/>
-          </a:fontRef>
-        </p:style>
         <p:txBody>
-          <a:bodyPr wrap="square">
-            <a:spAutoFit/>
-          </a:bodyPr>
+          <a:bodyPr wrap="none"/>
           <a:lstStyle/>
           <a:p>
-            <a:pPr lvl="1"/>
-            <a:r>
-              <a:rPr lang="en-US" altLang="zh-CN" sz="2400" dirty="0" err="1" smtClean="0"/>
+            <a:pPr lvl="1" eaLnBrk="0" hangingPunct="0">
+              <a:spcBef>
+                <a:spcPct val="20000"/>
+              </a:spcBef>
+            </a:pPr>
+            <a:r>
+              <a:rPr lang="en-US" altLang="zh-CN" kern="0" dirty="0" err="1">
+                <a:solidFill>
+                  <a:schemeClr val="tx1"/>
+                </a:solidFill>
+                <a:latin typeface="微软雅黑" pitchFamily="34" charset="-122"/>
+                <a:ea typeface="宋体" pitchFamily="2" charset="-122"/>
+              </a:rPr>
               <a:t>System.out.println</a:t>
             </a:r>
             <a:r>
-              <a:rPr lang="en-US" altLang="zh-CN" sz="2400" dirty="0"/>
+              <a:rPr lang="en-US" altLang="zh-CN" kern="0" dirty="0">
+                <a:solidFill>
+                  <a:schemeClr val="tx1"/>
+                </a:solidFill>
+                <a:latin typeface="微软雅黑" pitchFamily="34" charset="-122"/>
+                <a:ea typeface="宋体" pitchFamily="2" charset="-122"/>
+              </a:rPr>
               <a:t>("green name(): " + green.name()); </a:t>
             </a:r>
-            <a:endParaRPr lang="en-US" altLang="zh-CN" sz="2400" dirty="0" smtClean="0"/>
-          </a:p>
-          <a:p>
-            <a:pPr lvl="1"/>
-            <a:r>
-              <a:rPr lang="en-US" altLang="zh-CN" sz="2400" dirty="0" err="1" smtClean="0"/>
+          </a:p>
+          <a:p>
+            <a:pPr lvl="1" eaLnBrk="0" hangingPunct="0">
+              <a:spcBef>
+                <a:spcPct val="20000"/>
+              </a:spcBef>
+            </a:pPr>
+            <a:r>
+              <a:rPr lang="en-US" altLang="zh-CN" kern="0" dirty="0" err="1">
+                <a:solidFill>
+                  <a:schemeClr val="tx1"/>
+                </a:solidFill>
+                <a:latin typeface="微软雅黑" pitchFamily="34" charset="-122"/>
+                <a:ea typeface="宋体" pitchFamily="2" charset="-122"/>
+              </a:rPr>
               <a:t>System.out.println</a:t>
             </a:r>
             <a:r>
-              <a:rPr lang="en-US" altLang="zh-CN" sz="2400" dirty="0"/>
+              <a:rPr lang="en-US" altLang="zh-CN" kern="0" dirty="0">
+                <a:solidFill>
+                  <a:schemeClr val="tx1"/>
+                </a:solidFill>
+                <a:latin typeface="微软雅黑" pitchFamily="34" charset="-122"/>
+                <a:ea typeface="宋体" pitchFamily="2" charset="-122"/>
+              </a:rPr>
               <a:t>("green </a:t>
             </a:r>
             <a:r>
-              <a:rPr lang="en-US" altLang="zh-CN" sz="2400" dirty="0" err="1"/>
+              <a:rPr lang="en-US" altLang="zh-CN" kern="0" dirty="0" err="1">
+                <a:solidFill>
+                  <a:schemeClr val="tx1"/>
+                </a:solidFill>
+                <a:latin typeface="微软雅黑" pitchFamily="34" charset="-122"/>
+                <a:ea typeface="宋体" pitchFamily="2" charset="-122"/>
+              </a:rPr>
               <a:t>getDeclaringClass</a:t>
             </a:r>
             <a:r>
-              <a:rPr lang="en-US" altLang="zh-CN" sz="2400" dirty="0"/>
+              <a:rPr lang="en-US" altLang="zh-CN" kern="0" dirty="0">
+                <a:solidFill>
+                  <a:schemeClr val="tx1"/>
+                </a:solidFill>
+                <a:latin typeface="微软雅黑" pitchFamily="34" charset="-122"/>
+                <a:ea typeface="宋体" pitchFamily="2" charset="-122"/>
+              </a:rPr>
               <a:t>(): " </a:t>
             </a:r>
-            <a:endParaRPr lang="en-US" altLang="zh-CN" sz="2400" dirty="0" smtClean="0"/>
-          </a:p>
-          <a:p>
-            <a:pPr lvl="1"/>
-            <a:r>
-              <a:rPr lang="en-US" altLang="zh-CN" sz="2400" dirty="0"/>
-              <a:t>	</a:t>
-            </a:r>
-            <a:r>
-              <a:rPr lang="en-US" altLang="zh-CN" sz="2400" dirty="0" smtClean="0"/>
-              <a:t>		+ </a:t>
-            </a:r>
-            <a:r>
-              <a:rPr lang="en-US" altLang="zh-CN" sz="2400" dirty="0" err="1"/>
+          </a:p>
+          <a:p>
+            <a:pPr lvl="1" eaLnBrk="0" hangingPunct="0">
+              <a:spcBef>
+                <a:spcPct val="20000"/>
+              </a:spcBef>
+            </a:pPr>
+            <a:r>
+              <a:rPr lang="en-US" altLang="zh-CN" kern="0" dirty="0">
+                <a:solidFill>
+                  <a:schemeClr val="tx1"/>
+                </a:solidFill>
+                <a:latin typeface="微软雅黑" pitchFamily="34" charset="-122"/>
+                <a:ea typeface="宋体" pitchFamily="2" charset="-122"/>
+              </a:rPr>
+              <a:t>			+ </a:t>
+            </a:r>
+            <a:r>
+              <a:rPr lang="en-US" altLang="zh-CN" kern="0" dirty="0" err="1">
+                <a:solidFill>
+                  <a:schemeClr val="tx1"/>
+                </a:solidFill>
+                <a:latin typeface="微软雅黑" pitchFamily="34" charset="-122"/>
+                <a:ea typeface="宋体" pitchFamily="2" charset="-122"/>
+              </a:rPr>
               <a:t>green.getDeclaringClass</a:t>
             </a:r>
             <a:r>
-              <a:rPr lang="en-US" altLang="zh-CN" sz="2400" dirty="0"/>
+              <a:rPr lang="en-US" altLang="zh-CN" kern="0" dirty="0">
+                <a:solidFill>
+                  <a:schemeClr val="tx1"/>
+                </a:solidFill>
+                <a:latin typeface="微软雅黑" pitchFamily="34" charset="-122"/>
+                <a:ea typeface="宋体" pitchFamily="2" charset="-122"/>
+              </a:rPr>
               <a:t>()); </a:t>
             </a:r>
-            <a:endParaRPr lang="en-US" altLang="zh-CN" sz="2400" dirty="0" smtClean="0"/>
-          </a:p>
-          <a:p>
-            <a:pPr lvl="1"/>
-            <a:r>
-              <a:rPr lang="en-US" altLang="zh-CN" sz="2400" dirty="0" err="1" smtClean="0"/>
+          </a:p>
+          <a:p>
+            <a:pPr lvl="1" eaLnBrk="0" hangingPunct="0">
+              <a:spcBef>
+                <a:spcPct val="20000"/>
+              </a:spcBef>
+            </a:pPr>
+            <a:r>
+              <a:rPr lang="en-US" altLang="zh-CN" kern="0" dirty="0" err="1">
+                <a:solidFill>
+                  <a:schemeClr val="tx1"/>
+                </a:solidFill>
+                <a:latin typeface="微软雅黑" pitchFamily="34" charset="-122"/>
+                <a:ea typeface="宋体" pitchFamily="2" charset="-122"/>
+              </a:rPr>
               <a:t>System.out.println</a:t>
             </a:r>
             <a:r>
-              <a:rPr lang="en-US" altLang="zh-CN" sz="2400" dirty="0"/>
+              <a:rPr lang="en-US" altLang="zh-CN" kern="0" dirty="0">
+                <a:solidFill>
+                  <a:schemeClr val="tx1"/>
+                </a:solidFill>
+                <a:latin typeface="微软雅黑" pitchFamily="34" charset="-122"/>
+                <a:ea typeface="宋体" pitchFamily="2" charset="-122"/>
+              </a:rPr>
               <a:t>("green </a:t>
             </a:r>
             <a:r>
-              <a:rPr lang="en-US" altLang="zh-CN" sz="2400" dirty="0" err="1"/>
+              <a:rPr lang="en-US" altLang="zh-CN" kern="0" dirty="0" err="1">
+                <a:solidFill>
+                  <a:schemeClr val="tx1"/>
+                </a:solidFill>
+                <a:latin typeface="微软雅黑" pitchFamily="34" charset="-122"/>
+                <a:ea typeface="宋体" pitchFamily="2" charset="-122"/>
+              </a:rPr>
               <a:t>hashCode</a:t>
             </a:r>
             <a:r>
-              <a:rPr lang="en-US" altLang="zh-CN" sz="2400" dirty="0"/>
-              <a:t>(): </a:t>
-            </a:r>
-            <a:r>
-              <a:rPr lang="en-US" altLang="zh-CN" sz="2400" dirty="0" smtClean="0"/>
-              <a:t>“</a:t>
-            </a:r>
-          </a:p>
-          <a:p>
-            <a:pPr lvl="1"/>
-            <a:r>
-              <a:rPr lang="en-US" altLang="zh-CN" sz="2400" dirty="0"/>
-              <a:t>	</a:t>
-            </a:r>
-            <a:r>
-              <a:rPr lang="en-US" altLang="zh-CN" sz="2400" dirty="0" smtClean="0"/>
-              <a:t>		+ </a:t>
-            </a:r>
-            <a:r>
-              <a:rPr lang="en-US" altLang="zh-CN" sz="2400" dirty="0" err="1"/>
+              <a:rPr lang="en-US" altLang="zh-CN" kern="0" dirty="0">
+                <a:solidFill>
+                  <a:schemeClr val="tx1"/>
+                </a:solidFill>
+                <a:latin typeface="微软雅黑" pitchFamily="34" charset="-122"/>
+                <a:ea typeface="宋体" pitchFamily="2" charset="-122"/>
+              </a:rPr>
+              <a:t>(): “</a:t>
+            </a:r>
+          </a:p>
+          <a:p>
+            <a:pPr lvl="1" eaLnBrk="0" hangingPunct="0">
+              <a:spcBef>
+                <a:spcPct val="20000"/>
+              </a:spcBef>
+            </a:pPr>
+            <a:r>
+              <a:rPr lang="en-US" altLang="zh-CN" kern="0" dirty="0">
+                <a:solidFill>
+                  <a:schemeClr val="tx1"/>
+                </a:solidFill>
+                <a:latin typeface="微软雅黑" pitchFamily="34" charset="-122"/>
+                <a:ea typeface="宋体" pitchFamily="2" charset="-122"/>
+              </a:rPr>
+              <a:t>			+ </a:t>
+            </a:r>
+            <a:r>
+              <a:rPr lang="en-US" altLang="zh-CN" kern="0" dirty="0" err="1">
+                <a:solidFill>
+                  <a:schemeClr val="tx1"/>
+                </a:solidFill>
+                <a:latin typeface="微软雅黑" pitchFamily="34" charset="-122"/>
+                <a:ea typeface="宋体" pitchFamily="2" charset="-122"/>
+              </a:rPr>
               <a:t>green.hashCode</a:t>
             </a:r>
             <a:r>
-              <a:rPr lang="en-US" altLang="zh-CN" sz="2400" dirty="0"/>
+              <a:rPr lang="en-US" altLang="zh-CN" kern="0" dirty="0">
+                <a:solidFill>
+                  <a:schemeClr val="tx1"/>
+                </a:solidFill>
+                <a:latin typeface="微软雅黑" pitchFamily="34" charset="-122"/>
+                <a:ea typeface="宋体" pitchFamily="2" charset="-122"/>
+              </a:rPr>
               <a:t>()); </a:t>
             </a:r>
-            <a:endParaRPr lang="en-US" altLang="zh-CN" sz="2400" dirty="0" smtClean="0"/>
-          </a:p>
-          <a:p>
-            <a:pPr lvl="1"/>
-            <a:r>
-              <a:rPr lang="en-US" altLang="zh-CN" sz="2400" dirty="0" err="1" smtClean="0"/>
+          </a:p>
+          <a:p>
+            <a:pPr lvl="1" eaLnBrk="0" hangingPunct="0">
+              <a:spcBef>
+                <a:spcPct val="20000"/>
+              </a:spcBef>
+            </a:pPr>
+            <a:r>
+              <a:rPr lang="en-US" altLang="zh-CN" kern="0" dirty="0" err="1">
+                <a:solidFill>
+                  <a:schemeClr val="tx1"/>
+                </a:solidFill>
+                <a:latin typeface="微软雅黑" pitchFamily="34" charset="-122"/>
+                <a:ea typeface="宋体" pitchFamily="2" charset="-122"/>
+              </a:rPr>
               <a:t>System.out.println</a:t>
             </a:r>
             <a:r>
-              <a:rPr lang="en-US" altLang="zh-CN" sz="2400" dirty="0"/>
+              <a:rPr lang="en-US" altLang="zh-CN" kern="0" dirty="0">
+                <a:solidFill>
+                  <a:schemeClr val="tx1"/>
+                </a:solidFill>
+                <a:latin typeface="微软雅黑" pitchFamily="34" charset="-122"/>
+                <a:ea typeface="宋体" pitchFamily="2" charset="-122"/>
+              </a:rPr>
               <a:t>("green </a:t>
             </a:r>
             <a:r>
-              <a:rPr lang="en-US" altLang="zh-CN" sz="2400" dirty="0" err="1"/>
+              <a:rPr lang="en-US" altLang="zh-CN" kern="0" dirty="0" err="1">
+                <a:solidFill>
+                  <a:schemeClr val="tx1"/>
+                </a:solidFill>
+                <a:latin typeface="微软雅黑" pitchFamily="34" charset="-122"/>
+                <a:ea typeface="宋体" pitchFamily="2" charset="-122"/>
+              </a:rPr>
               <a:t>compareTo</a:t>
             </a:r>
             <a:r>
-              <a:rPr lang="en-US" altLang="zh-CN" sz="2400" dirty="0"/>
+              <a:rPr lang="en-US" altLang="zh-CN" kern="0" dirty="0">
+                <a:solidFill>
+                  <a:schemeClr val="tx1"/>
+                </a:solidFill>
+                <a:latin typeface="微软雅黑" pitchFamily="34" charset="-122"/>
+                <a:ea typeface="宋体" pitchFamily="2" charset="-122"/>
+              </a:rPr>
               <a:t> </a:t>
             </a:r>
             <a:r>
-              <a:rPr lang="en-US" altLang="zh-CN" sz="2400" dirty="0" err="1"/>
+              <a:rPr lang="en-US" altLang="zh-CN" kern="0" dirty="0" err="1">
+                <a:solidFill>
+                  <a:schemeClr val="tx1"/>
+                </a:solidFill>
+                <a:latin typeface="微软雅黑" pitchFamily="34" charset="-122"/>
+                <a:ea typeface="宋体" pitchFamily="2" charset="-122"/>
+              </a:rPr>
               <a:t>Color.GREEN</a:t>
             </a:r>
             <a:r>
-              <a:rPr lang="en-US" altLang="zh-CN" sz="2400" dirty="0"/>
+              <a:rPr lang="en-US" altLang="zh-CN" kern="0" dirty="0">
+                <a:solidFill>
+                  <a:schemeClr val="tx1"/>
+                </a:solidFill>
+                <a:latin typeface="微软雅黑" pitchFamily="34" charset="-122"/>
+                <a:ea typeface="宋体" pitchFamily="2" charset="-122"/>
+              </a:rPr>
               <a:t>: " </a:t>
             </a:r>
-            <a:endParaRPr lang="en-US" altLang="zh-CN" sz="2400" dirty="0" smtClean="0"/>
-          </a:p>
-          <a:p>
-            <a:pPr lvl="1"/>
-            <a:r>
-              <a:rPr lang="en-US" altLang="zh-CN" sz="2400" dirty="0"/>
-              <a:t>	</a:t>
-            </a:r>
-            <a:r>
-              <a:rPr lang="en-US" altLang="zh-CN" sz="2400" dirty="0" smtClean="0"/>
-              <a:t>		+ </a:t>
-            </a:r>
-            <a:r>
-              <a:rPr lang="en-US" altLang="zh-CN" sz="2400" dirty="0" err="1"/>
+          </a:p>
+          <a:p>
+            <a:pPr lvl="1" eaLnBrk="0" hangingPunct="0">
+              <a:spcBef>
+                <a:spcPct val="20000"/>
+              </a:spcBef>
+            </a:pPr>
+            <a:r>
+              <a:rPr lang="en-US" altLang="zh-CN" kern="0" dirty="0">
+                <a:solidFill>
+                  <a:schemeClr val="tx1"/>
+                </a:solidFill>
+                <a:latin typeface="微软雅黑" pitchFamily="34" charset="-122"/>
+                <a:ea typeface="宋体" pitchFamily="2" charset="-122"/>
+              </a:rPr>
+              <a:t>			+ </a:t>
+            </a:r>
+            <a:r>
+              <a:rPr lang="en-US" altLang="zh-CN" kern="0" dirty="0" err="1">
+                <a:solidFill>
+                  <a:schemeClr val="tx1"/>
+                </a:solidFill>
+                <a:latin typeface="微软雅黑" pitchFamily="34" charset="-122"/>
+                <a:ea typeface="宋体" pitchFamily="2" charset="-122"/>
+              </a:rPr>
               <a:t>green.compareTo</a:t>
             </a:r>
             <a:r>
-              <a:rPr lang="en-US" altLang="zh-CN" sz="2400" dirty="0"/>
+              <a:rPr lang="en-US" altLang="zh-CN" kern="0" dirty="0">
+                <a:solidFill>
+                  <a:schemeClr val="tx1"/>
+                </a:solidFill>
+                <a:latin typeface="微软雅黑" pitchFamily="34" charset="-122"/>
+                <a:ea typeface="宋体" pitchFamily="2" charset="-122"/>
+              </a:rPr>
               <a:t>(</a:t>
             </a:r>
             <a:r>
-              <a:rPr lang="en-US" altLang="zh-CN" sz="2400" dirty="0" err="1"/>
+              <a:rPr lang="en-US" altLang="zh-CN" kern="0" dirty="0" err="1">
+                <a:solidFill>
+                  <a:schemeClr val="tx1"/>
+                </a:solidFill>
+                <a:latin typeface="微软雅黑" pitchFamily="34" charset="-122"/>
+                <a:ea typeface="宋体" pitchFamily="2" charset="-122"/>
+              </a:rPr>
               <a:t>Color.GREEN</a:t>
             </a:r>
             <a:r>
-              <a:rPr lang="en-US" altLang="zh-CN" sz="2400" dirty="0"/>
+              <a:rPr lang="en-US" altLang="zh-CN" kern="0" dirty="0">
+                <a:solidFill>
+                  <a:schemeClr val="tx1"/>
+                </a:solidFill>
+                <a:latin typeface="微软雅黑" pitchFamily="34" charset="-122"/>
+                <a:ea typeface="宋体" pitchFamily="2" charset="-122"/>
+              </a:rPr>
               <a:t>)); </a:t>
             </a:r>
-            <a:endParaRPr lang="en-US" altLang="zh-CN" sz="2400" dirty="0" smtClean="0"/>
-          </a:p>
-          <a:p>
-            <a:pPr lvl="1"/>
-            <a:r>
-              <a:rPr lang="en-US" altLang="zh-CN" sz="2400" dirty="0" err="1" smtClean="0"/>
+          </a:p>
+          <a:p>
+            <a:pPr lvl="1" eaLnBrk="0" hangingPunct="0">
+              <a:spcBef>
+                <a:spcPct val="20000"/>
+              </a:spcBef>
+            </a:pPr>
+            <a:r>
+              <a:rPr lang="en-US" altLang="zh-CN" kern="0" dirty="0" err="1">
+                <a:solidFill>
+                  <a:schemeClr val="tx1"/>
+                </a:solidFill>
+                <a:latin typeface="微软雅黑" pitchFamily="34" charset="-122"/>
+                <a:ea typeface="宋体" pitchFamily="2" charset="-122"/>
+              </a:rPr>
               <a:t>System.out.println</a:t>
             </a:r>
             <a:r>
-              <a:rPr lang="en-US" altLang="zh-CN" sz="2400" dirty="0"/>
+              <a:rPr lang="en-US" altLang="zh-CN" kern="0" dirty="0">
+                <a:solidFill>
+                  <a:schemeClr val="tx1"/>
+                </a:solidFill>
+                <a:latin typeface="微软雅黑" pitchFamily="34" charset="-122"/>
+                <a:ea typeface="宋体" pitchFamily="2" charset="-122"/>
+              </a:rPr>
               <a:t>("green equals </a:t>
             </a:r>
             <a:r>
-              <a:rPr lang="en-US" altLang="zh-CN" sz="2400" dirty="0" err="1"/>
+              <a:rPr lang="en-US" altLang="zh-CN" kern="0" dirty="0" err="1">
+                <a:solidFill>
+                  <a:schemeClr val="tx1"/>
+                </a:solidFill>
+                <a:latin typeface="微软雅黑" pitchFamily="34" charset="-122"/>
+                <a:ea typeface="宋体" pitchFamily="2" charset="-122"/>
+              </a:rPr>
               <a:t>Color.GREEN</a:t>
             </a:r>
             <a:r>
-              <a:rPr lang="en-US" altLang="zh-CN" sz="2400" dirty="0"/>
-              <a:t>: </a:t>
-            </a:r>
-            <a:r>
-              <a:rPr lang="en-US" altLang="zh-CN" sz="2400" dirty="0" smtClean="0"/>
-              <a:t>“</a:t>
-            </a:r>
-          </a:p>
-          <a:p>
-            <a:pPr lvl="1"/>
-            <a:r>
-              <a:rPr lang="en-US" altLang="zh-CN" sz="2400" dirty="0"/>
-              <a:t>	</a:t>
-            </a:r>
-            <a:r>
-              <a:rPr lang="en-US" altLang="zh-CN" sz="2400" dirty="0" smtClean="0"/>
-              <a:t>		+ </a:t>
-            </a:r>
-            <a:r>
-              <a:rPr lang="en-US" altLang="zh-CN" sz="2400" dirty="0" err="1"/>
+              <a:rPr lang="en-US" altLang="zh-CN" kern="0" dirty="0">
+                <a:solidFill>
+                  <a:schemeClr val="tx1"/>
+                </a:solidFill>
+                <a:latin typeface="微软雅黑" pitchFamily="34" charset="-122"/>
+                <a:ea typeface="宋体" pitchFamily="2" charset="-122"/>
+              </a:rPr>
+              <a:t>: “</a:t>
+            </a:r>
+          </a:p>
+          <a:p>
+            <a:pPr lvl="1" eaLnBrk="0" hangingPunct="0">
+              <a:spcBef>
+                <a:spcPct val="20000"/>
+              </a:spcBef>
+            </a:pPr>
+            <a:r>
+              <a:rPr lang="en-US" altLang="zh-CN" kern="0" dirty="0">
+                <a:solidFill>
+                  <a:schemeClr val="tx1"/>
+                </a:solidFill>
+                <a:latin typeface="微软雅黑" pitchFamily="34" charset="-122"/>
+                <a:ea typeface="宋体" pitchFamily="2" charset="-122"/>
+              </a:rPr>
+              <a:t>			+ </a:t>
+            </a:r>
+            <a:r>
+              <a:rPr lang="en-US" altLang="zh-CN" kern="0" dirty="0" err="1">
+                <a:solidFill>
+                  <a:schemeClr val="tx1"/>
+                </a:solidFill>
+                <a:latin typeface="微软雅黑" pitchFamily="34" charset="-122"/>
+                <a:ea typeface="宋体" pitchFamily="2" charset="-122"/>
+              </a:rPr>
               <a:t>green.equals</a:t>
             </a:r>
             <a:r>
-              <a:rPr lang="en-US" altLang="zh-CN" sz="2400" dirty="0"/>
+              <a:rPr lang="en-US" altLang="zh-CN" kern="0" dirty="0">
+                <a:solidFill>
+                  <a:schemeClr val="tx1"/>
+                </a:solidFill>
+                <a:latin typeface="微软雅黑" pitchFamily="34" charset="-122"/>
+                <a:ea typeface="宋体" pitchFamily="2" charset="-122"/>
+              </a:rPr>
               <a:t>(</a:t>
             </a:r>
             <a:r>
-              <a:rPr lang="en-US" altLang="zh-CN" sz="2400" dirty="0" err="1"/>
+              <a:rPr lang="en-US" altLang="zh-CN" kern="0" dirty="0" err="1">
+                <a:solidFill>
+                  <a:schemeClr val="tx1"/>
+                </a:solidFill>
+                <a:latin typeface="微软雅黑" pitchFamily="34" charset="-122"/>
+                <a:ea typeface="宋体" pitchFamily="2" charset="-122"/>
+              </a:rPr>
               <a:t>Color.GREEN</a:t>
             </a:r>
             <a:r>
-              <a:rPr lang="en-US" altLang="zh-CN" sz="2400" dirty="0"/>
+              <a:rPr lang="en-US" altLang="zh-CN" kern="0" dirty="0">
+                <a:solidFill>
+                  <a:schemeClr val="tx1"/>
+                </a:solidFill>
+                <a:latin typeface="微软雅黑" pitchFamily="34" charset="-122"/>
+                <a:ea typeface="宋体" pitchFamily="2" charset="-122"/>
+              </a:rPr>
               <a:t>)); </a:t>
             </a:r>
-            <a:endParaRPr lang="en-US" altLang="zh-CN" sz="2400" dirty="0" smtClean="0"/>
-          </a:p>
-          <a:p>
-            <a:pPr lvl="1"/>
-            <a:r>
-              <a:rPr lang="en-US" altLang="zh-CN" sz="2400" dirty="0" err="1" smtClean="0"/>
+          </a:p>
+          <a:p>
+            <a:pPr lvl="1" eaLnBrk="0" hangingPunct="0">
+              <a:spcBef>
+                <a:spcPct val="20000"/>
+              </a:spcBef>
+            </a:pPr>
+            <a:r>
+              <a:rPr lang="en-US" altLang="zh-CN" kern="0" dirty="0" err="1">
+                <a:solidFill>
+                  <a:schemeClr val="tx1"/>
+                </a:solidFill>
+                <a:latin typeface="微软雅黑" pitchFamily="34" charset="-122"/>
+                <a:ea typeface="宋体" pitchFamily="2" charset="-122"/>
+              </a:rPr>
               <a:t>System.out.println</a:t>
             </a:r>
             <a:r>
-              <a:rPr lang="en-US" altLang="zh-CN" sz="2400" dirty="0"/>
+              <a:rPr lang="en-US" altLang="zh-CN" kern="0" dirty="0">
+                <a:solidFill>
+                  <a:schemeClr val="tx1"/>
+                </a:solidFill>
+                <a:latin typeface="微软雅黑" pitchFamily="34" charset="-122"/>
+                <a:ea typeface="宋体" pitchFamily="2" charset="-122"/>
+              </a:rPr>
               <a:t>("green equals </a:t>
             </a:r>
             <a:r>
-              <a:rPr lang="en-US" altLang="zh-CN" sz="2400" dirty="0" err="1"/>
+              <a:rPr lang="en-US" altLang="zh-CN" kern="0" dirty="0" err="1">
+                <a:solidFill>
+                  <a:schemeClr val="tx1"/>
+                </a:solidFill>
+                <a:latin typeface="微软雅黑" pitchFamily="34" charset="-122"/>
+                <a:ea typeface="宋体" pitchFamily="2" charset="-122"/>
+              </a:rPr>
               <a:t>Size.MIDDLE</a:t>
             </a:r>
             <a:r>
-              <a:rPr lang="en-US" altLang="zh-CN" sz="2400" dirty="0"/>
+              <a:rPr lang="en-US" altLang="zh-CN" kern="0" dirty="0">
+                <a:solidFill>
+                  <a:schemeClr val="tx1"/>
+                </a:solidFill>
+                <a:latin typeface="微软雅黑" pitchFamily="34" charset="-122"/>
+                <a:ea typeface="宋体" pitchFamily="2" charset="-122"/>
+              </a:rPr>
               <a:t>: " </a:t>
             </a:r>
-            <a:endParaRPr lang="en-US" altLang="zh-CN" sz="2400" dirty="0" smtClean="0"/>
-          </a:p>
-          <a:p>
-            <a:pPr lvl="1"/>
-            <a:r>
-              <a:rPr lang="en-US" altLang="zh-CN" sz="2400" dirty="0"/>
-              <a:t>	</a:t>
-            </a:r>
-            <a:r>
-              <a:rPr lang="en-US" altLang="zh-CN" sz="2400" dirty="0" smtClean="0"/>
-              <a:t>		+ </a:t>
-            </a:r>
-            <a:r>
-              <a:rPr lang="en-US" altLang="zh-CN" sz="2400" dirty="0" err="1"/>
+          </a:p>
+          <a:p>
+            <a:pPr lvl="1" eaLnBrk="0" hangingPunct="0">
+              <a:spcBef>
+                <a:spcPct val="20000"/>
+              </a:spcBef>
+            </a:pPr>
+            <a:r>
+              <a:rPr lang="en-US" altLang="zh-CN" kern="0" dirty="0">
+                <a:solidFill>
+                  <a:schemeClr val="tx1"/>
+                </a:solidFill>
+                <a:latin typeface="微软雅黑" pitchFamily="34" charset="-122"/>
+                <a:ea typeface="宋体" pitchFamily="2" charset="-122"/>
+              </a:rPr>
+              <a:t>			+ </a:t>
+            </a:r>
+            <a:r>
+              <a:rPr lang="en-US" altLang="zh-CN" kern="0" dirty="0" err="1">
+                <a:solidFill>
+                  <a:schemeClr val="tx1"/>
+                </a:solidFill>
+                <a:latin typeface="微软雅黑" pitchFamily="34" charset="-122"/>
+                <a:ea typeface="宋体" pitchFamily="2" charset="-122"/>
+              </a:rPr>
               <a:t>green.equals</a:t>
             </a:r>
             <a:r>
-              <a:rPr lang="en-US" altLang="zh-CN" sz="2400" dirty="0"/>
+              <a:rPr lang="en-US" altLang="zh-CN" kern="0" dirty="0">
+                <a:solidFill>
+                  <a:schemeClr val="tx1"/>
+                </a:solidFill>
+                <a:latin typeface="微软雅黑" pitchFamily="34" charset="-122"/>
+                <a:ea typeface="宋体" pitchFamily="2" charset="-122"/>
+              </a:rPr>
               <a:t>(</a:t>
             </a:r>
             <a:r>
-              <a:rPr lang="en-US" altLang="zh-CN" sz="2400" dirty="0" err="1"/>
+              <a:rPr lang="en-US" altLang="zh-CN" kern="0" dirty="0" err="1">
+                <a:solidFill>
+                  <a:schemeClr val="tx1"/>
+                </a:solidFill>
+                <a:latin typeface="微软雅黑" pitchFamily="34" charset="-122"/>
+                <a:ea typeface="宋体" pitchFamily="2" charset="-122"/>
+              </a:rPr>
               <a:t>Size.MIDDLE</a:t>
             </a:r>
             <a:r>
-              <a:rPr lang="en-US" altLang="zh-CN" sz="2400" dirty="0"/>
+              <a:rPr lang="en-US" altLang="zh-CN" kern="0" dirty="0">
+                <a:solidFill>
+                  <a:schemeClr val="tx1"/>
+                </a:solidFill>
+                <a:latin typeface="微软雅黑" pitchFamily="34" charset="-122"/>
+                <a:ea typeface="宋体" pitchFamily="2" charset="-122"/>
+              </a:rPr>
               <a:t>)); </a:t>
             </a:r>
-            <a:endParaRPr lang="en-US" altLang="zh-CN" sz="2400" dirty="0" smtClean="0"/>
-          </a:p>
-          <a:p>
-            <a:pPr lvl="1"/>
-            <a:r>
-              <a:rPr lang="en-US" altLang="zh-CN" sz="2400" dirty="0" err="1" smtClean="0"/>
+          </a:p>
+          <a:p>
+            <a:pPr lvl="1" eaLnBrk="0" hangingPunct="0">
+              <a:spcBef>
+                <a:spcPct val="20000"/>
+              </a:spcBef>
+            </a:pPr>
+            <a:r>
+              <a:rPr lang="en-US" altLang="zh-CN" kern="0" dirty="0" err="1">
+                <a:solidFill>
+                  <a:schemeClr val="tx1"/>
+                </a:solidFill>
+                <a:latin typeface="微软雅黑" pitchFamily="34" charset="-122"/>
+                <a:ea typeface="宋体" pitchFamily="2" charset="-122"/>
+              </a:rPr>
               <a:t>System.out.println</a:t>
             </a:r>
             <a:r>
-              <a:rPr lang="en-US" altLang="zh-CN" sz="2400" dirty="0"/>
+              <a:rPr lang="en-US" altLang="zh-CN" kern="0" dirty="0">
+                <a:solidFill>
+                  <a:schemeClr val="tx1"/>
+                </a:solidFill>
+                <a:latin typeface="微软雅黑" pitchFamily="34" charset="-122"/>
+                <a:ea typeface="宋体" pitchFamily="2" charset="-122"/>
+              </a:rPr>
               <a:t>("green equals 1: " + </a:t>
             </a:r>
             <a:r>
-              <a:rPr lang="en-US" altLang="zh-CN" sz="2400" dirty="0" err="1"/>
+              <a:rPr lang="en-US" altLang="zh-CN" kern="0" dirty="0" err="1">
+                <a:solidFill>
+                  <a:schemeClr val="tx1"/>
+                </a:solidFill>
+                <a:latin typeface="微软雅黑" pitchFamily="34" charset="-122"/>
+                <a:ea typeface="宋体" pitchFamily="2" charset="-122"/>
+              </a:rPr>
               <a:t>green.equals</a:t>
             </a:r>
             <a:r>
-              <a:rPr lang="en-US" altLang="zh-CN" sz="2400" dirty="0"/>
+              <a:rPr lang="en-US" altLang="zh-CN" kern="0" dirty="0">
+                <a:solidFill>
+                  <a:schemeClr val="tx1"/>
+                </a:solidFill>
+                <a:latin typeface="微软雅黑" pitchFamily="34" charset="-122"/>
+                <a:ea typeface="宋体" pitchFamily="2" charset="-122"/>
+              </a:rPr>
               <a:t>(1)); </a:t>
             </a:r>
-            <a:endParaRPr lang="en-US" altLang="zh-CN" sz="2400" dirty="0" smtClean="0"/>
-          </a:p>
-          <a:p>
-            <a:pPr lvl="1"/>
-            <a:r>
-              <a:rPr lang="en-US" altLang="zh-CN" sz="2400" dirty="0" err="1" smtClean="0"/>
+          </a:p>
+          <a:p>
+            <a:pPr lvl="1" eaLnBrk="0" hangingPunct="0">
+              <a:spcBef>
+                <a:spcPct val="20000"/>
+              </a:spcBef>
+            </a:pPr>
+            <a:r>
+              <a:rPr lang="en-US" altLang="zh-CN" kern="0" dirty="0" err="1">
+                <a:solidFill>
+                  <a:schemeClr val="tx1"/>
+                </a:solidFill>
+                <a:latin typeface="微软雅黑" pitchFamily="34" charset="-122"/>
+                <a:ea typeface="宋体" pitchFamily="2" charset="-122"/>
+              </a:rPr>
               <a:t>System.out.format</a:t>
             </a:r>
             <a:r>
-              <a:rPr lang="en-US" altLang="zh-CN" sz="2400" dirty="0"/>
+              <a:rPr lang="en-US" altLang="zh-CN" kern="0" dirty="0">
+                <a:solidFill>
+                  <a:schemeClr val="tx1"/>
+                </a:solidFill>
+                <a:latin typeface="微软雅黑" pitchFamily="34" charset="-122"/>
+                <a:ea typeface="宋体" pitchFamily="2" charset="-122"/>
+              </a:rPr>
               <a:t>("green == </a:t>
             </a:r>
             <a:r>
-              <a:rPr lang="en-US" altLang="zh-CN" sz="2400" dirty="0" err="1"/>
+              <a:rPr lang="en-US" altLang="zh-CN" kern="0" dirty="0" err="1">
+                <a:solidFill>
+                  <a:schemeClr val="tx1"/>
+                </a:solidFill>
+                <a:latin typeface="微软雅黑" pitchFamily="34" charset="-122"/>
+                <a:ea typeface="宋体" pitchFamily="2" charset="-122"/>
+              </a:rPr>
               <a:t>Color.BLUE</a:t>
             </a:r>
             <a:r>
-              <a:rPr lang="en-US" altLang="zh-CN" sz="2400" dirty="0"/>
-              <a:t>: %</a:t>
-            </a:r>
-            <a:r>
-              <a:rPr lang="en-US" altLang="zh-CN" sz="2400" dirty="0" smtClean="0"/>
-              <a:t>b\n“</a:t>
-            </a:r>
-          </a:p>
-          <a:p>
-            <a:pPr lvl="1"/>
-            <a:r>
-              <a:rPr lang="en-US" altLang="zh-CN" sz="2400" dirty="0"/>
-              <a:t>	</a:t>
-            </a:r>
-            <a:r>
-              <a:rPr lang="en-US" altLang="zh-CN" sz="2400" dirty="0" smtClean="0"/>
-              <a:t>		, </a:t>
-            </a:r>
-            <a:r>
-              <a:rPr lang="en-US" altLang="zh-CN" sz="2400" dirty="0"/>
-              <a:t>green == </a:t>
-            </a:r>
-            <a:r>
-              <a:rPr lang="en-US" altLang="zh-CN" sz="2400" dirty="0" err="1"/>
+              <a:rPr lang="en-US" altLang="zh-CN" kern="0" dirty="0">
+                <a:solidFill>
+                  <a:schemeClr val="tx1"/>
+                </a:solidFill>
+                <a:latin typeface="微软雅黑" pitchFamily="34" charset="-122"/>
+                <a:ea typeface="宋体" pitchFamily="2" charset="-122"/>
+              </a:rPr>
+              <a:t>: %b\n“</a:t>
+            </a:r>
+          </a:p>
+          <a:p>
+            <a:pPr lvl="1" eaLnBrk="0" hangingPunct="0">
+              <a:spcBef>
+                <a:spcPct val="20000"/>
+              </a:spcBef>
+            </a:pPr>
+            <a:r>
+              <a:rPr lang="en-US" altLang="zh-CN" kern="0" dirty="0">
+                <a:solidFill>
+                  <a:schemeClr val="tx1"/>
+                </a:solidFill>
+                <a:latin typeface="微软雅黑" pitchFamily="34" charset="-122"/>
+                <a:ea typeface="宋体" pitchFamily="2" charset="-122"/>
+              </a:rPr>
+              <a:t>			, green == </a:t>
+            </a:r>
+            <a:r>
+              <a:rPr lang="en-US" altLang="zh-CN" kern="0" dirty="0" err="1">
+                <a:solidFill>
+                  <a:schemeClr val="tx1"/>
+                </a:solidFill>
+                <a:latin typeface="微软雅黑" pitchFamily="34" charset="-122"/>
+                <a:ea typeface="宋体" pitchFamily="2" charset="-122"/>
+              </a:rPr>
               <a:t>Color.BLUE</a:t>
             </a:r>
             <a:r>
-              <a:rPr lang="en-US" altLang="zh-CN" sz="2400" dirty="0"/>
-              <a:t>); } }</a:t>
-            </a:r>
-            <a:endParaRPr lang="zh-CN" altLang="en-US" sz="2400" dirty="0"/>
+              <a:rPr lang="en-US" altLang="zh-CN" kern="0" dirty="0" smtClean="0">
+                <a:solidFill>
+                  <a:schemeClr val="tx1"/>
+                </a:solidFill>
+                <a:latin typeface="微软雅黑" pitchFamily="34" charset="-122"/>
+                <a:ea typeface="宋体" pitchFamily="2" charset="-122"/>
+              </a:rPr>
+              <a:t>);</a:t>
+            </a:r>
+          </a:p>
+          <a:p>
+            <a:pPr lvl="1" eaLnBrk="0" hangingPunct="0">
+              <a:spcBef>
+                <a:spcPct val="20000"/>
+              </a:spcBef>
+            </a:pPr>
+            <a:r>
+              <a:rPr lang="en-US" altLang="zh-CN" kern="0" dirty="0" smtClean="0">
+                <a:solidFill>
+                  <a:schemeClr val="tx1"/>
+                </a:solidFill>
+                <a:latin typeface="微软雅黑" pitchFamily="34" charset="-122"/>
+                <a:ea typeface="宋体" pitchFamily="2" charset="-122"/>
+              </a:rPr>
+              <a:t> }</a:t>
+            </a:r>
+          </a:p>
+          <a:p>
+            <a:pPr lvl="1" eaLnBrk="0" hangingPunct="0">
+              <a:spcBef>
+                <a:spcPct val="20000"/>
+              </a:spcBef>
+            </a:pPr>
+            <a:r>
+              <a:rPr lang="en-US" altLang="zh-CN" kern="0" dirty="0" smtClean="0">
+                <a:solidFill>
+                  <a:schemeClr val="tx1"/>
+                </a:solidFill>
+                <a:latin typeface="微软雅黑" pitchFamily="34" charset="-122"/>
+                <a:ea typeface="宋体" pitchFamily="2" charset="-122"/>
+              </a:rPr>
+              <a:t>}</a:t>
+            </a:r>
+            <a:endParaRPr lang="zh-CN" altLang="en-US" kern="0" dirty="0">
+              <a:solidFill>
+                <a:schemeClr val="tx1"/>
+              </a:solidFill>
+              <a:latin typeface="微软雅黑" pitchFamily="34" charset="-122"/>
+              <a:ea typeface="宋体" pitchFamily="2" charset="-122"/>
+            </a:endParaRPr>
           </a:p>
         </p:txBody>
       </p:sp>
@@ -9262,8 +10038,13 @@
           <a:bodyPr/>
           <a:lstStyle/>
           <a:p>
-            <a:r>
-              <a:rPr lang="zh-CN" altLang="en-US" smtClean="0"/>
+            <a:pPr>
+              <a:lnSpc>
+                <a:spcPct val="150000"/>
+              </a:lnSpc>
+            </a:pPr>
+            <a:r>
+              <a:rPr lang="zh-CN" altLang="en-US" dirty="0" smtClean="0"/>
               <a:t>枚举的使用方法</a:t>
             </a:r>
             <a:endParaRPr lang="en-US" altLang="zh-CN" dirty="0" smtClean="0"/>
@@ -9319,7 +10100,7 @@
         </p:nvSpPr>
         <p:spPr bwMode="auto">
           <a:xfrm>
-            <a:off x="827584" y="3140968"/>
+            <a:off x="2351585" y="3140968"/>
             <a:ext cx="7362825" cy="582612"/>
           </a:xfrm>
           <a:prstGeom prst="rect">
@@ -9352,7 +10133,7 @@
           <a:p>
             <a:pPr eaLnBrk="1" hangingPunct="1"/>
             <a:r>
-              <a:rPr lang="en-US" altLang="zh-CN" sz="5400" b="1" smtClean="0">
+              <a:rPr lang="en-US" altLang="zh-CN" sz="5400" b="1">
                 <a:solidFill>
                   <a:srgbClr val="C00000"/>
                 </a:solidFill>
@@ -9360,7 +10141,7 @@
               </a:rPr>
               <a:t>Thank You</a:t>
             </a:r>
-            <a:endParaRPr lang="zh-CN" altLang="en-US" sz="5400" b="1" smtClean="0">
+            <a:endParaRPr lang="zh-CN" altLang="en-US" sz="5400" b="1">
               <a:solidFill>
                 <a:srgbClr val="C00000"/>
               </a:solidFill>
@@ -9544,6 +10325,7 @@
           <a:bodyPr/>
           <a:lstStyle/>
           <a:p>
+            <a:pPr algn="ctr"/>
             <a:r>
               <a:rPr lang="zh-CN" altLang="en-US" smtClean="0"/>
               <a:t>讲授思路　　　　　　　</a:t>
@@ -9562,24 +10344,39 @@
             <p:ph idx="1"/>
           </p:nvPr>
         </p:nvSpPr>
-        <p:spPr/>
+        <p:spPr>
+          <a:xfrm>
+            <a:off x="4655840" y="1160749"/>
+            <a:ext cx="2808312" cy="4965415"/>
+          </a:xfrm>
+        </p:spPr>
         <p:txBody>
           <a:bodyPr/>
           <a:lstStyle/>
           <a:p>
-            <a:r>
-              <a:rPr lang="zh-CN" altLang="en-US" smtClean="0">
+            <a:pPr>
+              <a:lnSpc>
+                <a:spcPct val="150000"/>
+              </a:lnSpc>
+            </a:pPr>
+            <a:r>
+              <a:rPr lang="zh-CN" altLang="en-US" dirty="0" smtClean="0">
                 <a:sym typeface="Arial" charset="0"/>
               </a:rPr>
               <a:t>枚举定义</a:t>
             </a:r>
-            <a:endParaRPr lang="en-US" altLang="zh-CN" smtClean="0">
+            <a:endParaRPr lang="en-US" altLang="zh-CN" dirty="0" smtClean="0">
               <a:sym typeface="Arial" charset="0"/>
             </a:endParaRPr>
           </a:p>
           <a:p>
-            <a:r>
-              <a:rPr lang="zh-CN" altLang="en-US" smtClean="0">
+            <a:pPr>
+              <a:lnSpc>
+                <a:spcPct val="150000"/>
+              </a:lnSpc>
+            </a:pPr>
+            <a:r>
+              <a:rPr lang="zh-CN" altLang="en-US" dirty="0" smtClean="0">
                 <a:sym typeface="Arial" charset="0"/>
               </a:rPr>
               <a:t>基本用法</a:t>
@@ -9660,6 +10457,11 @@
           <a:bodyPr/>
           <a:lstStyle/>
           <a:p>
+            <a:pPr>
+              <a:lnSpc>
+                <a:spcPct val="150000"/>
+              </a:lnSpc>
+            </a:pPr>
             <a:r>
               <a:rPr lang="zh-CN" altLang="en-US" dirty="0" smtClean="0">
                 <a:sym typeface="Arial" charset="0"/>
@@ -9676,171 +10478,215 @@
               <a:rPr lang="zh-CN" altLang="en-US" dirty="0" smtClean="0">
                 <a:sym typeface="Arial" charset="0"/>
               </a:rPr>
-              <a:t>中的枚举</a:t>
+              <a:t>中的</a:t>
+            </a:r>
+            <a:r>
+              <a:rPr lang="zh-CN" altLang="en-US" dirty="0" smtClean="0">
+                <a:sym typeface="Arial" charset="0"/>
+              </a:rPr>
+              <a:t>枚举</a:t>
+            </a:r>
+            <a:r>
+              <a:rPr lang="zh-CN" altLang="en-US" dirty="0"/>
+              <a:t>。</a:t>
+            </a:r>
+            <a:endParaRPr lang="en-US" altLang="zh-CN" dirty="0" smtClean="0">
+              <a:sym typeface="Arial" charset="0"/>
+            </a:endParaRPr>
+          </a:p>
+          <a:p>
+            <a:pPr>
+              <a:lnSpc>
+                <a:spcPct val="150000"/>
+              </a:lnSpc>
+            </a:pPr>
+            <a:r>
+              <a:rPr lang="zh-CN" altLang="en-US" dirty="0" smtClean="0">
+                <a:sym typeface="Arial" charset="0"/>
+              </a:rPr>
+              <a:t>一些方法在运行时，它需要的数据不能是任意的，而必须是一定范围内的</a:t>
+            </a:r>
+            <a:r>
+              <a:rPr lang="zh-CN" altLang="en-US" dirty="0" smtClean="0">
+                <a:sym typeface="Arial" charset="0"/>
+              </a:rPr>
+              <a:t>值</a:t>
+            </a:r>
+            <a:r>
+              <a:rPr lang="zh-CN" altLang="en-US" dirty="0"/>
+              <a:t>。</a:t>
+            </a:r>
+            <a:endParaRPr lang="en-US" altLang="zh-CN" dirty="0" smtClean="0">
+              <a:sym typeface="Arial" charset="0"/>
+            </a:endParaRPr>
+          </a:p>
+          <a:p>
+            <a:pPr>
+              <a:lnSpc>
+                <a:spcPct val="150000"/>
+              </a:lnSpc>
+            </a:pPr>
+            <a:r>
+              <a:rPr lang="zh-CN" altLang="en-US" dirty="0" smtClean="0">
+                <a:sym typeface="Arial" charset="0"/>
+              </a:rPr>
+              <a:t>如：设计一个</a:t>
+            </a:r>
+            <a:r>
+              <a:rPr lang="en-US" altLang="en-US" dirty="0" smtClean="0">
+                <a:sym typeface="Arial" charset="0"/>
+              </a:rPr>
+              <a:t>Student</a:t>
+            </a:r>
+            <a:r>
+              <a:rPr lang="zh-CN" altLang="en-US" dirty="0" smtClean="0">
+                <a:sym typeface="Arial" charset="0"/>
+              </a:rPr>
+              <a:t>类，要求：学生的</a:t>
             </a:r>
             <a:r>
               <a:rPr lang="en-US" altLang="zh-CN" dirty="0" smtClean="0">
                 <a:sym typeface="Arial" charset="0"/>
               </a:rPr>
-              <a:t>.</a:t>
-            </a:r>
-          </a:p>
-          <a:p>
+              <a:t>grade</a:t>
+            </a:r>
             <a:r>
               <a:rPr lang="zh-CN" altLang="en-US" dirty="0" smtClean="0">
                 <a:sym typeface="Arial" charset="0"/>
               </a:rPr>
-              <a:t>一些方法在运行时，它需要的数据不能是任意的，而必须是一定范围内的值</a:t>
+              <a:t>只能是</a:t>
             </a:r>
             <a:r>
               <a:rPr lang="en-US" altLang="zh-CN" dirty="0" smtClean="0">
                 <a:sym typeface="Arial" charset="0"/>
               </a:rPr>
-              <a:t>.</a:t>
-            </a:r>
-          </a:p>
-          <a:p>
+              <a:t>a</a:t>
+            </a:r>
             <a:r>
               <a:rPr lang="zh-CN" altLang="en-US" dirty="0" smtClean="0">
                 <a:sym typeface="Arial" charset="0"/>
               </a:rPr>
-              <a:t>如：设计一个</a:t>
-            </a:r>
+              <a:t>，</a:t>
+            </a:r>
+            <a:r>
+              <a:rPr lang="en-US" altLang="zh-CN" dirty="0" smtClean="0">
+                <a:sym typeface="Arial" charset="0"/>
+              </a:rPr>
+              <a:t>b</a:t>
+            </a:r>
+            <a:r>
+              <a:rPr lang="zh-CN" altLang="en-US" dirty="0" smtClean="0">
+                <a:sym typeface="Arial" charset="0"/>
+              </a:rPr>
+              <a:t>，</a:t>
+            </a:r>
+            <a:r>
+              <a:rPr lang="en-US" altLang="zh-CN" dirty="0" smtClean="0">
+                <a:sym typeface="Arial" charset="0"/>
+              </a:rPr>
+              <a:t>c</a:t>
+            </a:r>
+            <a:r>
+              <a:rPr lang="zh-CN" altLang="en-US" dirty="0" smtClean="0">
+                <a:sym typeface="Arial" charset="0"/>
+              </a:rPr>
+              <a:t>，</a:t>
+            </a:r>
+            <a:r>
+              <a:rPr lang="en-US" altLang="zh-CN" dirty="0" smtClean="0">
+                <a:sym typeface="Arial" charset="0"/>
+              </a:rPr>
+              <a:t>d</a:t>
+            </a:r>
+            <a:r>
+              <a:rPr lang="zh-CN" altLang="en-US" dirty="0" smtClean="0">
+                <a:sym typeface="Arial" charset="0"/>
+              </a:rPr>
+              <a:t>，</a:t>
+            </a:r>
+            <a:r>
+              <a:rPr lang="en-US" altLang="zh-CN" dirty="0" smtClean="0">
+                <a:sym typeface="Arial" charset="0"/>
+              </a:rPr>
+              <a:t>e</a:t>
+            </a:r>
+            <a:r>
+              <a:rPr lang="zh-CN" altLang="en-US" dirty="0" smtClean="0">
+                <a:sym typeface="Arial" charset="0"/>
+              </a:rPr>
+              <a:t>五个级别。可以给学生设置成绩，并可以输出学生成绩情况（优，良，中，可，差）</a:t>
+            </a:r>
+          </a:p>
+          <a:p>
+            <a:pPr lvl="1">
+              <a:lnSpc>
+                <a:spcPct val="150000"/>
+              </a:lnSpc>
+            </a:pPr>
             <a:r>
               <a:rPr lang="en-US" altLang="en-US" dirty="0" smtClean="0">
                 <a:sym typeface="Arial" charset="0"/>
               </a:rPr>
-              <a:t>Student</a:t>
-            </a:r>
-            <a:r>
-              <a:rPr lang="zh-CN" altLang="en-US" dirty="0" smtClean="0">
-                <a:sym typeface="Arial" charset="0"/>
-              </a:rPr>
-              <a:t>类，要求：学生的</a:t>
-            </a:r>
-            <a:r>
-              <a:rPr lang="en-US" altLang="zh-CN" dirty="0" smtClean="0">
-                <a:sym typeface="Arial" charset="0"/>
-              </a:rPr>
-              <a:t>grade</a:t>
-            </a:r>
-            <a:r>
-              <a:rPr lang="zh-CN" altLang="en-US" dirty="0" smtClean="0">
-                <a:sym typeface="Arial" charset="0"/>
-              </a:rPr>
-              <a:t>只能是</a:t>
-            </a:r>
-            <a:r>
-              <a:rPr lang="en-US" altLang="zh-CN" dirty="0" smtClean="0">
-                <a:sym typeface="Arial" charset="0"/>
-              </a:rPr>
-              <a:t>a</a:t>
-            </a:r>
-            <a:r>
-              <a:rPr lang="zh-CN" altLang="en-US" dirty="0" smtClean="0">
-                <a:sym typeface="Arial" charset="0"/>
-              </a:rPr>
-              <a:t>，</a:t>
-            </a:r>
-            <a:r>
-              <a:rPr lang="en-US" altLang="zh-CN" dirty="0" smtClean="0">
-                <a:sym typeface="Arial" charset="0"/>
-              </a:rPr>
-              <a:t>b</a:t>
-            </a:r>
-            <a:r>
-              <a:rPr lang="zh-CN" altLang="en-US" dirty="0" smtClean="0">
-                <a:sym typeface="Arial" charset="0"/>
-              </a:rPr>
-              <a:t>，</a:t>
-            </a:r>
-            <a:r>
-              <a:rPr lang="en-US" altLang="zh-CN" dirty="0" smtClean="0">
-                <a:sym typeface="Arial" charset="0"/>
-              </a:rPr>
-              <a:t>c</a:t>
-            </a:r>
-            <a:r>
-              <a:rPr lang="zh-CN" altLang="en-US" dirty="0" smtClean="0">
-                <a:sym typeface="Arial" charset="0"/>
-              </a:rPr>
-              <a:t>，</a:t>
-            </a:r>
-            <a:r>
-              <a:rPr lang="en-US" altLang="zh-CN" dirty="0" smtClean="0">
-                <a:sym typeface="Arial" charset="0"/>
-              </a:rPr>
-              <a:t>d</a:t>
-            </a:r>
-            <a:r>
-              <a:rPr lang="zh-CN" altLang="en-US" dirty="0" smtClean="0">
-                <a:sym typeface="Arial" charset="0"/>
-              </a:rPr>
-              <a:t>，</a:t>
-            </a:r>
-            <a:r>
-              <a:rPr lang="en-US" altLang="zh-CN" dirty="0" smtClean="0">
-                <a:sym typeface="Arial" charset="0"/>
-              </a:rPr>
-              <a:t>e</a:t>
-            </a:r>
-            <a:r>
-              <a:rPr lang="zh-CN" altLang="en-US" dirty="0" smtClean="0">
-                <a:sym typeface="Arial" charset="0"/>
-              </a:rPr>
-              <a:t>五个级别。可以给学生设置成绩，并可以输出学生成绩情况（优，良，中，可，差）</a:t>
-            </a:r>
-          </a:p>
-          <a:p>
-            <a:pPr lvl="1"/>
+              <a:t>class  Student｛</a:t>
+            </a:r>
+          </a:p>
+          <a:p>
+            <a:pPr lvl="1">
+              <a:lnSpc>
+                <a:spcPct val="150000"/>
+              </a:lnSpc>
+            </a:pPr>
             <a:r>
               <a:rPr lang="en-US" altLang="en-US" dirty="0" smtClean="0">
                 <a:sym typeface="Arial" charset="0"/>
               </a:rPr>
-              <a:t>class  Student｛</a:t>
-            </a:r>
-          </a:p>
-          <a:p>
-            <a:pPr lvl="1"/>
+              <a:t>   		private String name;</a:t>
+            </a:r>
+          </a:p>
+          <a:p>
+            <a:pPr lvl="1">
+              <a:lnSpc>
+                <a:spcPct val="150000"/>
+              </a:lnSpc>
+            </a:pPr>
             <a:r>
               <a:rPr lang="en-US" altLang="en-US" dirty="0" smtClean="0">
                 <a:sym typeface="Arial" charset="0"/>
               </a:rPr>
-              <a:t>   		private String name;</a:t>
-            </a:r>
-          </a:p>
-          <a:p>
-            <a:pPr lvl="1"/>
+              <a:t>   		private Grade </a:t>
+            </a:r>
+            <a:r>
+              <a:rPr lang="en-US" altLang="en-US" dirty="0" err="1" smtClean="0">
+                <a:sym typeface="Arial" charset="0"/>
+              </a:rPr>
+              <a:t>grade</a:t>
+            </a:r>
             <a:r>
               <a:rPr lang="en-US" altLang="en-US" dirty="0" smtClean="0">
                 <a:sym typeface="Arial" charset="0"/>
               </a:rPr>
-              <a:t>   		private Grade </a:t>
-            </a:r>
-            <a:r>
-              <a:rPr lang="en-US" altLang="en-US" dirty="0" err="1" smtClean="0">
-                <a:sym typeface="Arial" charset="0"/>
-              </a:rPr>
-              <a:t>grade</a:t>
-            </a:r>
+              <a:t>;</a:t>
+            </a:r>
+          </a:p>
+          <a:p>
+            <a:pPr lvl="1">
+              <a:lnSpc>
+                <a:spcPct val="150000"/>
+              </a:lnSpc>
+            </a:pPr>
             <a:r>
               <a:rPr lang="en-US" altLang="en-US" dirty="0" smtClean="0">
                 <a:sym typeface="Arial" charset="0"/>
               </a:rPr>
-              <a:t>;</a:t>
-            </a:r>
-          </a:p>
-          <a:p>
-            <a:pPr lvl="1"/>
-            <a:r>
-              <a:rPr lang="en-US" altLang="en-US" dirty="0" smtClean="0">
-                <a:sym typeface="Arial" charset="0"/>
-              </a:rPr>
               <a:t>  		 ……</a:t>
             </a:r>
           </a:p>
           <a:p>
-            <a:pPr lvl="1"/>
+            <a:pPr lvl="1">
+              <a:lnSpc>
+                <a:spcPct val="150000"/>
+              </a:lnSpc>
+            </a:pPr>
             <a:r>
               <a:rPr lang="en-US" altLang="en-US" dirty="0" smtClean="0">
                 <a:sym typeface="Arial" charset="0"/>
@@ -9923,6 +10769,11 @@
           <a:bodyPr/>
           <a:lstStyle/>
           <a:p>
+            <a:pPr>
+              <a:lnSpc>
+                <a:spcPct val="150000"/>
+              </a:lnSpc>
+            </a:pPr>
             <a:r>
               <a:rPr lang="zh-CN" altLang="en-US" dirty="0" smtClean="0">
                 <a:sym typeface="Arial" charset="0"/>
@@ -9934,7 +10785,11 @@
             </a:endParaRPr>
           </a:p>
           <a:p>
-            <a:pPr lvl="1"/>
+            <a:pPr lvl="1">
+              <a:lnSpc>
+                <a:spcPct val="150000"/>
+              </a:lnSpc>
+            </a:pPr>
             <a:r>
               <a:rPr lang="zh-CN" altLang="en-US" dirty="0" smtClean="0">
                 <a:sym typeface="Arial" charset="0"/>
@@ -9967,7 +10822,11 @@
             </a:r>
           </a:p>
           <a:p>
-            <a:pPr lvl="2"/>
+            <a:pPr lvl="2">
+              <a:lnSpc>
+                <a:spcPct val="150000"/>
+              </a:lnSpc>
+            </a:pPr>
             <a:r>
               <a:rPr lang="zh-CN" altLang="en-US" dirty="0" smtClean="0">
                 <a:sym typeface="Arial" charset="0"/>
@@ -9991,7 +10850,11 @@
             </a:endParaRPr>
           </a:p>
           <a:p>
-            <a:pPr lvl="2"/>
+            <a:pPr lvl="2">
+              <a:lnSpc>
+                <a:spcPct val="150000"/>
+              </a:lnSpc>
+            </a:pPr>
             <a:r>
               <a:rPr lang="zh-CN" altLang="en-US" dirty="0" smtClean="0">
                 <a:sym typeface="Arial" charset="0"/>
@@ -10015,7 +10878,11 @@
             </a:endParaRPr>
           </a:p>
           <a:p>
-            <a:pPr lvl="2"/>
+            <a:pPr lvl="2">
+              <a:lnSpc>
+                <a:spcPct val="150000"/>
+              </a:lnSpc>
+            </a:pPr>
             <a:r>
               <a:rPr lang="en-US" altLang="zh-CN" dirty="0" smtClean="0">
                 <a:sym typeface="Arial" charset="0"/>
@@ -10024,7 +10891,11 @@
             </a:r>
           </a:p>
           <a:p>
-            <a:pPr lvl="1"/>
+            <a:pPr lvl="1">
+              <a:lnSpc>
+                <a:spcPct val="150000"/>
+              </a:lnSpc>
+            </a:pPr>
             <a:r>
               <a:rPr lang="en-US" altLang="zh-CN" dirty="0" smtClean="0">
                 <a:sym typeface="Arial" charset="0"/>
@@ -10107,18 +10978,27 @@
           <a:bodyPr/>
           <a:lstStyle/>
           <a:p>
-            <a:r>
-              <a:rPr lang="zh-CN" altLang="en-US" smtClean="0"/>
+            <a:pPr>
+              <a:lnSpc>
+                <a:spcPct val="150000"/>
+              </a:lnSpc>
+            </a:pPr>
+            <a:r>
+              <a:rPr lang="zh-CN" altLang="en-US" dirty="0" smtClean="0"/>
               <a:t>定义星期的枚举</a:t>
             </a:r>
-            <a:endParaRPr lang="en-US" altLang="zh-CN" smtClean="0"/>
-          </a:p>
-          <a:p>
-            <a:r>
-              <a:rPr lang="zh-CN" altLang="en-US" smtClean="0"/>
+            <a:endParaRPr lang="en-US" altLang="zh-CN" dirty="0" smtClean="0"/>
+          </a:p>
+          <a:p>
+            <a:pPr>
+              <a:lnSpc>
+                <a:spcPct val="150000"/>
+              </a:lnSpc>
+            </a:pPr>
+            <a:r>
+              <a:rPr lang="zh-CN" altLang="en-US" dirty="0" smtClean="0"/>
               <a:t>根据日期的不同输出相应的日期信息</a:t>
             </a:r>
-            <a:endParaRPr lang="zh-CN" altLang="en-US" dirty="0" smtClean="0"/>
           </a:p>
         </p:txBody>
       </p:sp>
@@ -10130,8 +11010,8 @@
         </p:nvSpPr>
         <p:spPr>
           <a:xfrm>
-            <a:off x="500034" y="2857496"/>
-            <a:ext cx="7500990" cy="1571636"/>
+            <a:off x="2024034" y="2708920"/>
+            <a:ext cx="7500990" cy="2155680"/>
           </a:xfrm>
           <a:prstGeom prst="rect">
             <a:avLst/>
@@ -10153,13 +11033,16 @@
           <a:lstStyle/>
           <a:p>
             <a:pPr eaLnBrk="0" hangingPunct="0">
+              <a:lnSpc>
+                <a:spcPct val="150000"/>
+              </a:lnSpc>
               <a:spcBef>
                 <a:spcPct val="20000"/>
               </a:spcBef>
               <a:defRPr/>
             </a:pPr>
             <a:r>
-              <a:rPr lang="en-US" altLang="zh-CN" kern="0" dirty="0" smtClean="0">
+              <a:rPr lang="en-US" altLang="zh-CN" kern="0" dirty="0">
                 <a:solidFill>
                   <a:schemeClr val="tx1"/>
                 </a:solidFill>
@@ -10169,7 +11052,7 @@
               <a:t>public </a:t>
             </a:r>
             <a:r>
-              <a:rPr lang="en-US" altLang="zh-CN" kern="0" dirty="0" err="1" smtClean="0">
+              <a:rPr lang="en-US" altLang="zh-CN" kern="0" dirty="0" err="1">
                 <a:solidFill>
                   <a:schemeClr val="tx1"/>
                 </a:solidFill>
@@ -10179,7 +11062,7 @@
               <a:t>enum</a:t>
             </a:r>
             <a:r>
-              <a:rPr lang="en-US" altLang="zh-CN" kern="0" dirty="0" smtClean="0">
+              <a:rPr lang="en-US" altLang="zh-CN" kern="0" dirty="0">
                 <a:solidFill>
                   <a:schemeClr val="tx1"/>
                 </a:solidFill>
@@ -10189,7 +11072,7 @@
               <a:t> </a:t>
             </a:r>
             <a:r>
-              <a:rPr lang="en-US" altLang="zh-CN" kern="0" dirty="0" err="1" smtClean="0">
+              <a:rPr lang="en-US" altLang="zh-CN" kern="0" dirty="0" err="1">
                 <a:solidFill>
                   <a:schemeClr val="tx1"/>
                 </a:solidFill>
@@ -10199,7 +11082,7 @@
               <a:t>WeekDay</a:t>
             </a:r>
             <a:r>
-              <a:rPr lang="en-US" altLang="zh-CN" kern="0" dirty="0" smtClean="0">
+              <a:rPr lang="en-US" altLang="zh-CN" kern="0" dirty="0">
                 <a:solidFill>
                   <a:schemeClr val="tx1"/>
                 </a:solidFill>
@@ -10211,13 +11094,16 @@
           </a:p>
           <a:p>
             <a:pPr lvl="1" eaLnBrk="0" hangingPunct="0">
+              <a:lnSpc>
+                <a:spcPct val="150000"/>
+              </a:lnSpc>
               <a:spcBef>
                 <a:spcPct val="20000"/>
               </a:spcBef>
               <a:defRPr/>
             </a:pPr>
             <a:r>
-              <a:rPr lang="en-US" altLang="zh-CN" kern="0" dirty="0" smtClean="0">
+              <a:rPr lang="en-US" altLang="zh-CN" kern="0" dirty="0">
                 <a:solidFill>
                   <a:schemeClr val="tx1"/>
                 </a:solidFill>
@@ -10229,13 +11115,16 @@
           </a:p>
           <a:p>
             <a:pPr eaLnBrk="0" hangingPunct="0">
+              <a:lnSpc>
+                <a:spcPct val="150000"/>
+              </a:lnSpc>
               <a:spcBef>
                 <a:spcPct val="20000"/>
               </a:spcBef>
               <a:defRPr/>
             </a:pPr>
             <a:r>
-              <a:rPr lang="en-US" altLang="zh-CN" kern="0" dirty="0" smtClean="0">
+              <a:rPr lang="en-US" altLang="zh-CN" kern="0" dirty="0">
                 <a:solidFill>
                   <a:schemeClr val="tx1"/>
                 </a:solidFill>
@@ -10245,7 +11134,7 @@
               <a:t>       //</a:t>
             </a:r>
             <a:r>
-              <a:rPr lang="zh-CN" altLang="en-US" kern="0" dirty="0" smtClean="0">
+              <a:rPr lang="zh-CN" altLang="en-US" kern="0" dirty="0">
                 <a:solidFill>
                   <a:schemeClr val="tx1"/>
                 </a:solidFill>
@@ -10255,7 +11144,7 @@
               <a:t>最后这个“</a:t>
             </a:r>
             <a:r>
-              <a:rPr lang="en-US" altLang="zh-CN" kern="0" dirty="0" smtClean="0">
+              <a:rPr lang="en-US" altLang="zh-CN" kern="0" dirty="0">
                 <a:solidFill>
                   <a:schemeClr val="tx1"/>
                 </a:solidFill>
@@ -10265,7 +11154,7 @@
               <a:t>;”</a:t>
             </a:r>
             <a:r>
-              <a:rPr lang="zh-CN" altLang="en-US" kern="0" dirty="0" smtClean="0">
+              <a:rPr lang="zh-CN" altLang="en-US" kern="0" dirty="0">
                 <a:solidFill>
                   <a:schemeClr val="tx1"/>
                 </a:solidFill>
@@ -10277,13 +11166,16 @@
           </a:p>
           <a:p>
             <a:pPr eaLnBrk="0" hangingPunct="0">
+              <a:lnSpc>
+                <a:spcPct val="150000"/>
+              </a:lnSpc>
               <a:spcBef>
                 <a:spcPct val="20000"/>
               </a:spcBef>
               <a:defRPr/>
             </a:pPr>
             <a:r>
-              <a:rPr lang="en-US" altLang="zh-CN" kern="0" dirty="0" smtClean="0">
+              <a:rPr lang="en-US" altLang="zh-CN" kern="0" dirty="0">
                 <a:solidFill>
                   <a:schemeClr val="tx1"/>
                 </a:solidFill>
@@ -10292,7 +11184,7 @@
               </a:rPr>
               <a:t>}</a:t>
             </a:r>
-            <a:endParaRPr lang="zh-CN" altLang="en-US" kern="0" dirty="0" smtClean="0">
+            <a:endParaRPr lang="zh-CN" altLang="en-US" kern="0" dirty="0">
               <a:solidFill>
                 <a:schemeClr val="tx1"/>
               </a:solidFill>
@@ -10359,32 +11251,13 @@
       </p:sp>
       <p:sp>
         <p:nvSpPr>
-          <p:cNvPr id="4" name="内容占位符 3"/>
-          <p:cNvSpPr>
-            <a:spLocks noGrp="1"/>
-          </p:cNvSpPr>
-          <p:nvPr>
-            <p:ph idx="1"/>
-          </p:nvPr>
-        </p:nvSpPr>
-        <p:spPr/>
-        <p:txBody>
-          <a:bodyPr/>
-          <a:lstStyle/>
-          <a:p>
-            <a:endParaRPr lang="zh-CN" altLang="en-US"/>
-          </a:p>
-        </p:txBody>
-      </p:sp>
-      <p:sp>
-        <p:nvSpPr>
           <p:cNvPr id="6" name="矩形 5"/>
           <p:cNvSpPr/>
           <p:nvPr/>
         </p:nvSpPr>
         <p:spPr>
           <a:xfrm>
-            <a:off x="142844" y="1285860"/>
+            <a:off x="1666844" y="1450966"/>
             <a:ext cx="8786874" cy="4786346"/>
           </a:xfrm>
           <a:prstGeom prst="rect">
@@ -10413,7 +11286,7 @@
               <a:defRPr/>
             </a:pPr>
             <a:r>
-              <a:rPr lang="en-US" altLang="zh-CN" kern="0" dirty="0" smtClean="0">
+              <a:rPr lang="en-US" altLang="zh-CN" kern="0" dirty="0">
                 <a:solidFill>
                   <a:schemeClr val="tx1"/>
                 </a:solidFill>
@@ -10423,7 +11296,7 @@
               <a:t>public void </a:t>
             </a:r>
             <a:r>
-              <a:rPr lang="en-US" altLang="zh-CN" kern="0" dirty="0" err="1" smtClean="0">
+              <a:rPr lang="en-US" altLang="zh-CN" kern="0" dirty="0" err="1">
                 <a:solidFill>
                   <a:schemeClr val="tx1"/>
                 </a:solidFill>
@@ -10433,7 +11306,7 @@
               <a:t>printWeekDay</a:t>
             </a:r>
             <a:r>
-              <a:rPr lang="en-US" altLang="zh-CN" kern="0" dirty="0" smtClean="0">
+              <a:rPr lang="en-US" altLang="zh-CN" kern="0" dirty="0">
                 <a:solidFill>
                   <a:schemeClr val="tx1"/>
                 </a:solidFill>
@@ -10443,7 +11316,7 @@
               <a:t>(</a:t>
             </a:r>
             <a:r>
-              <a:rPr lang="en-US" altLang="zh-CN" kern="0" dirty="0" err="1" smtClean="0">
+              <a:rPr lang="en-US" altLang="zh-CN" kern="0" dirty="0" err="1">
                 <a:solidFill>
                   <a:schemeClr val="tx1"/>
                 </a:solidFill>
@@ -10453,7 +11326,7 @@
               <a:t>WeekDay</a:t>
             </a:r>
             <a:r>
-              <a:rPr lang="en-US" altLang="zh-CN" kern="0" dirty="0" smtClean="0">
+              <a:rPr lang="en-US" altLang="zh-CN" kern="0" dirty="0">
                 <a:solidFill>
                   <a:schemeClr val="tx1"/>
                 </a:solidFill>
@@ -10463,7 +11336,7 @@
               <a:t> </a:t>
             </a:r>
             <a:r>
-              <a:rPr lang="en-US" altLang="zh-CN" kern="0" dirty="0" err="1" smtClean="0">
+              <a:rPr lang="en-US" altLang="zh-CN" kern="0" dirty="0" err="1">
                 <a:solidFill>
                   <a:schemeClr val="tx1"/>
                 </a:solidFill>
@@ -10473,7 +11346,7 @@
               <a:t>weekDay</a:t>
             </a:r>
             <a:r>
-              <a:rPr lang="en-US" altLang="zh-CN" kern="0" dirty="0" smtClean="0">
+              <a:rPr lang="en-US" altLang="zh-CN" kern="0" dirty="0">
                 <a:solidFill>
                   <a:schemeClr val="tx1"/>
                 </a:solidFill>
@@ -10491,7 +11364,7 @@
               <a:defRPr/>
             </a:pPr>
             <a:r>
-              <a:rPr lang="en-US" altLang="zh-CN" kern="0" dirty="0" smtClean="0">
+              <a:rPr lang="en-US" altLang="zh-CN" kern="0" dirty="0">
                 <a:solidFill>
                   <a:schemeClr val="tx1"/>
                 </a:solidFill>
@@ -10501,7 +11374,7 @@
               <a:t>       switch(</a:t>
             </a:r>
             <a:r>
-              <a:rPr lang="en-US" altLang="zh-CN" kern="0" dirty="0" err="1" smtClean="0">
+              <a:rPr lang="en-US" altLang="zh-CN" kern="0" dirty="0" err="1">
                 <a:solidFill>
                   <a:schemeClr val="tx1"/>
                 </a:solidFill>
@@ -10511,7 +11384,7 @@
               <a:t>weekDay</a:t>
             </a:r>
             <a:r>
-              <a:rPr lang="en-US" altLang="zh-CN" kern="0" dirty="0" smtClean="0">
+              <a:rPr lang="en-US" altLang="zh-CN" kern="0" dirty="0">
                 <a:solidFill>
                   <a:schemeClr val="tx1"/>
                 </a:solidFill>
@@ -10529,7 +11402,7 @@
               <a:defRPr/>
             </a:pPr>
             <a:r>
-              <a:rPr lang="en-US" altLang="zh-CN" kern="0" dirty="0" smtClean="0">
+              <a:rPr lang="en-US" altLang="zh-CN" kern="0" dirty="0">
                 <a:solidFill>
                   <a:schemeClr val="tx1"/>
                 </a:solidFill>
@@ -10547,7 +11420,7 @@
               <a:defRPr/>
             </a:pPr>
             <a:r>
-              <a:rPr lang="en-US" altLang="zh-CN" kern="0" dirty="0" smtClean="0">
+              <a:rPr lang="en-US" altLang="zh-CN" kern="0" dirty="0">
                 <a:solidFill>
                   <a:schemeClr val="tx1"/>
                 </a:solidFill>
@@ -10557,7 +11430,7 @@
               <a:t>	     </a:t>
             </a:r>
             <a:r>
-              <a:rPr lang="en-US" altLang="zh-CN" kern="0" dirty="0" err="1" smtClean="0">
+              <a:rPr lang="en-US" altLang="zh-CN" kern="0" dirty="0" err="1">
                 <a:solidFill>
                   <a:schemeClr val="tx1"/>
                 </a:solidFill>
@@ -10567,7 +11440,7 @@
               <a:t>System.out.println</a:t>
             </a:r>
             <a:r>
-              <a:rPr lang="en-US" altLang="zh-CN" kern="0" dirty="0" smtClean="0">
+              <a:rPr lang="en-US" altLang="zh-CN" kern="0" dirty="0">
                 <a:solidFill>
                   <a:schemeClr val="tx1"/>
                 </a:solidFill>
@@ -10585,7 +11458,7 @@
               <a:defRPr/>
             </a:pPr>
             <a:r>
-              <a:rPr lang="en-US" altLang="zh-CN" kern="0" dirty="0" smtClean="0">
+              <a:rPr lang="en-US" altLang="zh-CN" kern="0" dirty="0">
                 <a:solidFill>
                   <a:schemeClr val="tx1"/>
                 </a:solidFill>
@@ -10603,7 +11476,7 @@
               <a:defRPr/>
             </a:pPr>
             <a:r>
-              <a:rPr lang="en-US" altLang="zh-CN" kern="0" dirty="0" smtClean="0">
+              <a:rPr lang="en-US" altLang="zh-CN" kern="0" dirty="0">
                 <a:solidFill>
                   <a:schemeClr val="tx1"/>
                 </a:solidFill>
@@ -10621,7 +11494,7 @@
               <a:defRPr/>
             </a:pPr>
             <a:r>
-              <a:rPr lang="en-US" altLang="zh-CN" kern="0" dirty="0" smtClean="0">
+              <a:rPr lang="en-US" altLang="zh-CN" kern="0" dirty="0">
                 <a:solidFill>
                   <a:schemeClr val="tx1"/>
                 </a:solidFill>
@@ -10631,7 +11504,7 @@
               <a:t>	     </a:t>
             </a:r>
             <a:r>
-              <a:rPr lang="en-US" altLang="zh-CN" kern="0" dirty="0" err="1" smtClean="0">
+              <a:rPr lang="en-US" altLang="zh-CN" kern="0" dirty="0" err="1">
                 <a:solidFill>
                   <a:schemeClr val="tx1"/>
                 </a:solidFill>
@@ -10641,7 +11514,7 @@
               <a:t>System.out.println</a:t>
             </a:r>
             <a:r>
-              <a:rPr lang="en-US" altLang="zh-CN" kern="0" dirty="0" smtClean="0">
+              <a:rPr lang="en-US" altLang="zh-CN" kern="0" dirty="0">
                 <a:solidFill>
                   <a:schemeClr val="tx1"/>
                 </a:solidFill>
@@ -10659,7 +11532,7 @@
               <a:defRPr/>
             </a:pPr>
             <a:r>
-              <a:rPr lang="en-US" altLang="zh-CN" kern="0" dirty="0" smtClean="0">
+              <a:rPr lang="en-US" altLang="zh-CN" kern="0" dirty="0">
                 <a:solidFill>
                   <a:schemeClr val="tx1"/>
                 </a:solidFill>
@@ -10677,7 +11550,7 @@
               <a:defRPr/>
             </a:pPr>
             <a:r>
-              <a:rPr lang="en-US" altLang="zh-CN" kern="0" dirty="0" smtClean="0">
+              <a:rPr lang="en-US" altLang="zh-CN" kern="0" dirty="0">
                 <a:solidFill>
                   <a:schemeClr val="tx1"/>
                 </a:solidFill>
@@ -10695,7 +11568,7 @@
               <a:defRPr/>
             </a:pPr>
             <a:r>
-              <a:rPr lang="en-US" altLang="zh-CN" kern="0" dirty="0" smtClean="0">
+              <a:rPr lang="en-US" altLang="zh-CN" kern="0" dirty="0">
                 <a:solidFill>
                   <a:schemeClr val="tx1"/>
                 </a:solidFill>
@@ -10705,7 +11578,7 @@
               <a:t>	default:</a:t>
             </a:r>
             <a:br>
-              <a:rPr lang="en-US" altLang="zh-CN" kern="0" dirty="0" smtClean="0">
+              <a:rPr lang="en-US" altLang="zh-CN" kern="0" dirty="0">
                 <a:solidFill>
                   <a:schemeClr val="tx1"/>
                 </a:solidFill>
@@ -10714,7 +11587,7 @@
               </a:rPr>
             </a:br>
             <a:r>
-              <a:rPr lang="en-US" altLang="zh-CN" kern="0" dirty="0" smtClean="0">
+              <a:rPr lang="en-US" altLang="zh-CN" kern="0" dirty="0">
                 <a:solidFill>
                   <a:schemeClr val="tx1"/>
                 </a:solidFill>
@@ -10724,7 +11597,7 @@
               <a:t>	     throw new </a:t>
             </a:r>
             <a:r>
-              <a:rPr lang="en-US" altLang="zh-CN" kern="0" dirty="0" err="1" smtClean="0">
+              <a:rPr lang="en-US" altLang="zh-CN" kern="0" dirty="0" err="1">
                 <a:solidFill>
                   <a:schemeClr val="tx1"/>
                 </a:solidFill>
@@ -10734,7 +11607,7 @@
               <a:t>AssertionError</a:t>
             </a:r>
             <a:r>
-              <a:rPr lang="en-US" altLang="zh-CN" kern="0" dirty="0" smtClean="0">
+              <a:rPr lang="en-US" altLang="zh-CN" kern="0" dirty="0">
                 <a:solidFill>
                   <a:schemeClr val="tx1"/>
                 </a:solidFill>
@@ -10744,7 +11617,7 @@
               <a:t>("Unexpected value: " + </a:t>
             </a:r>
             <a:r>
-              <a:rPr lang="en-US" altLang="zh-CN" kern="0" dirty="0" err="1" smtClean="0">
+              <a:rPr lang="en-US" altLang="zh-CN" kern="0" dirty="0" err="1">
                 <a:solidFill>
                   <a:schemeClr val="tx1"/>
                 </a:solidFill>
@@ -10754,7 +11627,7 @@
               <a:t>weekDay</a:t>
             </a:r>
             <a:r>
-              <a:rPr lang="en-US" altLang="zh-CN" kern="0" dirty="0" smtClean="0">
+              <a:rPr lang="en-US" altLang="zh-CN" kern="0" dirty="0">
                 <a:solidFill>
                   <a:schemeClr val="tx1"/>
                 </a:solidFill>
@@ -10772,7 +11645,7 @@
               <a:defRPr/>
             </a:pPr>
             <a:r>
-              <a:rPr lang="en-US" altLang="zh-CN" kern="0" dirty="0" smtClean="0">
+              <a:rPr lang="en-US" altLang="zh-CN" kern="0" dirty="0">
                 <a:solidFill>
                   <a:schemeClr val="tx1"/>
                 </a:solidFill>
@@ -10790,7 +11663,7 @@
               <a:defRPr/>
             </a:pPr>
             <a:r>
-              <a:rPr lang="en-US" altLang="zh-CN" kern="0" dirty="0" smtClean="0">
+              <a:rPr lang="en-US" altLang="zh-CN" kern="0" dirty="0">
                 <a:solidFill>
                   <a:schemeClr val="tx1"/>
                 </a:solidFill>
@@ -10872,98 +11745,158 @@
           <a:bodyPr/>
           <a:lstStyle/>
           <a:p>
-            <a:r>
-              <a:rPr lang="pt-BR" altLang="en-US" smtClean="0"/>
+            <a:pPr>
+              <a:lnSpc>
+                <a:spcPct val="150000"/>
+              </a:lnSpc>
+            </a:pPr>
+            <a:r>
+              <a:rPr lang="pt-BR" altLang="en-US" dirty="0" smtClean="0"/>
               <a:t>Java</a:t>
             </a:r>
             <a:r>
-              <a:rPr lang="zh-CN" altLang="en-US" smtClean="0"/>
+              <a:rPr lang="zh-CN" altLang="en-US" dirty="0" smtClean="0"/>
               <a:t>中的</a:t>
             </a:r>
             <a:r>
-              <a:rPr lang="pt-BR" altLang="en-US" smtClean="0"/>
+              <a:rPr lang="pt-BR" altLang="en-US" dirty="0" smtClean="0"/>
               <a:t>enum</a:t>
             </a:r>
             <a:r>
-              <a:rPr lang="zh-CN" altLang="en-US" smtClean="0"/>
+              <a:rPr lang="zh-CN" altLang="en-US" dirty="0" smtClean="0"/>
               <a:t>本质就是一个</a:t>
             </a:r>
             <a:r>
-              <a:rPr lang="pt-BR" altLang="en-US" smtClean="0"/>
+              <a:rPr lang="pt-BR" altLang="en-US" dirty="0" smtClean="0"/>
               <a:t>class</a:t>
             </a:r>
           </a:p>
           <a:p>
-            <a:pPr lvl="1"/>
-            <a:r>
-              <a:rPr lang="zh-CN" altLang="en-US" smtClean="0"/>
+            <a:pPr lvl="1">
+              <a:lnSpc>
+                <a:spcPct val="150000"/>
+              </a:lnSpc>
+            </a:pPr>
+            <a:r>
+              <a:rPr lang="zh-CN" altLang="en-US" dirty="0" smtClean="0"/>
               <a:t>如下：枚举类型 </a:t>
             </a:r>
             <a:r>
-              <a:rPr lang="en-US" smtClean="0"/>
+              <a:rPr lang="en-US" dirty="0" smtClean="0"/>
               <a:t>Color</a:t>
             </a:r>
             <a:r>
-              <a:rPr lang="zh-CN" altLang="en-US" smtClean="0"/>
+              <a:rPr lang="zh-CN" altLang="en-US" dirty="0" smtClean="0"/>
               <a:t>，编译之后是</a:t>
             </a:r>
             <a:r>
-              <a:rPr lang="en-US" altLang="zh-CN" smtClean="0"/>
+              <a:rPr lang="en-US" altLang="zh-CN" dirty="0" err="1" smtClean="0"/>
               <a:t>Color.class</a:t>
             </a:r>
-          </a:p>
-          <a:p>
-            <a:pPr lvl="1"/>
-            <a:endParaRPr lang="en-US" altLang="zh-CN" smtClean="0"/>
-          </a:p>
-          <a:p>
-            <a:pPr lvl="1"/>
-            <a:endParaRPr lang="en-US" altLang="en-US" smtClean="0"/>
-          </a:p>
-          <a:p>
-            <a:pPr lvl="1"/>
-            <a:endParaRPr lang="en-US" altLang="en-US" smtClean="0"/>
-          </a:p>
-          <a:p>
-            <a:pPr lvl="1"/>
-            <a:r>
-              <a:rPr lang="zh-CN" altLang="en-US" smtClean="0"/>
+            <a:endParaRPr lang="en-US" altLang="zh-CN" dirty="0" smtClean="0"/>
+          </a:p>
+          <a:p>
+            <a:pPr lvl="1">
+              <a:lnSpc>
+                <a:spcPct val="150000"/>
+              </a:lnSpc>
+            </a:pPr>
+            <a:endParaRPr lang="en-US" altLang="zh-CN" dirty="0" smtClean="0"/>
+          </a:p>
+          <a:p>
+            <a:pPr lvl="1">
+              <a:lnSpc>
+                <a:spcPct val="150000"/>
+              </a:lnSpc>
+            </a:pPr>
+            <a:endParaRPr lang="en-US" altLang="en-US" dirty="0" smtClean="0"/>
+          </a:p>
+          <a:p>
+            <a:pPr lvl="1">
+              <a:lnSpc>
+                <a:spcPct val="150000"/>
+              </a:lnSpc>
+            </a:pPr>
+            <a:endParaRPr lang="en-US" altLang="en-US" dirty="0" smtClean="0"/>
+          </a:p>
+          <a:p>
+            <a:pPr lvl="1">
+              <a:lnSpc>
+                <a:spcPct val="150000"/>
+              </a:lnSpc>
+            </a:pPr>
+            <a:r>
+              <a:rPr lang="zh-CN" altLang="en-US" dirty="0" smtClean="0"/>
               <a:t>上述枚举类型</a:t>
             </a:r>
             <a:r>
-              <a:rPr lang="en-US" altLang="zh-CN" smtClean="0"/>
+              <a:rPr lang="en-US" altLang="zh-CN" dirty="0" smtClean="0"/>
               <a:t>Color</a:t>
             </a:r>
             <a:r>
-              <a:rPr lang="zh-CN" altLang="en-US" smtClean="0"/>
+              <a:rPr lang="zh-CN" altLang="en-US" dirty="0" smtClean="0"/>
               <a:t>也可改写成下面的形式</a:t>
             </a:r>
-            <a:endParaRPr lang="en-US" altLang="zh-CN" smtClean="0"/>
-          </a:p>
-          <a:p>
-            <a:pPr lvl="2"/>
-            <a:r>
-              <a:rPr lang="zh-CN" altLang="en-US" smtClean="0"/>
+            <a:endParaRPr lang="en-US" altLang="zh-CN" dirty="0" smtClean="0"/>
+          </a:p>
+          <a:p>
+            <a:pPr lvl="2">
+              <a:lnSpc>
+                <a:spcPct val="150000"/>
+              </a:lnSpc>
+            </a:pPr>
+            <a:r>
+              <a:rPr lang="zh-CN" altLang="en-US" dirty="0" smtClean="0"/>
               <a:t>枚举的成员就是枚举对象，只不过他们是静态常量而已</a:t>
             </a:r>
-            <a:endParaRPr lang="pt-BR" altLang="en-US" smtClean="0"/>
-          </a:p>
-          <a:p>
-            <a:endParaRPr lang="pt-BR" altLang="zh-CN" smtClean="0"/>
-          </a:p>
-          <a:p>
-            <a:endParaRPr lang="pt-BR" altLang="zh-CN" smtClean="0"/>
-          </a:p>
-          <a:p>
-            <a:endParaRPr lang="pt-BR" altLang="zh-CN" smtClean="0"/>
-          </a:p>
-          <a:p>
-            <a:endParaRPr lang="pt-BR" altLang="zh-CN" smtClean="0"/>
-          </a:p>
-          <a:p>
-            <a:endParaRPr lang="pt-BR" altLang="zh-CN" smtClean="0"/>
-          </a:p>
-          <a:p>
+            <a:endParaRPr lang="pt-BR" altLang="en-US" dirty="0" smtClean="0"/>
+          </a:p>
+          <a:p>
+            <a:pPr>
+              <a:lnSpc>
+                <a:spcPct val="150000"/>
+              </a:lnSpc>
+            </a:pPr>
+            <a:endParaRPr lang="pt-BR" altLang="zh-CN" dirty="0" smtClean="0"/>
+          </a:p>
+          <a:p>
+            <a:pPr>
+              <a:lnSpc>
+                <a:spcPct val="150000"/>
+              </a:lnSpc>
+            </a:pPr>
+            <a:endParaRPr lang="pt-BR" altLang="zh-CN" dirty="0" smtClean="0"/>
+          </a:p>
+          <a:p>
+            <a:pPr>
+              <a:lnSpc>
+                <a:spcPct val="150000"/>
+              </a:lnSpc>
+            </a:pPr>
+            <a:endParaRPr lang="pt-BR" altLang="zh-CN" dirty="0" smtClean="0"/>
+          </a:p>
+          <a:p>
+            <a:pPr>
+              <a:lnSpc>
+                <a:spcPct val="150000"/>
+              </a:lnSpc>
+            </a:pPr>
+            <a:endParaRPr lang="pt-BR" altLang="zh-CN" dirty="0" smtClean="0"/>
+          </a:p>
+          <a:p>
+            <a:pPr>
+              <a:lnSpc>
+                <a:spcPct val="150000"/>
+              </a:lnSpc>
+            </a:pPr>
+            <a:endParaRPr lang="pt-BR" altLang="zh-CN" dirty="0" smtClean="0"/>
+          </a:p>
+          <a:p>
+            <a:pPr>
+              <a:lnSpc>
+                <a:spcPct val="150000"/>
+              </a:lnSpc>
+            </a:pPr>
             <a:endParaRPr lang="zh-CN" altLang="en-US" dirty="0" smtClean="0"/>
           </a:p>
         </p:txBody>
@@ -10976,7 +11909,7 @@
         </p:nvSpPr>
         <p:spPr>
           <a:xfrm>
-            <a:off x="714348" y="2000240"/>
+            <a:off x="2238348" y="2430008"/>
             <a:ext cx="7500990" cy="1143008"/>
           </a:xfrm>
           <a:prstGeom prst="rect">
@@ -11005,7 +11938,7 @@
               <a:defRPr/>
             </a:pPr>
             <a:r>
-              <a:rPr lang="en-US" altLang="zh-CN" kern="0" dirty="0" smtClean="0">
+              <a:rPr lang="en-US" altLang="zh-CN" kern="0" dirty="0">
                 <a:solidFill>
                   <a:schemeClr val="tx1"/>
                 </a:solidFill>
@@ -11015,7 +11948,7 @@
               <a:t>public </a:t>
             </a:r>
             <a:r>
-              <a:rPr lang="en-US" altLang="zh-CN" kern="0" dirty="0" err="1" smtClean="0">
+              <a:rPr lang="en-US" altLang="zh-CN" kern="0" dirty="0" err="1">
                 <a:solidFill>
                   <a:schemeClr val="tx1"/>
                 </a:solidFill>
@@ -11025,7 +11958,7 @@
               <a:t>enum</a:t>
             </a:r>
             <a:r>
-              <a:rPr lang="en-US" altLang="zh-CN" kern="0" dirty="0" smtClean="0">
+              <a:rPr lang="en-US" altLang="zh-CN" kern="0" dirty="0">
                 <a:solidFill>
                   <a:schemeClr val="tx1"/>
                 </a:solidFill>
@@ -11043,7 +11976,7 @@
               <a:defRPr/>
             </a:pPr>
             <a:r>
-              <a:rPr lang="en-US" altLang="zh-CN" kern="0" dirty="0" smtClean="0">
+              <a:rPr lang="en-US" altLang="zh-CN" kern="0" dirty="0">
                 <a:solidFill>
                   <a:schemeClr val="tx1"/>
                 </a:solidFill>
@@ -11061,7 +11994,7 @@
               <a:defRPr/>
             </a:pPr>
             <a:r>
-              <a:rPr lang="en-US" altLang="zh-CN" kern="0" dirty="0" smtClean="0">
+              <a:rPr lang="en-US" altLang="zh-CN" kern="0" dirty="0">
                 <a:solidFill>
                   <a:schemeClr val="tx1"/>
                 </a:solidFill>
@@ -11070,7 +12003,7 @@
               </a:rPr>
               <a:t>}</a:t>
             </a:r>
-            <a:endParaRPr lang="zh-CN" altLang="en-US" kern="0" dirty="0" smtClean="0">
+            <a:endParaRPr lang="zh-CN" altLang="en-US" kern="0" dirty="0">
               <a:solidFill>
                 <a:schemeClr val="tx1"/>
               </a:solidFill>
@@ -11088,7 +12021,7 @@
         </p:nvSpPr>
         <p:spPr>
           <a:xfrm>
-            <a:off x="714348" y="4000504"/>
+            <a:off x="2238348" y="5022296"/>
             <a:ext cx="7500990" cy="1143008"/>
           </a:xfrm>
           <a:prstGeom prst="rect">
@@ -11117,7 +12050,7 @@
               <a:defRPr/>
             </a:pPr>
             <a:r>
-              <a:rPr lang="en-US" altLang="zh-CN" kern="0" dirty="0" smtClean="0">
+              <a:rPr lang="en-US" altLang="zh-CN" kern="0" dirty="0">
                 <a:solidFill>
                   <a:schemeClr val="tx1"/>
                 </a:solidFill>
@@ -11127,7 +12060,7 @@
               <a:t>public </a:t>
             </a:r>
             <a:r>
-              <a:rPr lang="en-US" altLang="zh-CN" kern="0" dirty="0" err="1" smtClean="0">
+              <a:rPr lang="en-US" altLang="zh-CN" kern="0" dirty="0" err="1">
                 <a:solidFill>
                   <a:schemeClr val="tx1"/>
                 </a:solidFill>
@@ -11137,7 +12070,7 @@
               <a:t>enum</a:t>
             </a:r>
             <a:r>
-              <a:rPr lang="en-US" altLang="zh-CN" kern="0" dirty="0" smtClean="0">
+              <a:rPr lang="en-US" altLang="zh-CN" kern="0" dirty="0">
                 <a:solidFill>
                   <a:schemeClr val="tx1"/>
                 </a:solidFill>
@@ -11155,7 +12088,7 @@
               <a:defRPr/>
             </a:pPr>
             <a:r>
-              <a:rPr lang="en-US" altLang="zh-CN" kern="0" dirty="0" smtClean="0">
+              <a:rPr lang="en-US" altLang="zh-CN" kern="0" dirty="0">
                 <a:solidFill>
                   <a:schemeClr val="tx1"/>
                 </a:solidFill>
@@ -11173,7 +12106,7 @@
               <a:defRPr/>
             </a:pPr>
             <a:r>
-              <a:rPr lang="en-US" altLang="zh-CN" kern="0" dirty="0" smtClean="0">
+              <a:rPr lang="en-US" altLang="zh-CN" kern="0" dirty="0">
                 <a:solidFill>
                   <a:schemeClr val="tx1"/>
                 </a:solidFill>
@@ -11255,19 +12188,39 @@
           <a:bodyPr/>
           <a:lstStyle/>
           <a:p>
-            <a:r>
-              <a:rPr lang="zh-CN" altLang="en-US" smtClean="0"/>
+            <a:pPr>
+              <a:lnSpc>
+                <a:spcPct val="150000"/>
+              </a:lnSpc>
+            </a:pPr>
+            <a:r>
+              <a:rPr lang="zh-CN" altLang="en-US" dirty="0" smtClean="0"/>
               <a:t>枚举可以添加构造方法</a:t>
             </a:r>
-            <a:endParaRPr lang="pt-BR" altLang="zh-CN" smtClean="0"/>
-          </a:p>
-          <a:p>
-            <a:endParaRPr lang="pt-BR" altLang="zh-CN" smtClean="0"/>
-          </a:p>
-          <a:p>
-            <a:endParaRPr lang="pt-BR" altLang="zh-CN" smtClean="0"/>
-          </a:p>
-          <a:p>
+            <a:endParaRPr lang="pt-BR" altLang="zh-CN" dirty="0" smtClean="0"/>
+          </a:p>
+          <a:p>
+            <a:pPr>
+              <a:lnSpc>
+                <a:spcPct val="150000"/>
+              </a:lnSpc>
+            </a:pPr>
+            <a:endParaRPr lang="pt-BR" altLang="zh-CN" dirty="0" smtClean="0"/>
+          </a:p>
+          <a:p>
+            <a:pPr>
+              <a:lnSpc>
+                <a:spcPct val="150000"/>
+              </a:lnSpc>
+            </a:pPr>
+            <a:endParaRPr lang="pt-BR" altLang="zh-CN" dirty="0" smtClean="0"/>
+          </a:p>
+          <a:p>
+            <a:pPr>
+              <a:lnSpc>
+                <a:spcPct val="150000"/>
+              </a:lnSpc>
+            </a:pPr>
             <a:endParaRPr lang="zh-CN" altLang="en-US" dirty="0" smtClean="0"/>
           </a:p>
         </p:txBody>
@@ -11280,7 +12233,7 @@
         </p:nvSpPr>
         <p:spPr>
           <a:xfrm>
-            <a:off x="539552" y="1647040"/>
+            <a:off x="2063552" y="2007080"/>
             <a:ext cx="7500990" cy="2286016"/>
           </a:xfrm>
           <a:prstGeom prst="rect">
@@ -11309,7 +12262,7 @@
               <a:defRPr/>
             </a:pPr>
             <a:r>
-              <a:rPr lang="en-US" altLang="zh-CN" kern="0" dirty="0" smtClean="0">
+              <a:rPr lang="en-US" altLang="zh-CN" kern="0" dirty="0">
                 <a:solidFill>
                   <a:schemeClr val="tx1"/>
                 </a:solidFill>
@@ -11327,7 +12280,7 @@
               <a:defRPr/>
             </a:pPr>
             <a:r>
-              <a:rPr lang="en-US" altLang="zh-CN" kern="0" dirty="0" smtClean="0">
+              <a:rPr lang="en-US" altLang="zh-CN" kern="0" dirty="0">
                 <a:solidFill>
                   <a:schemeClr val="tx1"/>
                 </a:solidFill>
@@ -11345,7 +12298,7 @@
               <a:defRPr/>
             </a:pPr>
             <a:r>
-              <a:rPr lang="en-US" altLang="zh-CN" kern="0" dirty="0" smtClean="0">
+              <a:rPr lang="en-US" altLang="zh-CN" kern="0" dirty="0">
                 <a:solidFill>
                   <a:schemeClr val="tx1"/>
                 </a:solidFill>
@@ -11363,7 +12316,7 @@
               <a:defRPr/>
             </a:pPr>
             <a:r>
-              <a:rPr lang="en-US" altLang="zh-CN" kern="0" dirty="0" smtClean="0">
+              <a:rPr lang="en-US" altLang="zh-CN" kern="0" dirty="0">
                 <a:solidFill>
                   <a:schemeClr val="tx1"/>
                 </a:solidFill>
@@ -11381,7 +12334,7 @@
               <a:defRPr/>
             </a:pPr>
             <a:r>
-              <a:rPr lang="en-US" altLang="zh-CN" kern="0" dirty="0" smtClean="0">
+              <a:rPr lang="en-US" altLang="zh-CN" kern="0" dirty="0">
                 <a:solidFill>
                   <a:schemeClr val="tx1"/>
                 </a:solidFill>
@@ -11399,7 +12352,7 @@
               <a:defRPr/>
             </a:pPr>
             <a:r>
-              <a:rPr lang="en-US" altLang="zh-CN" kern="0" dirty="0" smtClean="0">
+              <a:rPr lang="en-US" altLang="zh-CN" kern="0" dirty="0">
                 <a:solidFill>
                   <a:schemeClr val="tx1"/>
                 </a:solidFill>
@@ -11419,7 +12372,7 @@
         </p:nvSpPr>
         <p:spPr>
           <a:xfrm>
-            <a:off x="539552" y="3951296"/>
+            <a:off x="2063552" y="4311336"/>
             <a:ext cx="7500990" cy="2286016"/>
           </a:xfrm>
           <a:prstGeom prst="rect">
@@ -11448,7 +12401,7 @@
               <a:defRPr/>
             </a:pPr>
             <a:r>
-              <a:rPr lang="en-US" altLang="zh-CN" kern="0" dirty="0" smtClean="0">
+              <a:rPr lang="en-US" altLang="zh-CN" kern="0" dirty="0">
                 <a:solidFill>
                   <a:schemeClr val="tx1"/>
                 </a:solidFill>
@@ -11458,7 +12411,7 @@
               <a:t>    Color(String name, </a:t>
             </a:r>
             <a:r>
-              <a:rPr lang="en-US" altLang="zh-CN" kern="0" dirty="0" err="1" smtClean="0">
+              <a:rPr lang="en-US" altLang="zh-CN" kern="0" dirty="0" err="1">
                 <a:solidFill>
                   <a:schemeClr val="tx1"/>
                 </a:solidFill>
@@ -11468,7 +12421,7 @@
               <a:t>int</a:t>
             </a:r>
             <a:r>
-              <a:rPr lang="en-US" altLang="zh-CN" kern="0" dirty="0" smtClean="0">
+              <a:rPr lang="en-US" altLang="zh-CN" kern="0" dirty="0">
                 <a:solidFill>
                   <a:schemeClr val="tx1"/>
                 </a:solidFill>
@@ -11486,7 +12439,7 @@
               <a:defRPr/>
             </a:pPr>
             <a:r>
-              <a:rPr lang="en-US" altLang="zh-CN" kern="0" dirty="0" smtClean="0">
+              <a:rPr lang="en-US" altLang="zh-CN" kern="0" dirty="0">
                 <a:solidFill>
                   <a:schemeClr val="tx1"/>
                 </a:solidFill>
@@ -11504,7 +12457,7 @@
               <a:defRPr/>
             </a:pPr>
             <a:r>
-              <a:rPr lang="en-US" altLang="zh-CN" kern="0" dirty="0" smtClean="0">
+              <a:rPr lang="en-US" altLang="zh-CN" kern="0" dirty="0">
                 <a:solidFill>
                   <a:schemeClr val="tx1"/>
                 </a:solidFill>
@@ -11522,7 +12475,7 @@
               <a:defRPr/>
             </a:pPr>
             <a:r>
-              <a:rPr lang="en-US" altLang="zh-CN" kern="0" dirty="0" smtClean="0">
+              <a:rPr lang="en-US" altLang="zh-CN" kern="0" dirty="0">
                 <a:solidFill>
                   <a:schemeClr val="tx1"/>
                 </a:solidFill>
@@ -11540,7 +12493,7 @@
               <a:defRPr/>
             </a:pPr>
             <a:r>
-              <a:rPr lang="en-US" altLang="zh-CN" kern="0" dirty="0" smtClean="0">
+              <a:rPr lang="en-US" altLang="zh-CN" kern="0" dirty="0">
                 <a:solidFill>
                   <a:schemeClr val="tx1"/>
                 </a:solidFill>
@@ -11558,7 +12511,7 @@
               <a:defRPr/>
             </a:pPr>
             <a:r>
-              <a:rPr lang="en-US" altLang="zh-CN" kern="0" dirty="0" smtClean="0">
+              <a:rPr lang="en-US" altLang="zh-CN" kern="0" dirty="0">
                 <a:solidFill>
                   <a:schemeClr val="tx1"/>
                 </a:solidFill>
@@ -11568,7 +12521,7 @@
               <a:t>     </a:t>
             </a:r>
             <a:r>
-              <a:rPr lang="en-US" altLang="zh-CN" kern="0" dirty="0" err="1" smtClean="0">
+              <a:rPr lang="en-US" altLang="zh-CN" kern="0" dirty="0" err="1">
                 <a:solidFill>
                   <a:schemeClr val="tx1"/>
                 </a:solidFill>
@@ -11578,7 +12531,7 @@
               <a:t>int</a:t>
             </a:r>
             <a:r>
-              <a:rPr lang="en-US" altLang="zh-CN" kern="0" dirty="0" smtClean="0">
+              <a:rPr lang="en-US" altLang="zh-CN" kern="0" dirty="0">
                 <a:solidFill>
                   <a:schemeClr val="tx1"/>
                 </a:solidFill>
@@ -11660,7 +12613,7 @@
           <a:bodyPr/>
           <a:lstStyle/>
           <a:p>
-            <a:endParaRPr lang="zh-CN" altLang="en-US"/>
+            <a:endParaRPr lang="zh-CN" altLang="en-US" dirty="0"/>
           </a:p>
         </p:txBody>
       </p:sp>
@@ -11672,7 +12625,7 @@
         </p:nvSpPr>
         <p:spPr>
           <a:xfrm>
-            <a:off x="1126659" y="881742"/>
+            <a:off x="2650659" y="1240666"/>
             <a:ext cx="7500990" cy="3786214"/>
           </a:xfrm>
           <a:prstGeom prst="rect">
@@ -11701,7 +12654,7 @@
               <a:defRPr/>
             </a:pPr>
             <a:r>
-              <a:rPr lang="en-US" altLang="zh-CN" kern="0" dirty="0" smtClean="0">
+              <a:rPr lang="en-US" altLang="zh-CN" kern="0" dirty="0">
                 <a:solidFill>
                   <a:schemeClr val="tx1"/>
                 </a:solidFill>
@@ -11711,7 +12664,7 @@
               <a:t>public </a:t>
             </a:r>
             <a:r>
-              <a:rPr lang="en-US" altLang="zh-CN" kern="0" dirty="0" err="1" smtClean="0">
+              <a:rPr lang="en-US" altLang="zh-CN" kern="0" dirty="0" err="1">
                 <a:solidFill>
                   <a:schemeClr val="tx1"/>
                 </a:solidFill>
@@ -11721,7 +12674,7 @@
               <a:t>enum</a:t>
             </a:r>
             <a:r>
-              <a:rPr lang="en-US" altLang="zh-CN" kern="0" dirty="0" smtClean="0">
+              <a:rPr lang="en-US" altLang="zh-CN" kern="0" dirty="0">
                 <a:solidFill>
                   <a:schemeClr val="tx1"/>
                 </a:solidFill>
@@ -11739,7 +12692,7 @@
               <a:defRPr/>
             </a:pPr>
             <a:r>
-              <a:rPr lang="en-US" altLang="zh-CN" kern="0" dirty="0" smtClean="0">
+              <a:rPr lang="en-US" altLang="zh-CN" kern="0" dirty="0">
                 <a:solidFill>
                   <a:schemeClr val="tx1"/>
                 </a:solidFill>
@@ -11757,7 +12710,7 @@
               <a:defRPr/>
             </a:pPr>
             <a:r>
-              <a:rPr lang="en-US" altLang="zh-CN" kern="0" dirty="0" smtClean="0">
+              <a:rPr lang="en-US" altLang="zh-CN" kern="0" dirty="0">
                 <a:solidFill>
                   <a:schemeClr val="tx1"/>
                 </a:solidFill>
@@ -11775,7 +12728,7 @@
               <a:defRPr/>
             </a:pPr>
             <a:r>
-              <a:rPr lang="en-US" altLang="zh-CN" kern="0" dirty="0" smtClean="0">
+              <a:rPr lang="en-US" altLang="zh-CN" kern="0" dirty="0">
                 <a:solidFill>
                   <a:schemeClr val="tx1"/>
                 </a:solidFill>
@@ -11785,7 +12738,7 @@
               <a:t>        Color(String name, </a:t>
             </a:r>
             <a:r>
-              <a:rPr lang="en-US" altLang="zh-CN" kern="0" dirty="0" err="1" smtClean="0">
+              <a:rPr lang="en-US" altLang="zh-CN" kern="0" dirty="0" err="1">
                 <a:solidFill>
                   <a:schemeClr val="tx1"/>
                 </a:solidFill>
@@ -11795,7 +12748,7 @@
               <a:t>int</a:t>
             </a:r>
             <a:r>
-              <a:rPr lang="en-US" altLang="zh-CN" kern="0" dirty="0" smtClean="0">
+              <a:rPr lang="en-US" altLang="zh-CN" kern="0" dirty="0">
                 <a:solidFill>
                   <a:schemeClr val="tx1"/>
                 </a:solidFill>
@@ -11813,7 +12766,7 @@
               <a:defRPr/>
             </a:pPr>
             <a:r>
-              <a:rPr lang="en-US" altLang="zh-CN" kern="0" dirty="0" smtClean="0">
+              <a:rPr lang="en-US" altLang="zh-CN" kern="0" dirty="0">
                 <a:solidFill>
                   <a:schemeClr val="tx1"/>
                 </a:solidFill>
@@ -11831,7 +12784,7 @@
               <a:defRPr/>
             </a:pPr>
             <a:r>
-              <a:rPr lang="en-US" altLang="zh-CN" kern="0" dirty="0" smtClean="0">
+              <a:rPr lang="en-US" altLang="zh-CN" kern="0" dirty="0">
                 <a:solidFill>
                   <a:schemeClr val="tx1"/>
                 </a:solidFill>
@@ -11849,7 +12802,7 @@
               <a:defRPr/>
             </a:pPr>
             <a:r>
-              <a:rPr lang="en-US" altLang="zh-CN" kern="0" dirty="0" smtClean="0">
+              <a:rPr lang="en-US" altLang="zh-CN" kern="0" dirty="0">
                 <a:solidFill>
                   <a:schemeClr val="tx1"/>
                 </a:solidFill>
@@ -11867,7 +12820,7 @@
               <a:defRPr/>
             </a:pPr>
             <a:r>
-              <a:rPr lang="en-US" altLang="zh-CN" kern="0" dirty="0" smtClean="0">
+              <a:rPr lang="en-US" altLang="zh-CN" kern="0" dirty="0">
                 <a:solidFill>
                   <a:schemeClr val="tx1"/>
                 </a:solidFill>
@@ -11885,7 +12838,7 @@
               <a:defRPr/>
             </a:pPr>
             <a:r>
-              <a:rPr lang="en-US" altLang="zh-CN" kern="0" dirty="0" smtClean="0">
+              <a:rPr lang="en-US" altLang="zh-CN" kern="0" dirty="0">
                 <a:solidFill>
                   <a:schemeClr val="tx1"/>
                 </a:solidFill>
@@ -11895,7 +12848,7 @@
               <a:t>        </a:t>
             </a:r>
             <a:r>
-              <a:rPr lang="en-US" altLang="zh-CN" kern="0" dirty="0" err="1" smtClean="0">
+              <a:rPr lang="en-US" altLang="zh-CN" kern="0" dirty="0" err="1">
                 <a:solidFill>
                   <a:schemeClr val="tx1"/>
                 </a:solidFill>
@@ -11905,7 +12858,7 @@
               <a:t>int</a:t>
             </a:r>
             <a:r>
-              <a:rPr lang="en-US" altLang="zh-CN" kern="0" dirty="0" smtClean="0">
+              <a:rPr lang="en-US" altLang="zh-CN" kern="0" dirty="0">
                 <a:solidFill>
                   <a:schemeClr val="tx1"/>
                 </a:solidFill>
@@ -11923,7 +12876,7 @@
               <a:defRPr/>
             </a:pPr>
             <a:r>
-              <a:rPr lang="en-US" altLang="zh-CN" kern="0" dirty="0" smtClean="0">
+              <a:rPr lang="en-US" altLang="zh-CN" kern="0" dirty="0">
                 <a:solidFill>
                   <a:schemeClr val="tx1"/>
                 </a:solidFill>
@@ -11943,7 +12896,7 @@
         </p:nvSpPr>
         <p:spPr>
           <a:xfrm>
-            <a:off x="1126659" y="4810832"/>
+            <a:off x="2650659" y="5169756"/>
             <a:ext cx="7500990" cy="1571612"/>
           </a:xfrm>
           <a:prstGeom prst="rect">
@@ -11972,7 +12925,7 @@
               <a:defRPr/>
             </a:pPr>
             <a:r>
-              <a:rPr lang="en-US" altLang="zh-CN" kern="0" dirty="0" smtClean="0">
+              <a:rPr lang="en-US" altLang="zh-CN" kern="0" dirty="0">
                 <a:solidFill>
                   <a:schemeClr val="tx1"/>
                 </a:solidFill>
@@ -11982,7 +12935,7 @@
               <a:t>public </a:t>
             </a:r>
             <a:r>
-              <a:rPr lang="en-US" altLang="zh-CN" kern="0" dirty="0" err="1" smtClean="0">
+              <a:rPr lang="en-US" altLang="zh-CN" kern="0" dirty="0" err="1">
                 <a:solidFill>
                   <a:schemeClr val="tx1"/>
                 </a:solidFill>
@@ -11992,7 +12945,7 @@
               <a:t>enum</a:t>
             </a:r>
             <a:r>
-              <a:rPr lang="en-US" altLang="zh-CN" kern="0" dirty="0" smtClean="0">
+              <a:rPr lang="en-US" altLang="zh-CN" kern="0" dirty="0">
                 <a:solidFill>
                   <a:schemeClr val="tx1"/>
                 </a:solidFill>
@@ -12010,7 +12963,7 @@
               <a:defRPr/>
             </a:pPr>
             <a:r>
-              <a:rPr lang="en-US" altLang="zh-CN" kern="0" dirty="0" smtClean="0">
+              <a:rPr lang="en-US" altLang="zh-CN" kern="0" dirty="0">
                 <a:solidFill>
                   <a:schemeClr val="tx1"/>
                 </a:solidFill>
@@ -12028,7 +12981,7 @@
               <a:defRPr/>
             </a:pPr>
             <a:r>
-              <a:rPr lang="en-US" altLang="zh-CN" kern="0" dirty="0" smtClean="0">
+              <a:rPr lang="en-US" altLang="zh-CN" kern="0" dirty="0">
                 <a:solidFill>
                   <a:schemeClr val="tx1"/>
                 </a:solidFill>
@@ -12046,7 +12999,7 @@
               <a:defRPr/>
             </a:pPr>
             <a:r>
-              <a:rPr lang="en-US" altLang="zh-CN" kern="0" dirty="0" smtClean="0">
+              <a:rPr lang="en-US" altLang="zh-CN" kern="0" dirty="0">
                 <a:solidFill>
                   <a:schemeClr val="tx1"/>
                 </a:solidFill>
@@ -12066,8 +13019,8 @@
         </p:nvSpPr>
         <p:spPr>
           <a:xfrm>
-            <a:off x="7627517" y="4955684"/>
-            <a:ext cx="1192955" cy="1569660"/>
+            <a:off x="9295787" y="4955684"/>
+            <a:ext cx="904414" cy="1569660"/>
           </a:xfrm>
           <a:prstGeom prst="rect">
             <a:avLst/>
@@ -12098,41 +13051,23 @@
           <a:p>
             <a:pPr algn="ctr"/>
             <a:r>
-              <a:rPr lang="en-US" altLang="zh-CN" sz="9600" b="1" dirty="0" smtClean="0">
+              <a:rPr lang="en-US" altLang="zh-CN" sz="9600" dirty="0">
                 <a:ln>
                   <a:prstDash val="solid"/>
                 </a:ln>
                 <a:solidFill>
                   <a:srgbClr val="FF0000"/>
                 </a:solidFill>
-                <a:effectLst>
-                  <a:outerShdw blurRad="88000" dist="50800" dir="5040000" algn="tl">
-                    <a:schemeClr val="accent4">
-                      <a:tint val="80000"/>
-                      <a:satMod val="250000"/>
-                      <a:alpha val="45000"/>
-                    </a:schemeClr>
-                  </a:outerShdw>
-                </a:effectLst>
               </a:rPr>
               <a:t>×</a:t>
             </a:r>
-            <a:endParaRPr lang="zh-CN" altLang="en-US" sz="9600" b="1" dirty="0">
+            <a:endParaRPr lang="zh-CN" altLang="en-US" sz="9600" dirty="0">
               <a:ln>
                 <a:prstDash val="solid"/>
               </a:ln>
               <a:solidFill>
                 <a:srgbClr val="FF0000"/>
               </a:solidFill>
-              <a:effectLst>
-                <a:outerShdw blurRad="88000" dist="50800" dir="5040000" algn="tl">
-                  <a:schemeClr val="accent4">
-                    <a:tint val="80000"/>
-                    <a:satMod val="250000"/>
-                    <a:alpha val="45000"/>
-                  </a:schemeClr>
-                </a:outerShdw>
-              </a:effectLst>
             </a:endParaRPr>
           </a:p>
         </p:txBody>
@@ -12145,8 +13080,8 @@
         </p:nvSpPr>
         <p:spPr>
           <a:xfrm>
-            <a:off x="7627517" y="3096320"/>
-            <a:ext cx="1192955" cy="1569660"/>
+            <a:off x="8904312" y="3566626"/>
+            <a:ext cx="1368151" cy="1323439"/>
           </a:xfrm>
           <a:prstGeom prst="rect">
             <a:avLst/>
@@ -12154,7 +13089,7 @@
           <a:noFill/>
         </p:spPr>
         <p:txBody>
-          <a:bodyPr wrap="none" lIns="91440" tIns="45720" rIns="91440" bIns="45720" anchor="ctr">
+          <a:bodyPr wrap="square" lIns="91440" tIns="45720" rIns="91440" bIns="45720" anchor="ctr">
             <a:spAutoFit/>
             <a:scene3d>
               <a:camera prst="orthographicFront">
@@ -12177,7 +13112,7 @@
           <a:p>
             <a:pPr algn="ctr"/>
             <a:r>
-              <a:rPr lang="zh-CN" altLang="en-US" sz="9600" b="1" dirty="0" smtClean="0">
+              <a:rPr lang="zh-CN" altLang="en-US" sz="8000" dirty="0">
                 <a:ln>
                   <a:prstDash val="solid"/>
                 </a:ln>
@@ -12196,23 +13131,6 @@
               </a:rPr>
               <a:t>√</a:t>
             </a:r>
-            <a:endParaRPr lang="zh-CN" altLang="en-US" sz="9600" b="1" dirty="0">
-              <a:ln>
-                <a:prstDash val="solid"/>
-              </a:ln>
-              <a:solidFill>
-                <a:srgbClr val="FF0000"/>
-              </a:solidFill>
-              <a:effectLst>
-                <a:outerShdw blurRad="88000" dist="50800" dir="5040000" algn="tl">
-                  <a:schemeClr val="accent4">
-                    <a:tint val="80000"/>
-                    <a:satMod val="250000"/>
-                    <a:alpha val="45000"/>
-                  </a:schemeClr>
-                </a:outerShdw>
-              </a:effectLst>
-            </a:endParaRPr>
           </a:p>
         </p:txBody>
       </p:sp>

--- a/ch10/第10章 枚举.pptx
+++ b/ch10/第10章 枚举.pptx
@@ -5546,11 +5546,7 @@
             </a:pPr>
             <a:r>
               <a:rPr lang="zh-CN" altLang="en-US" dirty="0" smtClean="0"/>
-              <a:t>通常</a:t>
-            </a:r>
-            <a:r>
-              <a:rPr lang="zh-CN" altLang="en-US" dirty="0" smtClean="0"/>
-              <a:t>只为枚举成员变量提供</a:t>
+              <a:t>通常只为枚举成员变量提供</a:t>
             </a:r>
             <a:r>
               <a:rPr lang="en-US" altLang="zh-CN" dirty="0" smtClean="0"/>
@@ -6729,13 +6725,7 @@
               <a:rPr lang="zh-CN" altLang="en-US" dirty="0" smtClean="0">
                 <a:sym typeface="Arial" charset="0"/>
               </a:rPr>
-              <a:t>他们的数值在程序中是稳定</a:t>
-            </a:r>
-            <a:r>
-              <a:rPr lang="zh-CN" altLang="en-US" dirty="0" smtClean="0">
-                <a:sym typeface="Arial" charset="0"/>
-              </a:rPr>
-              <a:t>的。</a:t>
+              <a:t>他们的数值在程序中是稳定的。</a:t>
             </a:r>
             <a:endParaRPr lang="en-US" altLang="zh-CN" dirty="0" smtClean="0">
               <a:sym typeface="Arial" charset="0"/>
@@ -6751,13 +6741,7 @@
               <a:rPr lang="zh-CN" altLang="en-US" dirty="0" smtClean="0">
                 <a:sym typeface="Arial" charset="0"/>
               </a:rPr>
-              <a:t>元素个数</a:t>
-            </a:r>
-            <a:r>
-              <a:rPr lang="zh-CN" altLang="en-US" dirty="0" smtClean="0">
-                <a:sym typeface="Arial" charset="0"/>
-              </a:rPr>
-              <a:t>有限。</a:t>
+              <a:t>元素个数有限。</a:t>
             </a:r>
             <a:endParaRPr lang="en-US" altLang="zh-CN" dirty="0" smtClean="0">
               <a:sym typeface="Arial" charset="0"/>
@@ -6806,9 +6790,14 @@
               </a:lnSpc>
             </a:pPr>
             <a:r>
+              <a:rPr lang="en-US" altLang="zh-CN" dirty="0" smtClean="0"/>
+              <a:t>e</a:t>
+            </a:r>
+            <a:r>
               <a:rPr lang="en-US" dirty="0" smtClean="0"/>
-              <a:t>Equals</a:t>
-            </a:r>
+              <a:t>quals</a:t>
+            </a:r>
+            <a:endParaRPr lang="en-US" dirty="0" smtClean="0"/>
           </a:p>
           <a:p>
             <a:pPr lvl="1">
@@ -6817,8 +6806,8 @@
               </a:lnSpc>
             </a:pPr>
             <a:r>
-              <a:rPr lang="en-US" dirty="0" err="1" smtClean="0"/>
-              <a:t>Hashcode</a:t>
+              <a:rPr lang="en-US" dirty="0" smtClean="0"/>
+              <a:t>hashcode</a:t>
             </a:r>
             <a:endParaRPr lang="en-US" dirty="0" smtClean="0"/>
           </a:p>
@@ -6931,11 +6920,6 @@
               </a:rPr>
               <a:t>赋值。</a:t>
             </a:r>
-            <a:endParaRPr lang="zh-CN" altLang="en-US" dirty="0" smtClean="0">
-              <a:solidFill>
-                <a:srgbClr val="FF0000"/>
-              </a:solidFill>
-            </a:endParaRPr>
           </a:p>
           <a:p>
             <a:pPr lvl="1">
@@ -8107,8 +8091,8 @@
           </a:p>
           <a:p>
             <a:r>
-              <a:rPr lang="en-US" altLang="zh-CN" dirty="0" err="1" smtClean="0"/>
-              <a:t>Enum</a:t>
+              <a:rPr lang="en-US" altLang="zh-CN" smtClean="0"/>
+              <a:t>enum</a:t>
             </a:r>
             <a:r>
               <a:rPr lang="zh-CN" altLang="en-US" dirty="0" smtClean="0"/>
@@ -10346,8 +10330,8 @@
         </p:nvSpPr>
         <p:spPr>
           <a:xfrm>
-            <a:off x="4655840" y="1160749"/>
-            <a:ext cx="2808312" cy="4965415"/>
+            <a:off x="609600" y="1160749"/>
+            <a:ext cx="6854552" cy="4965415"/>
           </a:xfrm>
         </p:spPr>
         <p:txBody>
@@ -10478,13 +10462,7 @@
               <a:rPr lang="zh-CN" altLang="en-US" dirty="0" smtClean="0">
                 <a:sym typeface="Arial" charset="0"/>
               </a:rPr>
-              <a:t>中的</a:t>
-            </a:r>
-            <a:r>
-              <a:rPr lang="zh-CN" altLang="en-US" dirty="0" smtClean="0">
-                <a:sym typeface="Arial" charset="0"/>
-              </a:rPr>
-              <a:t>枚举</a:t>
+              <a:t>中的枚举</a:t>
             </a:r>
             <a:r>
               <a:rPr lang="zh-CN" altLang="en-US" dirty="0"/>
@@ -10504,13 +10482,7 @@
               <a:rPr lang="zh-CN" altLang="en-US" dirty="0" smtClean="0">
                 <a:sym typeface="Arial" charset="0"/>
               </a:rPr>
-              <a:t>一些方法在运行时，它需要的数据不能是任意的，而必须是一定范围内的</a:t>
-            </a:r>
-            <a:r>
-              <a:rPr lang="zh-CN" altLang="en-US" dirty="0" smtClean="0">
-                <a:sym typeface="Arial" charset="0"/>
-              </a:rPr>
-              <a:t>值</a:t>
+              <a:t>一些方法在运行时，它需要的数据不能是任意的，而必须是一定范围内的值</a:t>
             </a:r>
             <a:r>
               <a:rPr lang="zh-CN" altLang="en-US" dirty="0"/>
